--- a/presentation/list_ArrayList_Java_implementation.pptx
+++ b/presentation/list_ArrayList_Java_implementation.pptx
@@ -2,11 +2,11 @@
 <file path=ppt/presentation.xml><?xml version="1.0" encoding="utf-8"?>
 <p:presentation xmlns:a="http://schemas.openxmlformats.org/drawingml/2006/main" xmlns:r="http://schemas.openxmlformats.org/officeDocument/2006/relationships" xmlns:p="http://schemas.openxmlformats.org/presentationml/2006/main" autoCompressPictures="0">
   <p:sldMasterIdLst>
-    <p:sldMasterId id="2147483768" r:id="rId1"/>
+    <p:sldMasterId id="2147483781" r:id="rId1"/>
   </p:sldMasterIdLst>
   <p:sldIdLst>
     <p:sldId id="256" r:id="rId2"/>
-    <p:sldId id="283" r:id="rId3"/>
+    <p:sldId id="308" r:id="rId3"/>
     <p:sldId id="299" r:id="rId4"/>
     <p:sldId id="272" r:id="rId5"/>
     <p:sldId id="285" r:id="rId6"/>
@@ -18,14 +18,18 @@
     <p:sldId id="305" r:id="rId12"/>
     <p:sldId id="273" r:id="rId13"/>
     <p:sldId id="294" r:id="rId14"/>
-    <p:sldId id="304" r:id="rId15"/>
-    <p:sldId id="303" r:id="rId16"/>
-    <p:sldId id="307" r:id="rId17"/>
-    <p:sldId id="306" r:id="rId18"/>
-    <p:sldId id="280" r:id="rId19"/>
-    <p:sldId id="295" r:id="rId20"/>
-    <p:sldId id="296" r:id="rId21"/>
-    <p:sldId id="298" r:id="rId22"/>
+    <p:sldId id="303" r:id="rId15"/>
+    <p:sldId id="307" r:id="rId16"/>
+    <p:sldId id="306" r:id="rId17"/>
+    <p:sldId id="280" r:id="rId18"/>
+    <p:sldId id="295" r:id="rId19"/>
+    <p:sldId id="296" r:id="rId20"/>
+    <p:sldId id="298" r:id="rId21"/>
+    <p:sldId id="309" r:id="rId22"/>
+    <p:sldId id="311" r:id="rId23"/>
+    <p:sldId id="310" r:id="rId24"/>
+    <p:sldId id="313" r:id="rId25"/>
+    <p:sldId id="312" r:id="rId26"/>
   </p:sldIdLst>
   <p:sldSz cx="12192000" cy="6858000"/>
   <p:notesSz cx="6858000" cy="9144000"/>
@@ -133,8 +137,8 @@
 </file>
 
 <file path=ppt/slideLayouts/slideLayout1.xml><?xml version="1.0" encoding="utf-8"?>
-<p:sldLayout xmlns:a="http://schemas.openxmlformats.org/drawingml/2006/main" xmlns:r="http://schemas.openxmlformats.org/officeDocument/2006/relationships" xmlns:p="http://schemas.openxmlformats.org/presentationml/2006/main" showMasterSp="0" type="title" preserve="1">
-  <p:cSld name="제목 슬라이드">
+<p:sldLayout xmlns:a="http://schemas.openxmlformats.org/drawingml/2006/main" xmlns:r="http://schemas.openxmlformats.org/officeDocument/2006/relationships" xmlns:p="http://schemas.openxmlformats.org/presentationml/2006/main" showMasterSp="0" preserve="1" userDrawn="1">
+  <p:cSld name="5_제목 슬라이드">
     <p:bg>
       <p:bgRef idx="1002">
         <a:schemeClr val="bg2"/>
@@ -158,7 +162,7 @@
         <p:nvSpPr>
           <p:cNvPr id="16" name="Rectangle 15"/>
           <p:cNvSpPr/>
-          <p:nvPr/>
+          <p:nvPr userDrawn="1"/>
         </p:nvSpPr>
         <p:spPr>
           <a:xfrm>
@@ -168,20 +172,9 @@
           <a:prstGeom prst="rect">
             <a:avLst/>
           </a:prstGeom>
-          <a:blipFill dpi="0" rotWithShape="1">
-            <a:blip r:embed="rId2">
-              <a:alphaModFix amt="45000"/>
-              <a:duotone>
-                <a:schemeClr val="accent1">
-                  <a:shade val="45000"/>
-                  <a:satMod val="135000"/>
-                </a:schemeClr>
-                <a:prstClr val="white"/>
-              </a:duotone>
-            </a:blip>
-            <a:srcRect/>
-            <a:tile tx="-44450" ty="38100" sx="85000" sy="85000" flip="none" algn="tl"/>
-          </a:blipFill>
+          <a:solidFill>
+            <a:srgbClr val="EEEEEE"/>
+          </a:solidFill>
           <a:ln>
             <a:noFill/>
           </a:ln>
@@ -205,68 +198,9 @@
       </p:sp>
       <p:sp>
         <p:nvSpPr>
-          <p:cNvPr id="10" name="Rectangle 9"/>
-          <p:cNvSpPr/>
-          <p:nvPr/>
-        </p:nvSpPr>
-        <p:spPr>
-          <a:xfrm>
-            <a:off x="1307870" y="1267730"/>
-            <a:ext cx="9576262" cy="4307950"/>
-          </a:xfrm>
-          <a:prstGeom prst="rect">
-            <a:avLst/>
-          </a:prstGeom>
-          <a:solidFill>
-            <a:schemeClr val="bg1"/>
-          </a:solidFill>
-          <a:ln w="6350" cap="flat" cmpd="sng" algn="ctr">
-            <a:noFill/>
-            <a:prstDash val="solid"/>
-          </a:ln>
-          <a:effectLst>
-            <a:outerShdw blurRad="50800" algn="ctr" rotWithShape="0">
-              <a:prstClr val="black">
-                <a:alpha val="66000"/>
-              </a:prstClr>
-            </a:outerShdw>
-            <a:softEdge rad="0"/>
-          </a:effectLst>
-        </p:spPr>
-      </p:sp>
-      <p:sp>
-        <p:nvSpPr>
-          <p:cNvPr id="11" name="Rectangle 10"/>
-          <p:cNvSpPr/>
-          <p:nvPr/>
-        </p:nvSpPr>
-        <p:spPr>
-          <a:xfrm>
-            <a:off x="1447801" y="1411615"/>
-            <a:ext cx="9296400" cy="4034770"/>
-          </a:xfrm>
-          <a:prstGeom prst="rect">
-            <a:avLst/>
-          </a:prstGeom>
-          <a:noFill/>
-          <a:ln w="6350" cap="sq" cmpd="sng" algn="ctr">
-            <a:solidFill>
-              <a:schemeClr val="tx1">
-                <a:lumMod val="75000"/>
-                <a:lumOff val="25000"/>
-              </a:schemeClr>
-            </a:solidFill>
-            <a:prstDash val="solid"/>
-            <a:miter lim="800000"/>
-          </a:ln>
-          <a:effectLst/>
-        </p:spPr>
-      </p:sp>
-      <p:sp>
-        <p:nvSpPr>
           <p:cNvPr id="15" name="Rectangle 14"/>
           <p:cNvSpPr/>
-          <p:nvPr/>
+          <p:nvPr userDrawn="1"/>
         </p:nvSpPr>
         <p:spPr>
           <a:xfrm>
@@ -276,456 +210,7 @@
           <a:prstGeom prst="rect">
             <a:avLst/>
           </a:prstGeom>
-          <a:solidFill>
-            <a:schemeClr val="bg2"/>
-          </a:solidFill>
-          <a:ln>
-            <a:noFill/>
-          </a:ln>
-        </p:spPr>
-        <p:style>
-          <a:lnRef idx="2">
-            <a:schemeClr val="accent1">
-              <a:shade val="50000"/>
-            </a:schemeClr>
-          </a:lnRef>
-          <a:fillRef idx="1">
-            <a:schemeClr val="accent1"/>
-          </a:fillRef>
-          <a:effectRef idx="0">
-            <a:schemeClr val="accent1"/>
-          </a:effectRef>
-          <a:fontRef idx="minor">
-            <a:schemeClr val="lt1"/>
-          </a:fontRef>
-        </p:style>
-      </p:sp>
-      <p:grpSp>
-        <p:nvGrpSpPr>
-          <p:cNvPr id="4" name="Group 3"/>
-          <p:cNvGrpSpPr/>
-          <p:nvPr/>
-        </p:nvGrpSpPr>
-        <p:grpSpPr>
-          <a:xfrm>
-            <a:off x="5250180" y="1267730"/>
-            <a:ext cx="1691640" cy="645295"/>
-            <a:chOff x="5318306" y="1386268"/>
-            <a:chExt cx="1567331" cy="645295"/>
-          </a:xfrm>
-        </p:grpSpPr>
-        <p:cxnSp>
-          <p:nvCxnSpPr>
-            <p:cNvPr id="17" name="Straight Connector 16"/>
-            <p:cNvCxnSpPr/>
-            <p:nvPr/>
-          </p:nvCxnSpPr>
-          <p:spPr>
-            <a:xfrm>
-              <a:off x="5318306" y="1386268"/>
-              <a:ext cx="0" cy="640080"/>
-            </a:xfrm>
-            <a:prstGeom prst="line">
-              <a:avLst/>
-            </a:prstGeom>
-            <a:solidFill>
-              <a:schemeClr val="tx1">
-                <a:lumMod val="85000"/>
-                <a:lumOff val="15000"/>
-              </a:schemeClr>
-            </a:solidFill>
-            <a:ln>
-              <a:solidFill>
-                <a:schemeClr val="tx1"/>
-              </a:solidFill>
-              <a:miter lim="800000"/>
-            </a:ln>
-          </p:spPr>
-          <p:style>
-            <a:lnRef idx="1">
-              <a:schemeClr val="accent1"/>
-            </a:lnRef>
-            <a:fillRef idx="0">
-              <a:schemeClr val="accent1"/>
-            </a:fillRef>
-            <a:effectRef idx="0">
-              <a:schemeClr val="accent1"/>
-            </a:effectRef>
-            <a:fontRef idx="minor">
-              <a:schemeClr val="tx1"/>
-            </a:fontRef>
-          </p:style>
-        </p:cxnSp>
-        <p:cxnSp>
-          <p:nvCxnSpPr>
-            <p:cNvPr id="18" name="Straight Connector 17"/>
-            <p:cNvCxnSpPr/>
-            <p:nvPr/>
-          </p:nvCxnSpPr>
-          <p:spPr>
-            <a:xfrm>
-              <a:off x="6885637" y="1386268"/>
-              <a:ext cx="0" cy="640080"/>
-            </a:xfrm>
-            <a:prstGeom prst="line">
-              <a:avLst/>
-            </a:prstGeom>
-            <a:solidFill>
-              <a:schemeClr val="tx1">
-                <a:lumMod val="85000"/>
-                <a:lumOff val="15000"/>
-              </a:schemeClr>
-            </a:solidFill>
-            <a:ln>
-              <a:solidFill>
-                <a:schemeClr val="tx1"/>
-              </a:solidFill>
-              <a:miter lim="800000"/>
-            </a:ln>
-          </p:spPr>
-          <p:style>
-            <a:lnRef idx="1">
-              <a:schemeClr val="accent1"/>
-            </a:lnRef>
-            <a:fillRef idx="0">
-              <a:schemeClr val="accent1"/>
-            </a:fillRef>
-            <a:effectRef idx="0">
-              <a:schemeClr val="accent1"/>
-            </a:effectRef>
-            <a:fontRef idx="minor">
-              <a:schemeClr val="tx1"/>
-            </a:fontRef>
-          </p:style>
-        </p:cxnSp>
-        <p:cxnSp>
-          <p:nvCxnSpPr>
-            <p:cNvPr id="19" name="Straight Connector 18"/>
-            <p:cNvCxnSpPr/>
-            <p:nvPr/>
-          </p:nvCxnSpPr>
-          <p:spPr>
-            <a:xfrm>
-              <a:off x="5318306" y="2031563"/>
-              <a:ext cx="1567331" cy="0"/>
-            </a:xfrm>
-            <a:prstGeom prst="line">
-              <a:avLst/>
-            </a:prstGeom>
-            <a:solidFill>
-              <a:schemeClr val="tx1">
-                <a:lumMod val="85000"/>
-                <a:lumOff val="15000"/>
-              </a:schemeClr>
-            </a:solidFill>
-            <a:ln>
-              <a:solidFill>
-                <a:schemeClr val="tx1"/>
-              </a:solidFill>
-              <a:miter lim="800000"/>
-            </a:ln>
-          </p:spPr>
-          <p:style>
-            <a:lnRef idx="1">
-              <a:schemeClr val="accent1"/>
-            </a:lnRef>
-            <a:fillRef idx="0">
-              <a:schemeClr val="accent1"/>
-            </a:fillRef>
-            <a:effectRef idx="0">
-              <a:schemeClr val="accent1"/>
-            </a:effectRef>
-            <a:fontRef idx="minor">
-              <a:schemeClr val="tx1"/>
-            </a:fontRef>
-          </p:style>
-        </p:cxnSp>
-      </p:grpSp>
-      <p:sp>
-        <p:nvSpPr>
-          <p:cNvPr id="2" name="Title 1"/>
-          <p:cNvSpPr>
-            <a:spLocks noGrp="1"/>
-          </p:cNvSpPr>
-          <p:nvPr>
-            <p:ph type="ctrTitle"/>
-          </p:nvPr>
-        </p:nvSpPr>
-        <p:spPr>
-          <a:xfrm>
-            <a:off x="1561708" y="2091263"/>
-            <a:ext cx="9068586" cy="2138110"/>
-          </a:xfrm>
-        </p:spPr>
-        <p:txBody>
-          <a:bodyPr tIns="45720" bIns="45720" anchor="ctr">
-            <a:noAutofit/>
-          </a:bodyPr>
-          <a:lstStyle>
-            <a:lvl1pPr algn="ctr">
-              <a:lnSpc>
-                <a:spcPct val="83000"/>
-              </a:lnSpc>
-              <a:defRPr lang="en-US" sz="7200" b="0" kern="1200" cap="all" spc="-100" baseline="0" dirty="0">
-                <a:solidFill>
-                  <a:schemeClr val="tx1">
-                    <a:lumMod val="85000"/>
-                    <a:lumOff val="15000"/>
-                  </a:schemeClr>
-                </a:solidFill>
-                <a:effectLst/>
-                <a:latin typeface="+mj-ea"/>
-                <a:ea typeface="+mj-ea"/>
-                <a:cs typeface="+mn-cs"/>
-              </a:defRPr>
-            </a:lvl1pPr>
-          </a:lstStyle>
-          <a:p>
-            <a:r>
-              <a:rPr lang="ko-KR" altLang="en-US" dirty="0" smtClean="0"/>
-              <a:t>마스터 제목 스타일 편집</a:t>
-            </a:r>
-            <a:endParaRPr lang="en-US" dirty="0"/>
-          </a:p>
-        </p:txBody>
-      </p:sp>
-      <p:sp>
-        <p:nvSpPr>
-          <p:cNvPr id="3" name="Subtitle 2"/>
-          <p:cNvSpPr>
-            <a:spLocks noGrp="1"/>
-          </p:cNvSpPr>
-          <p:nvPr>
-            <p:ph type="subTitle" idx="1"/>
-          </p:nvPr>
-        </p:nvSpPr>
-        <p:spPr>
-          <a:xfrm>
-            <a:off x="1562100" y="4236098"/>
-            <a:ext cx="9070848" cy="903165"/>
-          </a:xfrm>
-        </p:spPr>
-        <p:txBody>
-          <a:bodyPr anchor="ctr">
-            <a:normAutofit/>
-          </a:bodyPr>
-          <a:lstStyle>
-            <a:lvl1pPr marL="0" indent="0" algn="ctr">
-              <a:spcBef>
-                <a:spcPts val="0"/>
-              </a:spcBef>
-              <a:buNone/>
-              <a:defRPr sz="4000" spc="80" baseline="0">
-                <a:solidFill>
-                  <a:schemeClr val="tx1"/>
-                </a:solidFill>
-                <a:latin typeface="+mj-ea"/>
-                <a:ea typeface="+mj-ea"/>
-              </a:defRPr>
-            </a:lvl1pPr>
-            <a:lvl2pPr marL="457200" indent="0" algn="ctr">
-              <a:buNone/>
-              <a:defRPr sz="1600"/>
-            </a:lvl2pPr>
-            <a:lvl3pPr marL="914400" indent="0" algn="ctr">
-              <a:buNone/>
-              <a:defRPr sz="1600"/>
-            </a:lvl3pPr>
-            <a:lvl4pPr marL="1371600" indent="0" algn="ctr">
-              <a:buNone/>
-              <a:defRPr sz="1600"/>
-            </a:lvl4pPr>
-            <a:lvl5pPr marL="1828800" indent="0" algn="ctr">
-              <a:buNone/>
-              <a:defRPr sz="1600"/>
-            </a:lvl5pPr>
-            <a:lvl6pPr marL="2286000" indent="0" algn="ctr">
-              <a:buNone/>
-              <a:defRPr sz="1600"/>
-            </a:lvl6pPr>
-            <a:lvl7pPr marL="2743200" indent="0" algn="ctr">
-              <a:buNone/>
-              <a:defRPr sz="1600"/>
-            </a:lvl7pPr>
-            <a:lvl8pPr marL="3200400" indent="0" algn="ctr">
-              <a:buNone/>
-              <a:defRPr sz="1600"/>
-            </a:lvl8pPr>
-            <a:lvl9pPr marL="3657600" indent="0" algn="ctr">
-              <a:buNone/>
-              <a:defRPr sz="1600"/>
-            </a:lvl9pPr>
-          </a:lstStyle>
-          <a:p>
-            <a:r>
-              <a:rPr lang="ko-KR" altLang="en-US" dirty="0" smtClean="0"/>
-              <a:t>마스터 부제목 스타일 편집</a:t>
-            </a:r>
-            <a:endParaRPr lang="en-US" dirty="0"/>
-          </a:p>
-        </p:txBody>
-      </p:sp>
-      <p:sp>
-        <p:nvSpPr>
-          <p:cNvPr id="20" name="Date Placeholder 19"/>
-          <p:cNvSpPr>
-            <a:spLocks noGrp="1"/>
-          </p:cNvSpPr>
-          <p:nvPr>
-            <p:ph type="dt" sz="half" idx="10"/>
-          </p:nvPr>
-        </p:nvSpPr>
-        <p:spPr>
-          <a:xfrm>
-            <a:off x="5318760" y="1341255"/>
-            <a:ext cx="1554480" cy="527213"/>
-          </a:xfrm>
-        </p:spPr>
-        <p:txBody>
-          <a:bodyPr/>
-          <a:lstStyle>
-            <a:lvl1pPr algn="ctr">
-              <a:defRPr sz="1300" spc="0" baseline="0">
-                <a:solidFill>
-                  <a:schemeClr val="tx1"/>
-                </a:solidFill>
-                <a:latin typeface="+mn-lt"/>
-              </a:defRPr>
-            </a:lvl1pPr>
-          </a:lstStyle>
-          <a:p>
-            <a:fld id="{DDA51639-B2D6-4652-B8C3-1B4C224A7BAF}" type="datetimeFigureOut">
-              <a:rPr lang="en-US" dirty="0"/>
-              <a:t>12/3/2014</a:t>
-            </a:fld>
-            <a:endParaRPr lang="en-US" dirty="0"/>
-          </a:p>
-        </p:txBody>
-      </p:sp>
-      <p:sp>
-        <p:nvSpPr>
-          <p:cNvPr id="21" name="Footer Placeholder 20"/>
-          <p:cNvSpPr>
-            <a:spLocks noGrp="1"/>
-          </p:cNvSpPr>
-          <p:nvPr>
-            <p:ph type="ftr" sz="quarter" idx="11"/>
-          </p:nvPr>
-        </p:nvSpPr>
-        <p:spPr>
-          <a:xfrm>
-            <a:off x="1453896" y="5211060"/>
-            <a:ext cx="5905500" cy="228600"/>
-          </a:xfrm>
-        </p:spPr>
-        <p:txBody>
-          <a:bodyPr/>
-          <a:lstStyle>
-            <a:lvl1pPr algn="l">
-              <a:defRPr>
-                <a:solidFill>
-                  <a:schemeClr val="tx1">
-                    <a:lumMod val="75000"/>
-                    <a:lumOff val="25000"/>
-                  </a:schemeClr>
-                </a:solidFill>
-              </a:defRPr>
-            </a:lvl1pPr>
-          </a:lstStyle>
-          <a:p>
-            <a:endParaRPr lang="en-US" dirty="0"/>
-          </a:p>
-        </p:txBody>
-      </p:sp>
-      <p:sp>
-        <p:nvSpPr>
-          <p:cNvPr id="22" name="Slide Number Placeholder 21"/>
-          <p:cNvSpPr>
-            <a:spLocks noGrp="1"/>
-          </p:cNvSpPr>
-          <p:nvPr>
-            <p:ph type="sldNum" sz="quarter" idx="12"/>
-          </p:nvPr>
-        </p:nvSpPr>
-        <p:spPr>
-          <a:xfrm>
-            <a:off x="8606919" y="5212080"/>
-            <a:ext cx="2111881" cy="228600"/>
-          </a:xfrm>
-        </p:spPr>
-        <p:txBody>
-          <a:bodyPr/>
-          <a:lstStyle>
-            <a:lvl1pPr>
-              <a:defRPr>
-                <a:solidFill>
-                  <a:schemeClr val="tx1">
-                    <a:lumMod val="75000"/>
-                    <a:lumOff val="25000"/>
-                  </a:schemeClr>
-                </a:solidFill>
-              </a:defRPr>
-            </a:lvl1pPr>
-          </a:lstStyle>
-          <a:p>
-            <a:fld id="{4FAB73BC-B049-4115-A692-8D63A059BFB8}" type="slidenum">
-              <a:rPr lang="en-US" dirty="0"/>
-              <a:pPr/>
-              <a:t>‹#›</a:t>
-            </a:fld>
-            <a:endParaRPr lang="en-US" dirty="0"/>
-          </a:p>
-        </p:txBody>
-      </p:sp>
-    </p:spTree>
-  </p:cSld>
-  <p:clrMapOvr>
-    <a:overrideClrMapping bg1="lt1" tx1="dk1" bg2="lt2" tx2="dk2" accent1="accent1" accent2="accent2" accent3="accent3" accent4="accent4" accent5="accent5" accent6="accent6" hlink="hlink" folHlink="folHlink"/>
-  </p:clrMapOvr>
-  <p:timing>
-    <p:tnLst>
-      <p:par>
-        <p:cTn id="1" dur="indefinite" restart="never" nodeType="tmRoot"/>
-      </p:par>
-    </p:tnLst>
-  </p:timing>
-</p:sldLayout>
-</file>
-
-<file path=ppt/slideLayouts/slideLayout10.xml><?xml version="1.0" encoding="utf-8"?>
-<p:sldLayout xmlns:a="http://schemas.openxmlformats.org/drawingml/2006/main" xmlns:r="http://schemas.openxmlformats.org/officeDocument/2006/relationships" xmlns:p="http://schemas.openxmlformats.org/presentationml/2006/main" showMasterSp="0" type="picTx" preserve="1">
-  <p:cSld name="캡션 있는 그림">
-    <p:spTree>
-      <p:nvGrpSpPr>
-        <p:cNvPr id="1" name=""/>
-        <p:cNvGrpSpPr/>
-        <p:nvPr/>
-      </p:nvGrpSpPr>
-      <p:grpSpPr>
-        <a:xfrm>
-          <a:off x="0" y="0"/>
-          <a:ext cx="0" cy="0"/>
-          <a:chOff x="0" y="0"/>
-          <a:chExt cx="0" cy="0"/>
-        </a:xfrm>
-      </p:grpSpPr>
-      <p:sp>
-        <p:nvSpPr>
-          <p:cNvPr id="14" name="Rectangle 13"/>
-          <p:cNvSpPr/>
-          <p:nvPr/>
-        </p:nvSpPr>
-        <p:spPr>
-          <a:xfrm>
-            <a:off x="9020386" y="237744"/>
-            <a:ext cx="2926080" cy="6382512"/>
-          </a:xfrm>
-          <a:prstGeom prst="rect">
-            <a:avLst/>
-          </a:prstGeom>
-          <a:solidFill>
-            <a:schemeClr val="accent1"/>
-          </a:solidFill>
+          <a:noFill/>
           <a:ln>
             <a:noFill/>
           </a:ln>
@@ -754,32 +239,38 @@
             <a:spLocks noGrp="1"/>
           </p:cNvSpPr>
           <p:nvPr>
-            <p:ph type="title"/>
+            <p:ph type="ctrTitle"/>
           </p:nvPr>
         </p:nvSpPr>
         <p:spPr>
           <a:xfrm>
-            <a:off x="9296400" y="603504"/>
-            <a:ext cx="2432304" cy="1645920"/>
+            <a:off x="545430" y="922029"/>
+            <a:ext cx="11217945" cy="3308430"/>
           </a:xfrm>
         </p:spPr>
         <p:txBody>
-          <a:bodyPr anchor="b">
+          <a:bodyPr tIns="45720" bIns="45720" anchor="ctr">
             <a:noAutofit/>
           </a:bodyPr>
           <a:lstStyle>
             <a:lvl1pPr algn="l">
-              <a:defRPr sz="2800" b="0">
+              <a:lnSpc>
+                <a:spcPct val="83000"/>
+              </a:lnSpc>
+              <a:defRPr lang="en-US" sz="13800" b="0" kern="1200" cap="none" spc="-100" baseline="0" dirty="0">
                 <a:solidFill>
-                  <a:srgbClr val="FFFFFF"/>
+                  <a:srgbClr val="333333"/>
                 </a:solidFill>
-                <a:latin typeface="+mj-lt"/>
+                <a:effectLst/>
+                <a:latin typeface="나눔바른고딕 Light" panose="020B0603020101020101" pitchFamily="50" charset="-127"/>
+                <a:ea typeface="나눔바른고딕 Light" panose="020B0603020101020101" pitchFamily="50" charset="-127"/>
+                <a:cs typeface="+mn-cs"/>
               </a:defRPr>
             </a:lvl1pPr>
           </a:lstStyle>
           <a:p>
             <a:r>
-              <a:rPr lang="ko-KR" altLang="en-US" smtClean="0"/>
+              <a:rPr lang="ko-KR" altLang="en-US" dirty="0" smtClean="0"/>
               <a:t>마스터 제목 스타일 편집</a:t>
             </a:r>
             <a:endParaRPr lang="en-US" dirty="0"/>
@@ -788,287 +279,23 @@
       </p:sp>
       <p:sp>
         <p:nvSpPr>
-          <p:cNvPr id="3" name="Picture Placeholder 2"/>
-          <p:cNvSpPr>
-            <a:spLocks noGrp="1" noChangeAspect="1"/>
-          </p:cNvSpPr>
-          <p:nvPr>
-            <p:ph type="pic" idx="1"/>
-          </p:nvPr>
+          <p:cNvPr id="4" name="직사각형 3"/>
+          <p:cNvSpPr/>
+          <p:nvPr userDrawn="1"/>
         </p:nvSpPr>
         <p:spPr>
           <a:xfrm>
-            <a:off x="228599" y="237744"/>
-            <a:ext cx="8531352" cy="6382512"/>
-          </a:xfrm>
-          <a:solidFill>
-            <a:schemeClr val="accent1">
-              <a:lumMod val="60000"/>
-              <a:lumOff val="40000"/>
-            </a:schemeClr>
-          </a:solidFill>
-          <a:ln>
-            <a:noFill/>
-          </a:ln>
-        </p:spPr>
-        <p:txBody>
-          <a:bodyPr anchor="t"/>
-          <a:lstStyle>
-            <a:lvl1pPr marL="0" indent="0">
-              <a:buNone/>
-              <a:defRPr sz="3200"/>
-            </a:lvl1pPr>
-            <a:lvl2pPr marL="457200" indent="0">
-              <a:buNone/>
-              <a:defRPr sz="2800"/>
-            </a:lvl2pPr>
-            <a:lvl3pPr marL="914400" indent="0">
-              <a:buNone/>
-              <a:defRPr sz="2400"/>
-            </a:lvl3pPr>
-            <a:lvl4pPr marL="1371600" indent="0">
-              <a:buNone/>
-              <a:defRPr sz="2000"/>
-            </a:lvl4pPr>
-            <a:lvl5pPr marL="1828800" indent="0">
-              <a:buNone/>
-              <a:defRPr sz="2000"/>
-            </a:lvl5pPr>
-            <a:lvl6pPr marL="2286000" indent="0">
-              <a:buNone/>
-              <a:defRPr sz="2000"/>
-            </a:lvl6pPr>
-            <a:lvl7pPr marL="2743200" indent="0">
-              <a:buNone/>
-              <a:defRPr sz="2000"/>
-            </a:lvl7pPr>
-            <a:lvl8pPr marL="3200400" indent="0">
-              <a:buNone/>
-              <a:defRPr sz="2000"/>
-            </a:lvl8pPr>
-            <a:lvl9pPr marL="3657600" indent="0">
-              <a:buNone/>
-              <a:defRPr sz="2000"/>
-            </a:lvl9pPr>
-          </a:lstStyle>
-          <a:p>
-            <a:r>
-              <a:rPr lang="ko-KR" altLang="en-US" smtClean="0"/>
-              <a:t>그림을 추가하려면 아이콘을 클릭하십시오</a:t>
-            </a:r>
-            <a:endParaRPr lang="en-US" dirty="0"/>
-          </a:p>
-        </p:txBody>
-      </p:sp>
-      <p:sp>
-        <p:nvSpPr>
-          <p:cNvPr id="4" name="Text Placeholder 3"/>
-          <p:cNvSpPr>
-            <a:spLocks noGrp="1"/>
-          </p:cNvSpPr>
-          <p:nvPr>
-            <p:ph type="body" sz="half" idx="2"/>
-          </p:nvPr>
-        </p:nvSpPr>
-        <p:spPr>
-          <a:xfrm>
-            <a:off x="9296400" y="2286000"/>
-            <a:ext cx="2432304" cy="3502152"/>
-          </a:xfrm>
-        </p:spPr>
-        <p:txBody>
-          <a:bodyPr>
-            <a:normAutofit/>
-          </a:bodyPr>
-          <a:lstStyle>
-            <a:lvl1pPr marL="0" indent="0" algn="l">
-              <a:lnSpc>
-                <a:spcPct val="110000"/>
-              </a:lnSpc>
-              <a:spcBef>
-                <a:spcPts val="800"/>
-              </a:spcBef>
-              <a:buNone/>
-              <a:defRPr sz="1400">
-                <a:solidFill>
-                  <a:srgbClr val="FFFFFF"/>
-                </a:solidFill>
-              </a:defRPr>
-            </a:lvl1pPr>
-            <a:lvl2pPr marL="457200" indent="0">
-              <a:buNone/>
-              <a:defRPr sz="1200"/>
-            </a:lvl2pPr>
-            <a:lvl3pPr marL="914400" indent="0">
-              <a:buNone/>
-              <a:defRPr sz="1000"/>
-            </a:lvl3pPr>
-            <a:lvl4pPr marL="1371600" indent="0">
-              <a:buNone/>
-              <a:defRPr sz="900"/>
-            </a:lvl4pPr>
-            <a:lvl5pPr marL="1828800" indent="0">
-              <a:buNone/>
-              <a:defRPr sz="900"/>
-            </a:lvl5pPr>
-            <a:lvl6pPr marL="2286000" indent="0">
-              <a:buNone/>
-              <a:defRPr sz="900"/>
-            </a:lvl6pPr>
-            <a:lvl7pPr marL="2743200" indent="0">
-              <a:buNone/>
-              <a:defRPr sz="900"/>
-            </a:lvl7pPr>
-            <a:lvl8pPr marL="3200400" indent="0">
-              <a:buNone/>
-              <a:defRPr sz="900"/>
-            </a:lvl8pPr>
-            <a:lvl9pPr marL="3657600" indent="0">
-              <a:buNone/>
-              <a:defRPr sz="900"/>
-            </a:lvl9pPr>
-          </a:lstStyle>
-          <a:p>
-            <a:pPr lvl="0"/>
-            <a:r>
-              <a:rPr lang="ko-KR" altLang="en-US" smtClean="0"/>
-              <a:t>마스터 텍스트 스타일을 편집합니다</a:t>
-            </a:r>
-          </a:p>
-        </p:txBody>
-      </p:sp>
-      <p:sp>
-        <p:nvSpPr>
-          <p:cNvPr id="5" name="Date Placeholder 4"/>
-          <p:cNvSpPr>
-            <a:spLocks noGrp="1"/>
-          </p:cNvSpPr>
-          <p:nvPr>
-            <p:ph type="dt" sz="half" idx="10"/>
-          </p:nvPr>
-        </p:nvSpPr>
-        <p:spPr/>
-        <p:txBody>
-          <a:bodyPr/>
-          <a:lstStyle>
-            <a:lvl1pPr>
-              <a:defRPr>
-                <a:solidFill>
-                  <a:srgbClr val="FFFFFF"/>
-                </a:solidFill>
-                <a:effectLst>
-                  <a:outerShdw blurRad="12700" dist="6350" dir="2700000" algn="tl" rotWithShape="0">
-                    <a:prstClr val="black">
-                      <a:alpha val="40000"/>
-                    </a:prstClr>
-                  </a:outerShdw>
-                </a:effectLst>
-              </a:defRPr>
-            </a:lvl1pPr>
-          </a:lstStyle>
-          <a:p>
-            <a:fld id="{AB334A90-EB03-42F3-8859-2C2B2724C058}" type="datetimeFigureOut">
-              <a:rPr lang="en-US" dirty="0"/>
-              <a:t>12/3/2014</a:t>
-            </a:fld>
-            <a:endParaRPr lang="en-US" dirty="0"/>
-          </a:p>
-        </p:txBody>
-      </p:sp>
-      <p:sp>
-        <p:nvSpPr>
-          <p:cNvPr id="6" name="Footer Placeholder 5"/>
-          <p:cNvSpPr>
-            <a:spLocks noGrp="1"/>
-          </p:cNvSpPr>
-          <p:nvPr>
-            <p:ph type="ftr" sz="quarter" idx="11"/>
-          </p:nvPr>
-        </p:nvSpPr>
-        <p:spPr/>
-        <p:txBody>
-          <a:bodyPr/>
-          <a:lstStyle>
-            <a:lvl1pPr marL="0" algn="r" defTabSz="914400" rtl="0" eaLnBrk="1" latinLnBrk="0" hangingPunct="1">
-              <a:defRPr lang="en-US" sz="1000" kern="1200" dirty="0">
-                <a:solidFill>
-                  <a:srgbClr val="FFFFFF"/>
-                </a:solidFill>
-                <a:effectLst>
-                  <a:outerShdw blurRad="12700" dist="6350" dir="2700000" algn="tl" rotWithShape="0">
-                    <a:prstClr val="black">
-                      <a:alpha val="40000"/>
-                    </a:prstClr>
-                  </a:outerShdw>
-                </a:effectLst>
-                <a:latin typeface="+mn-lt"/>
-                <a:ea typeface="+mn-ea"/>
-                <a:cs typeface="+mn-cs"/>
-              </a:defRPr>
-            </a:lvl1pPr>
-          </a:lstStyle>
-          <a:p>
-            <a:endParaRPr lang="en-US" dirty="0"/>
-          </a:p>
-        </p:txBody>
-      </p:sp>
-      <p:sp>
-        <p:nvSpPr>
-          <p:cNvPr id="7" name="Slide Number Placeholder 6"/>
-          <p:cNvSpPr>
-            <a:spLocks noGrp="1"/>
-          </p:cNvSpPr>
-          <p:nvPr>
-            <p:ph type="sldNum" sz="quarter" idx="12"/>
-          </p:nvPr>
-        </p:nvSpPr>
-        <p:spPr>
-          <a:xfrm>
-            <a:off x="10396728" y="6227064"/>
-            <a:ext cx="1463040" cy="274320"/>
-          </a:xfrm>
-        </p:spPr>
-        <p:txBody>
-          <a:bodyPr/>
-          <a:lstStyle>
-            <a:lvl1pPr>
-              <a:defRPr>
-                <a:solidFill>
-                  <a:srgbClr val="FFFFFF"/>
-                </a:solidFill>
-              </a:defRPr>
-            </a:lvl1pPr>
-          </a:lstStyle>
-          <a:p>
-            <a:fld id="{4FAB73BC-B049-4115-A692-8D63A059BFB8}" type="slidenum">
-              <a:rPr lang="en-US" dirty="0"/>
-              <a:pPr/>
-              <a:t>‹#›</a:t>
-            </a:fld>
-            <a:endParaRPr lang="en-US" dirty="0"/>
-          </a:p>
-        </p:txBody>
-      </p:sp>
-      <p:sp>
-        <p:nvSpPr>
-          <p:cNvPr id="10" name="Rectangle 9"/>
-          <p:cNvSpPr/>
-          <p:nvPr/>
-        </p:nvSpPr>
-        <p:spPr>
-          <a:xfrm>
-            <a:off x="9157546" y="374904"/>
-            <a:ext cx="2651760" cy="6108192"/>
+            <a:off x="545431" y="4714875"/>
+            <a:ext cx="11217944" cy="1657350"/>
           </a:xfrm>
           <a:prstGeom prst="rect">
             <a:avLst/>
           </a:prstGeom>
-          <a:noFill/>
-          <a:ln w="6350" cap="sq">
-            <a:solidFill>
-              <a:srgbClr val="FFFFFF"/>
-            </a:solidFill>
-            <a:miter lim="800000"/>
+          <a:solidFill>
+            <a:srgbClr val="333333"/>
+          </a:solidFill>
+          <a:ln>
+            <a:noFill/>
           </a:ln>
         </p:spPr>
         <p:style>
@@ -1087,181 +314,97 @@
             <a:schemeClr val="lt1"/>
           </a:fontRef>
         </p:style>
-      </p:sp>
-    </p:spTree>
-  </p:cSld>
-  <p:clrMapOvr>
-    <a:masterClrMapping/>
-  </p:clrMapOvr>
-</p:sldLayout>
-</file>
-
-<file path=ppt/slideLayouts/slideLayout11.xml><?xml version="1.0" encoding="utf-8"?>
-<p:sldLayout xmlns:a="http://schemas.openxmlformats.org/drawingml/2006/main" xmlns:r="http://schemas.openxmlformats.org/officeDocument/2006/relationships" xmlns:p="http://schemas.openxmlformats.org/presentationml/2006/main" type="vertTx" preserve="1">
-  <p:cSld name="제목 및 세로 텍스트">
-    <p:spTree>
-      <p:nvGrpSpPr>
-        <p:cNvPr id="1" name=""/>
-        <p:cNvGrpSpPr/>
-        <p:nvPr/>
-      </p:nvGrpSpPr>
-      <p:grpSpPr>
-        <a:xfrm>
-          <a:off x="0" y="0"/>
-          <a:ext cx="0" cy="0"/>
-          <a:chOff x="0" y="0"/>
-          <a:chExt cx="0" cy="0"/>
-        </a:xfrm>
-      </p:grpSpPr>
-      <p:sp>
-        <p:nvSpPr>
-          <p:cNvPr id="2" name="Title 1"/>
-          <p:cNvSpPr>
-            <a:spLocks noGrp="1"/>
-          </p:cNvSpPr>
-          <p:nvPr>
-            <p:ph type="title"/>
-          </p:nvPr>
-        </p:nvSpPr>
-        <p:spPr/>
         <p:txBody>
-          <a:bodyPr/>
+          <a:bodyPr rot="0" spcFirstLastPara="0" vertOverflow="overflow" horzOverflow="overflow" vert="horz" wrap="square" lIns="91440" tIns="45720" rIns="91440" bIns="45720" numCol="1" spcCol="0" rtlCol="0" fromWordArt="0" anchor="ctr" anchorCtr="0" forceAA="0" compatLnSpc="1">
+            <a:prstTxWarp prst="textNoShape">
+              <a:avLst/>
+            </a:prstTxWarp>
+            <a:noAutofit/>
+          </a:bodyPr>
           <a:lstStyle/>
           <a:p>
-            <a:r>
-              <a:rPr lang="ko-KR" altLang="en-US" smtClean="0"/>
-              <a:t>마스터 제목 스타일 편집</a:t>
-            </a:r>
-            <a:endParaRPr lang="en-US" dirty="0"/>
+            <a:pPr algn="ctr"/>
+            <a:endParaRPr lang="ko-KR" altLang="en-US" dirty="0">
+              <a:solidFill>
+                <a:schemeClr val="tx1"/>
+              </a:solidFill>
+            </a:endParaRPr>
           </a:p>
         </p:txBody>
       </p:sp>
       <p:sp>
         <p:nvSpPr>
-          <p:cNvPr id="3" name="Vertical Text Placeholder 2"/>
-          <p:cNvSpPr>
-            <a:spLocks noGrp="1"/>
-          </p:cNvSpPr>
-          <p:nvPr>
-            <p:ph type="body" orient="vert" idx="1"/>
-          </p:nvPr>
+          <p:cNvPr id="5" name="TextBox 4"/>
+          <p:cNvSpPr txBox="1"/>
+          <p:nvPr userDrawn="1"/>
         </p:nvSpPr>
-        <p:spPr/>
+        <p:spPr>
+          <a:xfrm>
+            <a:off x="602117" y="4169554"/>
+            <a:ext cx="11161258" cy="2662267"/>
+          </a:xfrm>
+          <a:prstGeom prst="rect">
+            <a:avLst/>
+          </a:prstGeom>
+          <a:noFill/>
+        </p:spPr>
         <p:txBody>
-          <a:bodyPr vert="eaVert"/>
+          <a:bodyPr wrap="square" rtlCol="0">
+            <a:spAutoFit/>
+          </a:bodyPr>
           <a:lstStyle/>
           <a:p>
-            <a:pPr lvl="0"/>
-            <a:r>
-              <a:rPr lang="ko-KR" altLang="en-US" smtClean="0"/>
-              <a:t>마스터 텍스트 스타일을 편집합니다</a:t>
-            </a:r>
-          </a:p>
-          <a:p>
-            <a:pPr lvl="1"/>
-            <a:r>
-              <a:rPr lang="ko-KR" altLang="en-US" smtClean="0"/>
-              <a:t>둘째 수준</a:t>
-            </a:r>
-          </a:p>
-          <a:p>
-            <a:pPr lvl="2"/>
-            <a:r>
-              <a:rPr lang="ko-KR" altLang="en-US" smtClean="0"/>
-              <a:t>셋째 수준</a:t>
-            </a:r>
-          </a:p>
-          <a:p>
-            <a:pPr lvl="3"/>
-            <a:r>
-              <a:rPr lang="ko-KR" altLang="en-US" smtClean="0"/>
-              <a:t>넷째 수준</a:t>
-            </a:r>
-          </a:p>
-          <a:p>
-            <a:pPr lvl="4"/>
-            <a:r>
-              <a:rPr lang="ko-KR" altLang="en-US" smtClean="0"/>
-              <a:t>다섯째 수준</a:t>
-            </a:r>
-            <a:endParaRPr lang="en-US" dirty="0"/>
-          </a:p>
-        </p:txBody>
-      </p:sp>
-      <p:sp>
-        <p:nvSpPr>
-          <p:cNvPr id="4" name="Date Placeholder 3"/>
-          <p:cNvSpPr>
-            <a:spLocks noGrp="1"/>
-          </p:cNvSpPr>
-          <p:nvPr>
-            <p:ph type="dt" sz="half" idx="10"/>
-          </p:nvPr>
-        </p:nvSpPr>
-        <p:spPr/>
-        <p:txBody>
-          <a:bodyPr/>
-          <a:lstStyle/>
-          <a:p>
-            <a:fld id="{D11A6AA8-A04B-4104-9AE2-BD48D340E27F}" type="datetimeFigureOut">
-              <a:rPr lang="en-US" dirty="0"/>
-              <a:t>12/3/2014</a:t>
-            </a:fld>
-            <a:endParaRPr lang="en-US" dirty="0"/>
-          </a:p>
-        </p:txBody>
-      </p:sp>
-      <p:sp>
-        <p:nvSpPr>
-          <p:cNvPr id="5" name="Footer Placeholder 4"/>
-          <p:cNvSpPr>
-            <a:spLocks noGrp="1"/>
-          </p:cNvSpPr>
-          <p:nvPr>
-            <p:ph type="ftr" sz="quarter" idx="11"/>
-          </p:nvPr>
-        </p:nvSpPr>
-        <p:spPr/>
-        <p:txBody>
-          <a:bodyPr/>
-          <a:lstStyle/>
-          <a:p>
-            <a:endParaRPr lang="en-US" dirty="0"/>
-          </a:p>
-        </p:txBody>
-      </p:sp>
-      <p:sp>
-        <p:nvSpPr>
-          <p:cNvPr id="6" name="Slide Number Placeholder 5"/>
-          <p:cNvSpPr>
-            <a:spLocks noGrp="1"/>
-          </p:cNvSpPr>
-          <p:nvPr>
-            <p:ph type="sldNum" sz="quarter" idx="12"/>
-          </p:nvPr>
-        </p:nvSpPr>
-        <p:spPr/>
-        <p:txBody>
-          <a:bodyPr/>
-          <a:lstStyle/>
-          <a:p>
-            <a:fld id="{4FAB73BC-B049-4115-A692-8D63A059BFB8}" type="slidenum">
-              <a:rPr lang="en-US" dirty="0"/>
-              <a:t>‹#›</a:t>
-            </a:fld>
-            <a:endParaRPr lang="en-US" dirty="0"/>
+            <a:r>
+              <a:rPr lang="en-US" altLang="ko-KR" sz="16700" b="0" dirty="0" smtClean="0">
+                <a:solidFill>
+                  <a:srgbClr val="EEEEEE"/>
+                </a:solidFill>
+                <a:latin typeface="Ostrich Sans Light" panose="00000400000000000000" pitchFamily="50" charset="0"/>
+                <a:ea typeface="나눔바른고딕 UltraLight" panose="020B0603020101020101" pitchFamily="50" charset="-127"/>
+              </a:rPr>
+              <a:t>Data</a:t>
+            </a:r>
+            <a:r>
+              <a:rPr lang="en-US" altLang="ko-KR" sz="16700" b="0" baseline="0" dirty="0" smtClean="0">
+                <a:solidFill>
+                  <a:srgbClr val="EEEEEE"/>
+                </a:solidFill>
+                <a:latin typeface="Ostrich Sans Light" panose="00000400000000000000" pitchFamily="50" charset="0"/>
+                <a:ea typeface="나눔바른고딕 UltraLight" panose="020B0603020101020101" pitchFamily="50" charset="-127"/>
+              </a:rPr>
+              <a:t> Structure</a:t>
+            </a:r>
+            <a:endParaRPr lang="ko-KR" altLang="en-US" sz="16700" b="0" dirty="0">
+              <a:solidFill>
+                <a:srgbClr val="EEEEEE"/>
+              </a:solidFill>
+              <a:latin typeface="Ostrich Sans Light" panose="00000400000000000000" pitchFamily="50" charset="0"/>
+              <a:ea typeface="나눔바른고딕 UltraLight" panose="020B0603020101020101" pitchFamily="50" charset="-127"/>
+            </a:endParaRPr>
           </a:p>
         </p:txBody>
       </p:sp>
     </p:spTree>
+    <p:extLst>
+      <p:ext uri="{BB962C8B-B14F-4D97-AF65-F5344CB8AC3E}">
+        <p14:creationId xmlns:p14="http://schemas.microsoft.com/office/powerpoint/2010/main" val="3753694317"/>
+      </p:ext>
+    </p:extLst>
   </p:cSld>
   <p:clrMapOvr>
-    <a:masterClrMapping/>
+    <a:overrideClrMapping bg1="lt1" tx1="dk1" bg2="lt2" tx2="dk2" accent1="accent1" accent2="accent2" accent3="accent3" accent4="accent4" accent5="accent5" accent6="accent6" hlink="hlink" folHlink="folHlink"/>
   </p:clrMapOvr>
+  <p:timing>
+    <p:tnLst>
+      <p:par>
+        <p:cTn id="1" dur="indefinite" restart="never" nodeType="tmRoot"/>
+      </p:par>
+    </p:tnLst>
+  </p:timing>
 </p:sldLayout>
 </file>
 
-<file path=ppt/slideLayouts/slideLayout12.xml><?xml version="1.0" encoding="utf-8"?>
+<file path=ppt/slideLayouts/slideLayout10.xml><?xml version="1.0" encoding="utf-8"?>
 <p:sldLayout xmlns:a="http://schemas.openxmlformats.org/drawingml/2006/main" xmlns:r="http://schemas.openxmlformats.org/officeDocument/2006/relationships" xmlns:p="http://schemas.openxmlformats.org/presentationml/2006/main" type="vertTitleAndTx" preserve="1">
   <p:cSld name="세로 제목 및 텍스트">
     <p:spTree>
@@ -1379,8 +522,8 @@
           <a:lstStyle/>
           <a:p>
             <a:fld id="{B4E0BF79-FAC6-4A96-8DE1-F7B82E2E1652}" type="datetimeFigureOut">
-              <a:rPr lang="en-US" dirty="0"/>
-              <a:t>12/3/2014</a:t>
+              <a:rPr lang="en-US" smtClean="0"/>
+              <a:t>12/4/2014</a:t>
             </a:fld>
             <a:endParaRPr lang="en-US" dirty="0"/>
           </a:p>
@@ -1421,7 +564,7 @@
           <a:lstStyle/>
           <a:p>
             <a:fld id="{4FAB73BC-B049-4115-A692-8D63A059BFB8}" type="slidenum">
-              <a:rPr lang="en-US" dirty="0"/>
+              <a:rPr lang="en-US" smtClean="0"/>
               <a:t>‹#›</a:t>
             </a:fld>
             <a:endParaRPr lang="en-US" dirty="0"/>
@@ -1429,6 +572,11 @@
         </p:txBody>
       </p:sp>
     </p:spTree>
+    <p:extLst>
+      <p:ext uri="{BB962C8B-B14F-4D97-AF65-F5344CB8AC3E}">
+        <p14:creationId xmlns:p14="http://schemas.microsoft.com/office/powerpoint/2010/main" val="396916626"/>
+      </p:ext>
+    </p:extLst>
   </p:cSld>
   <p:clrMapOvr>
     <a:masterClrMapping/>
@@ -1436,9 +584,9 @@
 </p:sldLayout>
 </file>
 
-<file path=ppt/slideLayouts/slideLayout2.xml><?xml version="1.0" encoding="utf-8"?>
+<file path=ppt/slideLayouts/slideLayout11.xml><?xml version="1.0" encoding="utf-8"?>
 <p:sldLayout xmlns:a="http://schemas.openxmlformats.org/drawingml/2006/main" xmlns:r="http://schemas.openxmlformats.org/officeDocument/2006/relationships" xmlns:p="http://schemas.openxmlformats.org/presentationml/2006/main" showMasterSp="0" preserve="1" userDrawn="1">
-  <p:cSld name="3_제목 슬라이드">
+  <p:cSld name="4_제목 슬라이드">
     <p:bg>
       <p:bgRef idx="1002">
         <a:schemeClr val="bg2"/>
@@ -1701,7 +849,7 @@
 </p:sldLayout>
 </file>
 
-<file path=ppt/slideLayouts/slideLayout3.xml><?xml version="1.0" encoding="utf-8"?>
+<file path=ppt/slideLayouts/slideLayout2.xml><?xml version="1.0" encoding="utf-8"?>
 <p:sldLayout xmlns:a="http://schemas.openxmlformats.org/drawingml/2006/main" xmlns:r="http://schemas.openxmlformats.org/officeDocument/2006/relationships" xmlns:p="http://schemas.openxmlformats.org/presentationml/2006/main" type="obj" preserve="1">
   <p:cSld name="제목 및 내용">
     <p:spTree>
@@ -1809,8 +957,8 @@
           <a:lstStyle/>
           <a:p>
             <a:fld id="{82FF5DD9-2C52-442D-92E2-8072C0C3D7CD}" type="datetimeFigureOut">
-              <a:rPr lang="en-US" dirty="0"/>
-              <a:t>12/3/2014</a:t>
+              <a:rPr lang="en-US" smtClean="0"/>
+              <a:t>12/4/2014</a:t>
             </a:fld>
             <a:endParaRPr lang="en-US" dirty="0"/>
           </a:p>
@@ -1851,7 +999,7 @@
           <a:lstStyle/>
           <a:p>
             <a:fld id="{4FAB73BC-B049-4115-A692-8D63A059BFB8}" type="slidenum">
-              <a:rPr lang="en-US" dirty="0"/>
+              <a:rPr lang="en-US" smtClean="0"/>
               <a:pPr/>
               <a:t>‹#›</a:t>
             </a:fld>
@@ -1860,6 +1008,11 @@
         </p:txBody>
       </p:sp>
     </p:spTree>
+    <p:extLst>
+      <p:ext uri="{BB962C8B-B14F-4D97-AF65-F5344CB8AC3E}">
+        <p14:creationId xmlns:p14="http://schemas.microsoft.com/office/powerpoint/2010/main" val="4090605547"/>
+      </p:ext>
+    </p:extLst>
   </p:cSld>
   <p:clrMapOvr>
     <a:masterClrMapping/>
@@ -1874,587 +1027,7 @@
 </p:sldLayout>
 </file>
 
-<file path=ppt/slideLayouts/slideLayout4.xml><?xml version="1.0" encoding="utf-8"?>
-<p:sldLayout xmlns:a="http://schemas.openxmlformats.org/drawingml/2006/main" xmlns:r="http://schemas.openxmlformats.org/officeDocument/2006/relationships" xmlns:p="http://schemas.openxmlformats.org/presentationml/2006/main" showMasterSp="0" type="secHead" preserve="1">
-  <p:cSld name="구역 머리글">
-    <p:bg>
-      <p:bgRef idx="1002">
-        <a:schemeClr val="bg2"/>
-      </p:bgRef>
-    </p:bg>
-    <p:spTree>
-      <p:nvGrpSpPr>
-        <p:cNvPr id="1" name=""/>
-        <p:cNvGrpSpPr/>
-        <p:nvPr/>
-      </p:nvGrpSpPr>
-      <p:grpSpPr>
-        <a:xfrm>
-          <a:off x="0" y="0"/>
-          <a:ext cx="0" cy="0"/>
-          <a:chOff x="0" y="0"/>
-          <a:chExt cx="0" cy="0"/>
-        </a:xfrm>
-      </p:grpSpPr>
-      <p:sp>
-        <p:nvSpPr>
-          <p:cNvPr id="22" name="Rectangle 21"/>
-          <p:cNvSpPr/>
-          <p:nvPr/>
-        </p:nvSpPr>
-        <p:spPr>
-          <a:xfrm>
-            <a:off x="0" y="0"/>
-            <a:ext cx="12192000" cy="6858000"/>
-          </a:xfrm>
-          <a:prstGeom prst="rect">
-            <a:avLst/>
-          </a:prstGeom>
-          <a:blipFill dpi="0" rotWithShape="1">
-            <a:blip r:embed="rId2">
-              <a:alphaModFix amt="45000"/>
-              <a:duotone>
-                <a:schemeClr val="accent2">
-                  <a:shade val="45000"/>
-                  <a:satMod val="135000"/>
-                </a:schemeClr>
-                <a:prstClr val="white"/>
-              </a:duotone>
-            </a:blip>
-            <a:srcRect/>
-            <a:tile tx="-44450" ty="38100" sx="85000" sy="85000" flip="none" algn="tl"/>
-          </a:blipFill>
-          <a:ln>
-            <a:noFill/>
-          </a:ln>
-        </p:spPr>
-        <p:style>
-          <a:lnRef idx="2">
-            <a:schemeClr val="accent1">
-              <a:shade val="50000"/>
-            </a:schemeClr>
-          </a:lnRef>
-          <a:fillRef idx="1">
-            <a:schemeClr val="accent1"/>
-          </a:fillRef>
-          <a:effectRef idx="0">
-            <a:schemeClr val="accent1"/>
-          </a:effectRef>
-          <a:fontRef idx="minor">
-            <a:schemeClr val="lt1"/>
-          </a:fontRef>
-        </p:style>
-      </p:sp>
-      <p:sp>
-        <p:nvSpPr>
-          <p:cNvPr id="23" name="Rectangle 22"/>
-          <p:cNvSpPr/>
-          <p:nvPr/>
-        </p:nvSpPr>
-        <p:spPr>
-          <a:xfrm>
-            <a:off x="1307870" y="1267730"/>
-            <a:ext cx="9576262" cy="4307950"/>
-          </a:xfrm>
-          <a:prstGeom prst="rect">
-            <a:avLst/>
-          </a:prstGeom>
-          <a:solidFill>
-            <a:schemeClr val="bg1"/>
-          </a:solidFill>
-          <a:ln w="6350" cap="flat" cmpd="sng" algn="ctr">
-            <a:noFill/>
-            <a:prstDash val="solid"/>
-          </a:ln>
-          <a:effectLst>
-            <a:outerShdw blurRad="50800" algn="ctr" rotWithShape="0">
-              <a:prstClr val="black">
-                <a:alpha val="66000"/>
-              </a:prstClr>
-            </a:outerShdw>
-            <a:softEdge rad="0"/>
-          </a:effectLst>
-        </p:spPr>
-      </p:sp>
-      <p:sp>
-        <p:nvSpPr>
-          <p:cNvPr id="24" name="Rectangle 23"/>
-          <p:cNvSpPr/>
-          <p:nvPr/>
-        </p:nvSpPr>
-        <p:spPr>
-          <a:xfrm>
-            <a:off x="1447800" y="1411615"/>
-            <a:ext cx="9296400" cy="4034770"/>
-          </a:xfrm>
-          <a:prstGeom prst="rect">
-            <a:avLst/>
-          </a:prstGeom>
-          <a:noFill/>
-          <a:ln w="6350" cap="sq" cmpd="sng" algn="ctr">
-            <a:solidFill>
-              <a:schemeClr val="tx1">
-                <a:lumMod val="75000"/>
-                <a:lumOff val="25000"/>
-              </a:schemeClr>
-            </a:solidFill>
-            <a:prstDash val="solid"/>
-            <a:miter lim="800000"/>
-          </a:ln>
-          <a:effectLst/>
-        </p:spPr>
-      </p:sp>
-      <p:sp>
-        <p:nvSpPr>
-          <p:cNvPr id="30" name="Rectangle 29"/>
-          <p:cNvSpPr/>
-          <p:nvPr/>
-        </p:nvSpPr>
-        <p:spPr>
-          <a:xfrm>
-            <a:off x="5135880" y="1267730"/>
-            <a:ext cx="1920240" cy="731520"/>
-          </a:xfrm>
-          <a:prstGeom prst="rect">
-            <a:avLst/>
-          </a:prstGeom>
-          <a:solidFill>
-            <a:schemeClr val="bg2"/>
-          </a:solidFill>
-          <a:ln>
-            <a:noFill/>
-          </a:ln>
-        </p:spPr>
-        <p:style>
-          <a:lnRef idx="2">
-            <a:schemeClr val="accent1">
-              <a:shade val="50000"/>
-            </a:schemeClr>
-          </a:lnRef>
-          <a:fillRef idx="1">
-            <a:schemeClr val="accent1"/>
-          </a:fillRef>
-          <a:effectRef idx="0">
-            <a:schemeClr val="accent1"/>
-          </a:effectRef>
-          <a:fontRef idx="minor">
-            <a:schemeClr val="lt1"/>
-          </a:fontRef>
-        </p:style>
-      </p:sp>
-      <p:grpSp>
-        <p:nvGrpSpPr>
-          <p:cNvPr id="31" name="Group 30"/>
-          <p:cNvGrpSpPr/>
-          <p:nvPr/>
-        </p:nvGrpSpPr>
-        <p:grpSpPr>
-          <a:xfrm>
-            <a:off x="5250180" y="1267730"/>
-            <a:ext cx="1691640" cy="645295"/>
-            <a:chOff x="5318306" y="1386268"/>
-            <a:chExt cx="1567331" cy="645295"/>
-          </a:xfrm>
-        </p:grpSpPr>
-        <p:cxnSp>
-          <p:nvCxnSpPr>
-            <p:cNvPr id="32" name="Straight Connector 31"/>
-            <p:cNvCxnSpPr/>
-            <p:nvPr/>
-          </p:nvCxnSpPr>
-          <p:spPr>
-            <a:xfrm>
-              <a:off x="5318306" y="1386268"/>
-              <a:ext cx="0" cy="640080"/>
-            </a:xfrm>
-            <a:prstGeom prst="line">
-              <a:avLst/>
-            </a:prstGeom>
-            <a:solidFill>
-              <a:schemeClr val="tx1">
-                <a:lumMod val="85000"/>
-                <a:lumOff val="15000"/>
-              </a:schemeClr>
-            </a:solidFill>
-            <a:ln>
-              <a:solidFill>
-                <a:schemeClr val="tx1"/>
-              </a:solidFill>
-              <a:miter lim="800000"/>
-            </a:ln>
-          </p:spPr>
-          <p:style>
-            <a:lnRef idx="1">
-              <a:schemeClr val="accent1"/>
-            </a:lnRef>
-            <a:fillRef idx="0">
-              <a:schemeClr val="accent1"/>
-            </a:fillRef>
-            <a:effectRef idx="0">
-              <a:schemeClr val="accent1"/>
-            </a:effectRef>
-            <a:fontRef idx="minor">
-              <a:schemeClr val="tx1"/>
-            </a:fontRef>
-          </p:style>
-        </p:cxnSp>
-        <p:cxnSp>
-          <p:nvCxnSpPr>
-            <p:cNvPr id="33" name="Straight Connector 32"/>
-            <p:cNvCxnSpPr/>
-            <p:nvPr/>
-          </p:nvCxnSpPr>
-          <p:spPr>
-            <a:xfrm>
-              <a:off x="6885637" y="1386268"/>
-              <a:ext cx="0" cy="640080"/>
-            </a:xfrm>
-            <a:prstGeom prst="line">
-              <a:avLst/>
-            </a:prstGeom>
-            <a:solidFill>
-              <a:schemeClr val="tx1">
-                <a:lumMod val="85000"/>
-                <a:lumOff val="15000"/>
-              </a:schemeClr>
-            </a:solidFill>
-            <a:ln>
-              <a:solidFill>
-                <a:schemeClr val="tx1"/>
-              </a:solidFill>
-              <a:miter lim="800000"/>
-            </a:ln>
-          </p:spPr>
-          <p:style>
-            <a:lnRef idx="1">
-              <a:schemeClr val="accent1"/>
-            </a:lnRef>
-            <a:fillRef idx="0">
-              <a:schemeClr val="accent1"/>
-            </a:fillRef>
-            <a:effectRef idx="0">
-              <a:schemeClr val="accent1"/>
-            </a:effectRef>
-            <a:fontRef idx="minor">
-              <a:schemeClr val="tx1"/>
-            </a:fontRef>
-          </p:style>
-        </p:cxnSp>
-        <p:cxnSp>
-          <p:nvCxnSpPr>
-            <p:cNvPr id="34" name="Straight Connector 33"/>
-            <p:cNvCxnSpPr/>
-            <p:nvPr/>
-          </p:nvCxnSpPr>
-          <p:spPr>
-            <a:xfrm>
-              <a:off x="5318306" y="2031563"/>
-              <a:ext cx="1567331" cy="0"/>
-            </a:xfrm>
-            <a:prstGeom prst="line">
-              <a:avLst/>
-            </a:prstGeom>
-            <a:solidFill>
-              <a:schemeClr val="tx1">
-                <a:lumMod val="85000"/>
-                <a:lumOff val="15000"/>
-              </a:schemeClr>
-            </a:solidFill>
-            <a:ln>
-              <a:solidFill>
-                <a:schemeClr val="tx1"/>
-              </a:solidFill>
-              <a:miter lim="800000"/>
-            </a:ln>
-          </p:spPr>
-          <p:style>
-            <a:lnRef idx="1">
-              <a:schemeClr val="accent1"/>
-            </a:lnRef>
-            <a:fillRef idx="0">
-              <a:schemeClr val="accent1"/>
-            </a:fillRef>
-            <a:effectRef idx="0">
-              <a:schemeClr val="accent1"/>
-            </a:effectRef>
-            <a:fontRef idx="minor">
-              <a:schemeClr val="tx1"/>
-            </a:fontRef>
-          </p:style>
-        </p:cxnSp>
-      </p:grpSp>
-      <p:sp>
-        <p:nvSpPr>
-          <p:cNvPr id="2" name="Title 1"/>
-          <p:cNvSpPr>
-            <a:spLocks noGrp="1"/>
-          </p:cNvSpPr>
-          <p:nvPr>
-            <p:ph type="title"/>
-          </p:nvPr>
-        </p:nvSpPr>
-        <p:spPr>
-          <a:xfrm>
-            <a:off x="1563623" y="2094309"/>
-            <a:ext cx="9070848" cy="2587752"/>
-          </a:xfrm>
-        </p:spPr>
-        <p:txBody>
-          <a:bodyPr anchor="ctr">
-            <a:noAutofit/>
-          </a:bodyPr>
-          <a:lstStyle>
-            <a:lvl1pPr algn="ctr">
-              <a:lnSpc>
-                <a:spcPct val="83000"/>
-              </a:lnSpc>
-              <a:defRPr lang="en-US" sz="7200" kern="1200" cap="all" spc="-100" baseline="0" dirty="0">
-                <a:solidFill>
-                  <a:schemeClr val="tx1">
-                    <a:lumMod val="85000"/>
-                    <a:lumOff val="15000"/>
-                  </a:schemeClr>
-                </a:solidFill>
-                <a:effectLst/>
-                <a:latin typeface="+mj-lt"/>
-                <a:ea typeface="+mn-ea"/>
-                <a:cs typeface="+mn-cs"/>
-              </a:defRPr>
-            </a:lvl1pPr>
-          </a:lstStyle>
-          <a:p>
-            <a:r>
-              <a:rPr lang="ko-KR" altLang="en-US" smtClean="0"/>
-              <a:t>마스터 제목 스타일 편집</a:t>
-            </a:r>
-            <a:endParaRPr lang="en-US" dirty="0"/>
-          </a:p>
-        </p:txBody>
-      </p:sp>
-      <p:sp>
-        <p:nvSpPr>
-          <p:cNvPr id="3" name="Text Placeholder 2"/>
-          <p:cNvSpPr>
-            <a:spLocks noGrp="1"/>
-          </p:cNvSpPr>
-          <p:nvPr>
-            <p:ph type="body" idx="1"/>
-          </p:nvPr>
-        </p:nvSpPr>
-        <p:spPr>
-          <a:xfrm>
-            <a:off x="1563624" y="4682062"/>
-            <a:ext cx="9070848" cy="457200"/>
-          </a:xfrm>
-        </p:spPr>
-        <p:txBody>
-          <a:bodyPr anchor="t">
-            <a:normAutofit/>
-          </a:bodyPr>
-          <a:lstStyle>
-            <a:lvl1pPr marL="0" indent="0" algn="ctr">
-              <a:buNone/>
-              <a:defRPr sz="1600">
-                <a:solidFill>
-                  <a:schemeClr val="tx1"/>
-                </a:solidFill>
-                <a:effectLst/>
-              </a:defRPr>
-            </a:lvl1pPr>
-            <a:lvl2pPr marL="457200" indent="0">
-              <a:buNone/>
-              <a:defRPr sz="1600">
-                <a:solidFill>
-                  <a:schemeClr val="tx1">
-                    <a:tint val="75000"/>
-                  </a:schemeClr>
-                </a:solidFill>
-              </a:defRPr>
-            </a:lvl2pPr>
-            <a:lvl3pPr marL="914400" indent="0">
-              <a:buNone/>
-              <a:defRPr sz="1600">
-                <a:solidFill>
-                  <a:schemeClr val="tx1">
-                    <a:tint val="75000"/>
-                  </a:schemeClr>
-                </a:solidFill>
-              </a:defRPr>
-            </a:lvl3pPr>
-            <a:lvl4pPr marL="1371600" indent="0">
-              <a:buNone/>
-              <a:defRPr sz="1400">
-                <a:solidFill>
-                  <a:schemeClr val="tx1">
-                    <a:tint val="75000"/>
-                  </a:schemeClr>
-                </a:solidFill>
-              </a:defRPr>
-            </a:lvl4pPr>
-            <a:lvl5pPr marL="1828800" indent="0">
-              <a:buNone/>
-              <a:defRPr sz="1400">
-                <a:solidFill>
-                  <a:schemeClr val="tx1">
-                    <a:tint val="75000"/>
-                  </a:schemeClr>
-                </a:solidFill>
-              </a:defRPr>
-            </a:lvl5pPr>
-            <a:lvl6pPr marL="2286000" indent="0">
-              <a:buNone/>
-              <a:defRPr sz="1400">
-                <a:solidFill>
-                  <a:schemeClr val="tx1">
-                    <a:tint val="75000"/>
-                  </a:schemeClr>
-                </a:solidFill>
-              </a:defRPr>
-            </a:lvl6pPr>
-            <a:lvl7pPr marL="2743200" indent="0">
-              <a:buNone/>
-              <a:defRPr sz="1400">
-                <a:solidFill>
-                  <a:schemeClr val="tx1">
-                    <a:tint val="75000"/>
-                  </a:schemeClr>
-                </a:solidFill>
-              </a:defRPr>
-            </a:lvl7pPr>
-            <a:lvl8pPr marL="3200400" indent="0">
-              <a:buNone/>
-              <a:defRPr sz="1400">
-                <a:solidFill>
-                  <a:schemeClr val="tx1">
-                    <a:tint val="75000"/>
-                  </a:schemeClr>
-                </a:solidFill>
-              </a:defRPr>
-            </a:lvl8pPr>
-            <a:lvl9pPr marL="3657600" indent="0">
-              <a:buNone/>
-              <a:defRPr sz="1400">
-                <a:solidFill>
-                  <a:schemeClr val="tx1">
-                    <a:tint val="75000"/>
-                  </a:schemeClr>
-                </a:solidFill>
-              </a:defRPr>
-            </a:lvl9pPr>
-          </a:lstStyle>
-          <a:p>
-            <a:pPr lvl="0"/>
-            <a:r>
-              <a:rPr lang="ko-KR" altLang="en-US" smtClean="0"/>
-              <a:t>마스터 텍스트 스타일을 편집합니다</a:t>
-            </a:r>
-          </a:p>
-        </p:txBody>
-      </p:sp>
-      <p:sp>
-        <p:nvSpPr>
-          <p:cNvPr id="4" name="Date Placeholder 3"/>
-          <p:cNvSpPr>
-            <a:spLocks noGrp="1"/>
-          </p:cNvSpPr>
-          <p:nvPr>
-            <p:ph type="dt" sz="half" idx="10"/>
-          </p:nvPr>
-        </p:nvSpPr>
-        <p:spPr>
-          <a:xfrm>
-            <a:off x="5321808" y="1344502"/>
-            <a:ext cx="1554480" cy="530352"/>
-          </a:xfrm>
-        </p:spPr>
-        <p:txBody>
-          <a:bodyPr/>
-          <a:lstStyle>
-            <a:lvl1pPr algn="ctr">
-              <a:defRPr lang="en-US" sz="1300" kern="1200" spc="0" baseline="0">
-                <a:solidFill>
-                  <a:schemeClr val="tx1"/>
-                </a:solidFill>
-                <a:latin typeface="+mn-lt"/>
-                <a:ea typeface="+mn-ea"/>
-                <a:cs typeface="+mn-cs"/>
-              </a:defRPr>
-            </a:lvl1pPr>
-          </a:lstStyle>
-          <a:p>
-            <a:fld id="{C44961B7-6B89-48AB-966F-622E2788EECC}" type="datetimeFigureOut">
-              <a:rPr lang="en-US" dirty="0"/>
-              <a:t>12/3/2014</a:t>
-            </a:fld>
-            <a:endParaRPr lang="en-US" dirty="0"/>
-          </a:p>
-        </p:txBody>
-      </p:sp>
-      <p:sp>
-        <p:nvSpPr>
-          <p:cNvPr id="5" name="Footer Placeholder 4"/>
-          <p:cNvSpPr>
-            <a:spLocks noGrp="1"/>
-          </p:cNvSpPr>
-          <p:nvPr>
-            <p:ph type="ftr" sz="quarter" idx="11"/>
-          </p:nvPr>
-        </p:nvSpPr>
-        <p:spPr>
-          <a:xfrm>
-            <a:off x="1453553" y="5211060"/>
-            <a:ext cx="5907024" cy="228600"/>
-          </a:xfrm>
-        </p:spPr>
-        <p:txBody>
-          <a:bodyPr/>
-          <a:lstStyle>
-            <a:lvl1pPr algn="l">
-              <a:defRPr/>
-            </a:lvl1pPr>
-          </a:lstStyle>
-          <a:p>
-            <a:endParaRPr lang="en-US" dirty="0"/>
-          </a:p>
-        </p:txBody>
-      </p:sp>
-      <p:sp>
-        <p:nvSpPr>
-          <p:cNvPr id="6" name="Slide Number Placeholder 5"/>
-          <p:cNvSpPr>
-            <a:spLocks noGrp="1"/>
-          </p:cNvSpPr>
-          <p:nvPr>
-            <p:ph type="sldNum" sz="quarter" idx="12"/>
-          </p:nvPr>
-        </p:nvSpPr>
-        <p:spPr>
-          <a:xfrm>
-            <a:off x="8604504" y="5211060"/>
-            <a:ext cx="2112264" cy="228600"/>
-          </a:xfrm>
-        </p:spPr>
-        <p:txBody>
-          <a:bodyPr/>
-          <a:lstStyle/>
-          <a:p>
-            <a:fld id="{4FAB73BC-B049-4115-A692-8D63A059BFB8}" type="slidenum">
-              <a:rPr lang="en-US" dirty="0"/>
-              <a:t>‹#›</a:t>
-            </a:fld>
-            <a:endParaRPr lang="en-US" dirty="0"/>
-          </a:p>
-        </p:txBody>
-      </p:sp>
-    </p:spTree>
-  </p:cSld>
-  <p:clrMapOvr>
-    <a:overrideClrMapping bg1="lt1" tx1="dk1" bg2="lt2" tx2="dk2" accent1="accent1" accent2="accent2" accent3="accent3" accent4="accent4" accent5="accent5" accent6="accent6" hlink="hlink" folHlink="folHlink"/>
-  </p:clrMapOvr>
-</p:sldLayout>
-</file>
-
-<file path=ppt/slideLayouts/slideLayout5.xml><?xml version="1.0" encoding="utf-8"?>
+<file path=ppt/slideLayouts/slideLayout3.xml><?xml version="1.0" encoding="utf-8"?>
 <p:sldLayout xmlns:a="http://schemas.openxmlformats.org/drawingml/2006/main" xmlns:r="http://schemas.openxmlformats.org/officeDocument/2006/relationships" xmlns:p="http://schemas.openxmlformats.org/presentationml/2006/main" type="twoObj" preserve="1">
   <p:cSld name="콘텐츠 2개">
     <p:spTree>
@@ -2680,8 +1253,8 @@
           <a:lstStyle/>
           <a:p>
             <a:fld id="{DBD3D6FB-79CC-4683-A046-BBE785BA1BED}" type="datetimeFigureOut">
-              <a:rPr lang="en-US" dirty="0"/>
-              <a:t>12/3/2014</a:t>
+              <a:rPr lang="en-US" smtClean="0"/>
+              <a:t>12/4/2014</a:t>
             </a:fld>
             <a:endParaRPr lang="en-US" dirty="0"/>
           </a:p>
@@ -2722,7 +1295,7 @@
           <a:lstStyle/>
           <a:p>
             <a:fld id="{4FAB73BC-B049-4115-A692-8D63A059BFB8}" type="slidenum">
-              <a:rPr lang="en-US" dirty="0"/>
+              <a:rPr lang="en-US" smtClean="0"/>
               <a:t>‹#›</a:t>
             </a:fld>
             <a:endParaRPr lang="en-US" dirty="0"/>
@@ -2730,14 +1303,26 @@
         </p:txBody>
       </p:sp>
     </p:spTree>
+    <p:extLst>
+      <p:ext uri="{BB962C8B-B14F-4D97-AF65-F5344CB8AC3E}">
+        <p14:creationId xmlns:p14="http://schemas.microsoft.com/office/powerpoint/2010/main" val="4128151043"/>
+      </p:ext>
+    </p:extLst>
   </p:cSld>
   <p:clrMapOvr>
     <a:masterClrMapping/>
   </p:clrMapOvr>
+  <p:timing>
+    <p:tnLst>
+      <p:par>
+        <p:cTn id="1" dur="indefinite" restart="never" nodeType="tmRoot"/>
+      </p:par>
+    </p:tnLst>
+  </p:timing>
 </p:sldLayout>
 </file>
 
-<file path=ppt/slideLayouts/slideLayout6.xml><?xml version="1.0" encoding="utf-8"?>
+<file path=ppt/slideLayouts/slideLayout4.xml><?xml version="1.0" encoding="utf-8"?>
 <p:sldLayout xmlns:a="http://schemas.openxmlformats.org/drawingml/2006/main" xmlns:r="http://schemas.openxmlformats.org/officeDocument/2006/relationships" xmlns:p="http://schemas.openxmlformats.org/presentationml/2006/main" type="twoTxTwoObj" preserve="1">
   <p:cSld name="비교">
     <p:spTree>
@@ -3112,8 +1697,8 @@
           <a:lstStyle/>
           <a:p>
             <a:fld id="{9512B3E8-48F1-4B23-8498-D8A04A81EC9C}" type="datetimeFigureOut">
-              <a:rPr lang="en-US" dirty="0"/>
-              <a:t>12/3/2014</a:t>
+              <a:rPr lang="en-US" smtClean="0"/>
+              <a:t>12/4/2014</a:t>
             </a:fld>
             <a:endParaRPr lang="en-US" dirty="0"/>
           </a:p>
@@ -3154,7 +1739,7 @@
           <a:lstStyle/>
           <a:p>
             <a:fld id="{4FAB73BC-B049-4115-A692-8D63A059BFB8}" type="slidenum">
-              <a:rPr lang="en-US" dirty="0"/>
+              <a:rPr lang="en-US" smtClean="0"/>
               <a:t>‹#›</a:t>
             </a:fld>
             <a:endParaRPr lang="en-US" dirty="0"/>
@@ -3162,6 +1747,11 @@
         </p:txBody>
       </p:sp>
     </p:spTree>
+    <p:extLst>
+      <p:ext uri="{BB962C8B-B14F-4D97-AF65-F5344CB8AC3E}">
+        <p14:creationId xmlns:p14="http://schemas.microsoft.com/office/powerpoint/2010/main" val="4013146226"/>
+      </p:ext>
+    </p:extLst>
   </p:cSld>
   <p:clrMapOvr>
     <a:masterClrMapping/>
@@ -3169,7 +1759,7 @@
 </p:sldLayout>
 </file>
 
-<file path=ppt/slideLayouts/slideLayout7.xml><?xml version="1.0" encoding="utf-8"?>
+<file path=ppt/slideLayouts/slideLayout5.xml><?xml version="1.0" encoding="utf-8"?>
 <p:sldLayout xmlns:a="http://schemas.openxmlformats.org/drawingml/2006/main" xmlns:r="http://schemas.openxmlformats.org/officeDocument/2006/relationships" xmlns:p="http://schemas.openxmlformats.org/presentationml/2006/main" type="titleOnly" preserve="1">
   <p:cSld name="제목만">
     <p:spTree>
@@ -3225,8 +1815,8 @@
           <a:lstStyle/>
           <a:p>
             <a:fld id="{10B90D90-AA62-404D-A741-635B4370F9CB}" type="datetimeFigureOut">
-              <a:rPr lang="en-US" dirty="0"/>
-              <a:t>12/3/2014</a:t>
+              <a:rPr lang="en-US" smtClean="0"/>
+              <a:t>12/4/2014</a:t>
             </a:fld>
             <a:endParaRPr lang="en-US" dirty="0"/>
           </a:p>
@@ -3267,7 +1857,7 @@
           <a:lstStyle/>
           <a:p>
             <a:fld id="{4FAB73BC-B049-4115-A692-8D63A059BFB8}" type="slidenum">
-              <a:rPr lang="en-US" dirty="0"/>
+              <a:rPr lang="en-US" smtClean="0"/>
               <a:t>‹#›</a:t>
             </a:fld>
             <a:endParaRPr lang="en-US" dirty="0"/>
@@ -3275,6 +1865,11 @@
         </p:txBody>
       </p:sp>
     </p:spTree>
+    <p:extLst>
+      <p:ext uri="{BB962C8B-B14F-4D97-AF65-F5344CB8AC3E}">
+        <p14:creationId xmlns:p14="http://schemas.microsoft.com/office/powerpoint/2010/main" val="1615994338"/>
+      </p:ext>
+    </p:extLst>
   </p:cSld>
   <p:clrMapOvr>
     <a:masterClrMapping/>
@@ -3282,7 +1877,7 @@
 </p:sldLayout>
 </file>
 
-<file path=ppt/slideLayouts/slideLayout8.xml><?xml version="1.0" encoding="utf-8"?>
+<file path=ppt/slideLayouts/slideLayout6.xml><?xml version="1.0" encoding="utf-8"?>
 <p:sldLayout xmlns:a="http://schemas.openxmlformats.org/drawingml/2006/main" xmlns:r="http://schemas.openxmlformats.org/officeDocument/2006/relationships" xmlns:p="http://schemas.openxmlformats.org/presentationml/2006/main" type="blank" preserve="1">
   <p:cSld name="빈 화면">
     <p:spTree>
@@ -3315,8 +1910,8 @@
           <a:lstStyle/>
           <a:p>
             <a:fld id="{A57002E4-6836-46D1-9DBB-3C27C0DD3A89}" type="datetimeFigureOut">
-              <a:rPr lang="en-US" dirty="0"/>
-              <a:t>12/3/2014</a:t>
+              <a:rPr lang="en-US" smtClean="0"/>
+              <a:t>12/4/2014</a:t>
             </a:fld>
             <a:endParaRPr lang="en-US" dirty="0"/>
           </a:p>
@@ -3357,7 +1952,7 @@
           <a:lstStyle/>
           <a:p>
             <a:fld id="{4FAB73BC-B049-4115-A692-8D63A059BFB8}" type="slidenum">
-              <a:rPr lang="en-US" dirty="0"/>
+              <a:rPr lang="en-US" smtClean="0"/>
               <a:t>‹#›</a:t>
             </a:fld>
             <a:endParaRPr lang="en-US" dirty="0"/>
@@ -3365,6 +1960,11 @@
         </p:txBody>
       </p:sp>
     </p:spTree>
+    <p:extLst>
+      <p:ext uri="{BB962C8B-B14F-4D97-AF65-F5344CB8AC3E}">
+        <p14:creationId xmlns:p14="http://schemas.microsoft.com/office/powerpoint/2010/main" val="2889002647"/>
+      </p:ext>
+    </p:extLst>
   </p:cSld>
   <p:clrMapOvr>
     <a:masterClrMapping/>
@@ -3379,7 +1979,7 @@
 </p:sldLayout>
 </file>
 
-<file path=ppt/slideLayouts/slideLayout9.xml><?xml version="1.0" encoding="utf-8"?>
+<file path=ppt/slideLayouts/slideLayout7.xml><?xml version="1.0" encoding="utf-8"?>
 <p:sldLayout xmlns:a="http://schemas.openxmlformats.org/drawingml/2006/main" xmlns:r="http://schemas.openxmlformats.org/officeDocument/2006/relationships" xmlns:p="http://schemas.openxmlformats.org/presentationml/2006/main" showMasterSp="0" type="objTx" preserve="1">
   <p:cSld name="캡션 있는 콘텐츠">
     <p:spTree>
@@ -3699,8 +2299,8 @@
           <a:lstStyle/>
           <a:p>
             <a:fld id="{1CF131DD-A141-4471-BCF9-C6073EDD7E20}" type="datetimeFigureOut">
-              <a:rPr lang="en-US" dirty="0"/>
-              <a:t>12/3/2014</a:t>
+              <a:rPr lang="en-US" smtClean="0"/>
+              <a:t>12/4/2014</a:t>
             </a:fld>
             <a:endParaRPr lang="en-US" dirty="0"/>
           </a:p>
@@ -3758,7 +2358,7 @@
           </a:lstStyle>
           <a:p>
             <a:fld id="{4FAB73BC-B049-4115-A692-8D63A059BFB8}" type="slidenum">
-              <a:rPr lang="en-US" dirty="0"/>
+              <a:rPr lang="en-US" smtClean="0"/>
               <a:pPr/>
               <a:t>‹#›</a:t>
             </a:fld>
@@ -3806,6 +2406,590 @@
         </p:style>
       </p:sp>
     </p:spTree>
+    <p:extLst>
+      <p:ext uri="{BB962C8B-B14F-4D97-AF65-F5344CB8AC3E}">
+        <p14:creationId xmlns:p14="http://schemas.microsoft.com/office/powerpoint/2010/main" val="6358160"/>
+      </p:ext>
+    </p:extLst>
+  </p:cSld>
+  <p:clrMapOvr>
+    <a:masterClrMapping/>
+  </p:clrMapOvr>
+</p:sldLayout>
+</file>
+
+<file path=ppt/slideLayouts/slideLayout8.xml><?xml version="1.0" encoding="utf-8"?>
+<p:sldLayout xmlns:a="http://schemas.openxmlformats.org/drawingml/2006/main" xmlns:r="http://schemas.openxmlformats.org/officeDocument/2006/relationships" xmlns:p="http://schemas.openxmlformats.org/presentationml/2006/main" showMasterSp="0" type="picTx" preserve="1">
+  <p:cSld name="캡션 있는 그림">
+    <p:spTree>
+      <p:nvGrpSpPr>
+        <p:cNvPr id="1" name=""/>
+        <p:cNvGrpSpPr/>
+        <p:nvPr/>
+      </p:nvGrpSpPr>
+      <p:grpSpPr>
+        <a:xfrm>
+          <a:off x="0" y="0"/>
+          <a:ext cx="0" cy="0"/>
+          <a:chOff x="0" y="0"/>
+          <a:chExt cx="0" cy="0"/>
+        </a:xfrm>
+      </p:grpSpPr>
+      <p:sp>
+        <p:nvSpPr>
+          <p:cNvPr id="14" name="Rectangle 13"/>
+          <p:cNvSpPr/>
+          <p:nvPr/>
+        </p:nvSpPr>
+        <p:spPr>
+          <a:xfrm>
+            <a:off x="9020386" y="237744"/>
+            <a:ext cx="2926080" cy="6382512"/>
+          </a:xfrm>
+          <a:prstGeom prst="rect">
+            <a:avLst/>
+          </a:prstGeom>
+          <a:solidFill>
+            <a:schemeClr val="accent1"/>
+          </a:solidFill>
+          <a:ln>
+            <a:noFill/>
+          </a:ln>
+        </p:spPr>
+        <p:style>
+          <a:lnRef idx="2">
+            <a:schemeClr val="accent1">
+              <a:shade val="50000"/>
+            </a:schemeClr>
+          </a:lnRef>
+          <a:fillRef idx="1">
+            <a:schemeClr val="accent1"/>
+          </a:fillRef>
+          <a:effectRef idx="0">
+            <a:schemeClr val="accent1"/>
+          </a:effectRef>
+          <a:fontRef idx="minor">
+            <a:schemeClr val="lt1"/>
+          </a:fontRef>
+        </p:style>
+      </p:sp>
+      <p:sp>
+        <p:nvSpPr>
+          <p:cNvPr id="2" name="Title 1"/>
+          <p:cNvSpPr>
+            <a:spLocks noGrp="1"/>
+          </p:cNvSpPr>
+          <p:nvPr>
+            <p:ph type="title"/>
+          </p:nvPr>
+        </p:nvSpPr>
+        <p:spPr>
+          <a:xfrm>
+            <a:off x="9296400" y="603504"/>
+            <a:ext cx="2432304" cy="1645920"/>
+          </a:xfrm>
+        </p:spPr>
+        <p:txBody>
+          <a:bodyPr anchor="b">
+            <a:noAutofit/>
+          </a:bodyPr>
+          <a:lstStyle>
+            <a:lvl1pPr algn="l">
+              <a:defRPr sz="2800" b="0">
+                <a:solidFill>
+                  <a:srgbClr val="FFFFFF"/>
+                </a:solidFill>
+                <a:latin typeface="+mj-lt"/>
+              </a:defRPr>
+            </a:lvl1pPr>
+          </a:lstStyle>
+          <a:p>
+            <a:r>
+              <a:rPr lang="ko-KR" altLang="en-US" smtClean="0"/>
+              <a:t>마스터 제목 스타일 편집</a:t>
+            </a:r>
+            <a:endParaRPr lang="en-US" dirty="0"/>
+          </a:p>
+        </p:txBody>
+      </p:sp>
+      <p:sp>
+        <p:nvSpPr>
+          <p:cNvPr id="3" name="Picture Placeholder 2"/>
+          <p:cNvSpPr>
+            <a:spLocks noGrp="1" noChangeAspect="1"/>
+          </p:cNvSpPr>
+          <p:nvPr>
+            <p:ph type="pic" idx="1"/>
+          </p:nvPr>
+        </p:nvSpPr>
+        <p:spPr>
+          <a:xfrm>
+            <a:off x="228599" y="237744"/>
+            <a:ext cx="8531352" cy="6382512"/>
+          </a:xfrm>
+          <a:solidFill>
+            <a:schemeClr val="accent1">
+              <a:lumMod val="60000"/>
+              <a:lumOff val="40000"/>
+            </a:schemeClr>
+          </a:solidFill>
+          <a:ln>
+            <a:noFill/>
+          </a:ln>
+        </p:spPr>
+        <p:txBody>
+          <a:bodyPr anchor="t"/>
+          <a:lstStyle>
+            <a:lvl1pPr marL="0" indent="0">
+              <a:buNone/>
+              <a:defRPr sz="3200"/>
+            </a:lvl1pPr>
+            <a:lvl2pPr marL="457200" indent="0">
+              <a:buNone/>
+              <a:defRPr sz="2800"/>
+            </a:lvl2pPr>
+            <a:lvl3pPr marL="914400" indent="0">
+              <a:buNone/>
+              <a:defRPr sz="2400"/>
+            </a:lvl3pPr>
+            <a:lvl4pPr marL="1371600" indent="0">
+              <a:buNone/>
+              <a:defRPr sz="2000"/>
+            </a:lvl4pPr>
+            <a:lvl5pPr marL="1828800" indent="0">
+              <a:buNone/>
+              <a:defRPr sz="2000"/>
+            </a:lvl5pPr>
+            <a:lvl6pPr marL="2286000" indent="0">
+              <a:buNone/>
+              <a:defRPr sz="2000"/>
+            </a:lvl6pPr>
+            <a:lvl7pPr marL="2743200" indent="0">
+              <a:buNone/>
+              <a:defRPr sz="2000"/>
+            </a:lvl7pPr>
+            <a:lvl8pPr marL="3200400" indent="0">
+              <a:buNone/>
+              <a:defRPr sz="2000"/>
+            </a:lvl8pPr>
+            <a:lvl9pPr marL="3657600" indent="0">
+              <a:buNone/>
+              <a:defRPr sz="2000"/>
+            </a:lvl9pPr>
+          </a:lstStyle>
+          <a:p>
+            <a:r>
+              <a:rPr lang="ko-KR" altLang="en-US" smtClean="0"/>
+              <a:t>그림을 추가하려면 아이콘을 클릭하십시오</a:t>
+            </a:r>
+            <a:endParaRPr lang="en-US" dirty="0"/>
+          </a:p>
+        </p:txBody>
+      </p:sp>
+      <p:sp>
+        <p:nvSpPr>
+          <p:cNvPr id="4" name="Text Placeholder 3"/>
+          <p:cNvSpPr>
+            <a:spLocks noGrp="1"/>
+          </p:cNvSpPr>
+          <p:nvPr>
+            <p:ph type="body" sz="half" idx="2"/>
+          </p:nvPr>
+        </p:nvSpPr>
+        <p:spPr>
+          <a:xfrm>
+            <a:off x="9296400" y="2286000"/>
+            <a:ext cx="2432304" cy="3502152"/>
+          </a:xfrm>
+        </p:spPr>
+        <p:txBody>
+          <a:bodyPr>
+            <a:normAutofit/>
+          </a:bodyPr>
+          <a:lstStyle>
+            <a:lvl1pPr marL="0" indent="0" algn="l">
+              <a:lnSpc>
+                <a:spcPct val="110000"/>
+              </a:lnSpc>
+              <a:spcBef>
+                <a:spcPts val="800"/>
+              </a:spcBef>
+              <a:buNone/>
+              <a:defRPr sz="1400">
+                <a:solidFill>
+                  <a:srgbClr val="FFFFFF"/>
+                </a:solidFill>
+              </a:defRPr>
+            </a:lvl1pPr>
+            <a:lvl2pPr marL="457200" indent="0">
+              <a:buNone/>
+              <a:defRPr sz="1200"/>
+            </a:lvl2pPr>
+            <a:lvl3pPr marL="914400" indent="0">
+              <a:buNone/>
+              <a:defRPr sz="1000"/>
+            </a:lvl3pPr>
+            <a:lvl4pPr marL="1371600" indent="0">
+              <a:buNone/>
+              <a:defRPr sz="900"/>
+            </a:lvl4pPr>
+            <a:lvl5pPr marL="1828800" indent="0">
+              <a:buNone/>
+              <a:defRPr sz="900"/>
+            </a:lvl5pPr>
+            <a:lvl6pPr marL="2286000" indent="0">
+              <a:buNone/>
+              <a:defRPr sz="900"/>
+            </a:lvl6pPr>
+            <a:lvl7pPr marL="2743200" indent="0">
+              <a:buNone/>
+              <a:defRPr sz="900"/>
+            </a:lvl7pPr>
+            <a:lvl8pPr marL="3200400" indent="0">
+              <a:buNone/>
+              <a:defRPr sz="900"/>
+            </a:lvl8pPr>
+            <a:lvl9pPr marL="3657600" indent="0">
+              <a:buNone/>
+              <a:defRPr sz="900"/>
+            </a:lvl9pPr>
+          </a:lstStyle>
+          <a:p>
+            <a:pPr lvl="0"/>
+            <a:r>
+              <a:rPr lang="ko-KR" altLang="en-US" smtClean="0"/>
+              <a:t>마스터 텍스트 스타일을 편집합니다</a:t>
+            </a:r>
+          </a:p>
+        </p:txBody>
+      </p:sp>
+      <p:sp>
+        <p:nvSpPr>
+          <p:cNvPr id="5" name="Date Placeholder 4"/>
+          <p:cNvSpPr>
+            <a:spLocks noGrp="1"/>
+          </p:cNvSpPr>
+          <p:nvPr>
+            <p:ph type="dt" sz="half" idx="10"/>
+          </p:nvPr>
+        </p:nvSpPr>
+        <p:spPr/>
+        <p:txBody>
+          <a:bodyPr/>
+          <a:lstStyle>
+            <a:lvl1pPr>
+              <a:defRPr>
+                <a:solidFill>
+                  <a:srgbClr val="FFFFFF"/>
+                </a:solidFill>
+                <a:effectLst>
+                  <a:outerShdw blurRad="12700" dist="6350" dir="2700000" algn="tl" rotWithShape="0">
+                    <a:prstClr val="black">
+                      <a:alpha val="40000"/>
+                    </a:prstClr>
+                  </a:outerShdw>
+                </a:effectLst>
+              </a:defRPr>
+            </a:lvl1pPr>
+          </a:lstStyle>
+          <a:p>
+            <a:fld id="{AB334A90-EB03-42F3-8859-2C2B2724C058}" type="datetimeFigureOut">
+              <a:rPr lang="en-US" smtClean="0"/>
+              <a:t>12/4/2014</a:t>
+            </a:fld>
+            <a:endParaRPr lang="en-US" dirty="0"/>
+          </a:p>
+        </p:txBody>
+      </p:sp>
+      <p:sp>
+        <p:nvSpPr>
+          <p:cNvPr id="6" name="Footer Placeholder 5"/>
+          <p:cNvSpPr>
+            <a:spLocks noGrp="1"/>
+          </p:cNvSpPr>
+          <p:nvPr>
+            <p:ph type="ftr" sz="quarter" idx="11"/>
+          </p:nvPr>
+        </p:nvSpPr>
+        <p:spPr/>
+        <p:txBody>
+          <a:bodyPr/>
+          <a:lstStyle>
+            <a:lvl1pPr marL="0" algn="r" defTabSz="914400" rtl="0" eaLnBrk="1" latinLnBrk="0" hangingPunct="1">
+              <a:defRPr lang="en-US" sz="1000" kern="1200" dirty="0">
+                <a:solidFill>
+                  <a:srgbClr val="FFFFFF"/>
+                </a:solidFill>
+                <a:effectLst>
+                  <a:outerShdw blurRad="12700" dist="6350" dir="2700000" algn="tl" rotWithShape="0">
+                    <a:prstClr val="black">
+                      <a:alpha val="40000"/>
+                    </a:prstClr>
+                  </a:outerShdw>
+                </a:effectLst>
+                <a:latin typeface="+mn-lt"/>
+                <a:ea typeface="+mn-ea"/>
+                <a:cs typeface="+mn-cs"/>
+              </a:defRPr>
+            </a:lvl1pPr>
+          </a:lstStyle>
+          <a:p>
+            <a:endParaRPr lang="en-US" dirty="0"/>
+          </a:p>
+        </p:txBody>
+      </p:sp>
+      <p:sp>
+        <p:nvSpPr>
+          <p:cNvPr id="7" name="Slide Number Placeholder 6"/>
+          <p:cNvSpPr>
+            <a:spLocks noGrp="1"/>
+          </p:cNvSpPr>
+          <p:nvPr>
+            <p:ph type="sldNum" sz="quarter" idx="12"/>
+          </p:nvPr>
+        </p:nvSpPr>
+        <p:spPr>
+          <a:xfrm>
+            <a:off x="10396728" y="6227064"/>
+            <a:ext cx="1463040" cy="274320"/>
+          </a:xfrm>
+        </p:spPr>
+        <p:txBody>
+          <a:bodyPr/>
+          <a:lstStyle>
+            <a:lvl1pPr>
+              <a:defRPr>
+                <a:solidFill>
+                  <a:srgbClr val="FFFFFF"/>
+                </a:solidFill>
+              </a:defRPr>
+            </a:lvl1pPr>
+          </a:lstStyle>
+          <a:p>
+            <a:fld id="{4FAB73BC-B049-4115-A692-8D63A059BFB8}" type="slidenum">
+              <a:rPr lang="en-US" smtClean="0"/>
+              <a:pPr/>
+              <a:t>‹#›</a:t>
+            </a:fld>
+            <a:endParaRPr lang="en-US" dirty="0"/>
+          </a:p>
+        </p:txBody>
+      </p:sp>
+      <p:sp>
+        <p:nvSpPr>
+          <p:cNvPr id="10" name="Rectangle 9"/>
+          <p:cNvSpPr/>
+          <p:nvPr/>
+        </p:nvSpPr>
+        <p:spPr>
+          <a:xfrm>
+            <a:off x="9157546" y="374904"/>
+            <a:ext cx="2651760" cy="6108192"/>
+          </a:xfrm>
+          <a:prstGeom prst="rect">
+            <a:avLst/>
+          </a:prstGeom>
+          <a:noFill/>
+          <a:ln w="6350" cap="sq">
+            <a:solidFill>
+              <a:srgbClr val="FFFFFF"/>
+            </a:solidFill>
+            <a:miter lim="800000"/>
+          </a:ln>
+        </p:spPr>
+        <p:style>
+          <a:lnRef idx="2">
+            <a:schemeClr val="accent1">
+              <a:shade val="50000"/>
+            </a:schemeClr>
+          </a:lnRef>
+          <a:fillRef idx="1">
+            <a:schemeClr val="accent1"/>
+          </a:fillRef>
+          <a:effectRef idx="0">
+            <a:schemeClr val="accent1"/>
+          </a:effectRef>
+          <a:fontRef idx="minor">
+            <a:schemeClr val="lt1"/>
+          </a:fontRef>
+        </p:style>
+      </p:sp>
+    </p:spTree>
+    <p:extLst>
+      <p:ext uri="{BB962C8B-B14F-4D97-AF65-F5344CB8AC3E}">
+        <p14:creationId xmlns:p14="http://schemas.microsoft.com/office/powerpoint/2010/main" val="2370926630"/>
+      </p:ext>
+    </p:extLst>
+  </p:cSld>
+  <p:clrMapOvr>
+    <a:masterClrMapping/>
+  </p:clrMapOvr>
+</p:sldLayout>
+</file>
+
+<file path=ppt/slideLayouts/slideLayout9.xml><?xml version="1.0" encoding="utf-8"?>
+<p:sldLayout xmlns:a="http://schemas.openxmlformats.org/drawingml/2006/main" xmlns:r="http://schemas.openxmlformats.org/officeDocument/2006/relationships" xmlns:p="http://schemas.openxmlformats.org/presentationml/2006/main" type="vertTx" preserve="1">
+  <p:cSld name="제목 및 세로 텍스트">
+    <p:spTree>
+      <p:nvGrpSpPr>
+        <p:cNvPr id="1" name=""/>
+        <p:cNvGrpSpPr/>
+        <p:nvPr/>
+      </p:nvGrpSpPr>
+      <p:grpSpPr>
+        <a:xfrm>
+          <a:off x="0" y="0"/>
+          <a:ext cx="0" cy="0"/>
+          <a:chOff x="0" y="0"/>
+          <a:chExt cx="0" cy="0"/>
+        </a:xfrm>
+      </p:grpSpPr>
+      <p:sp>
+        <p:nvSpPr>
+          <p:cNvPr id="2" name="Title 1"/>
+          <p:cNvSpPr>
+            <a:spLocks noGrp="1"/>
+          </p:cNvSpPr>
+          <p:nvPr>
+            <p:ph type="title"/>
+          </p:nvPr>
+        </p:nvSpPr>
+        <p:spPr/>
+        <p:txBody>
+          <a:bodyPr/>
+          <a:lstStyle/>
+          <a:p>
+            <a:r>
+              <a:rPr lang="ko-KR" altLang="en-US" smtClean="0"/>
+              <a:t>마스터 제목 스타일 편집</a:t>
+            </a:r>
+            <a:endParaRPr lang="en-US" dirty="0"/>
+          </a:p>
+        </p:txBody>
+      </p:sp>
+      <p:sp>
+        <p:nvSpPr>
+          <p:cNvPr id="3" name="Vertical Text Placeholder 2"/>
+          <p:cNvSpPr>
+            <a:spLocks noGrp="1"/>
+          </p:cNvSpPr>
+          <p:nvPr>
+            <p:ph type="body" orient="vert" idx="1"/>
+          </p:nvPr>
+        </p:nvSpPr>
+        <p:spPr/>
+        <p:txBody>
+          <a:bodyPr vert="eaVert"/>
+          <a:lstStyle/>
+          <a:p>
+            <a:pPr lvl="0"/>
+            <a:r>
+              <a:rPr lang="ko-KR" altLang="en-US" smtClean="0"/>
+              <a:t>마스터 텍스트 스타일을 편집합니다</a:t>
+            </a:r>
+          </a:p>
+          <a:p>
+            <a:pPr lvl="1"/>
+            <a:r>
+              <a:rPr lang="ko-KR" altLang="en-US" smtClean="0"/>
+              <a:t>둘째 수준</a:t>
+            </a:r>
+          </a:p>
+          <a:p>
+            <a:pPr lvl="2"/>
+            <a:r>
+              <a:rPr lang="ko-KR" altLang="en-US" smtClean="0"/>
+              <a:t>셋째 수준</a:t>
+            </a:r>
+          </a:p>
+          <a:p>
+            <a:pPr lvl="3"/>
+            <a:r>
+              <a:rPr lang="ko-KR" altLang="en-US" smtClean="0"/>
+              <a:t>넷째 수준</a:t>
+            </a:r>
+          </a:p>
+          <a:p>
+            <a:pPr lvl="4"/>
+            <a:r>
+              <a:rPr lang="ko-KR" altLang="en-US" smtClean="0"/>
+              <a:t>다섯째 수준</a:t>
+            </a:r>
+            <a:endParaRPr lang="en-US" dirty="0"/>
+          </a:p>
+        </p:txBody>
+      </p:sp>
+      <p:sp>
+        <p:nvSpPr>
+          <p:cNvPr id="4" name="Date Placeholder 3"/>
+          <p:cNvSpPr>
+            <a:spLocks noGrp="1"/>
+          </p:cNvSpPr>
+          <p:nvPr>
+            <p:ph type="dt" sz="half" idx="10"/>
+          </p:nvPr>
+        </p:nvSpPr>
+        <p:spPr/>
+        <p:txBody>
+          <a:bodyPr/>
+          <a:lstStyle/>
+          <a:p>
+            <a:fld id="{D11A6AA8-A04B-4104-9AE2-BD48D340E27F}" type="datetimeFigureOut">
+              <a:rPr lang="en-US" smtClean="0"/>
+              <a:t>12/4/2014</a:t>
+            </a:fld>
+            <a:endParaRPr lang="en-US" dirty="0"/>
+          </a:p>
+        </p:txBody>
+      </p:sp>
+      <p:sp>
+        <p:nvSpPr>
+          <p:cNvPr id="5" name="Footer Placeholder 4"/>
+          <p:cNvSpPr>
+            <a:spLocks noGrp="1"/>
+          </p:cNvSpPr>
+          <p:nvPr>
+            <p:ph type="ftr" sz="quarter" idx="11"/>
+          </p:nvPr>
+        </p:nvSpPr>
+        <p:spPr/>
+        <p:txBody>
+          <a:bodyPr/>
+          <a:lstStyle/>
+          <a:p>
+            <a:endParaRPr lang="en-US" dirty="0"/>
+          </a:p>
+        </p:txBody>
+      </p:sp>
+      <p:sp>
+        <p:nvSpPr>
+          <p:cNvPr id="6" name="Slide Number Placeholder 5"/>
+          <p:cNvSpPr>
+            <a:spLocks noGrp="1"/>
+          </p:cNvSpPr>
+          <p:nvPr>
+            <p:ph type="sldNum" sz="quarter" idx="12"/>
+          </p:nvPr>
+        </p:nvSpPr>
+        <p:spPr/>
+        <p:txBody>
+          <a:bodyPr/>
+          <a:lstStyle/>
+          <a:p>
+            <a:fld id="{4FAB73BC-B049-4115-A692-8D63A059BFB8}" type="slidenum">
+              <a:rPr lang="en-US" smtClean="0"/>
+              <a:t>‹#›</a:t>
+            </a:fld>
+            <a:endParaRPr lang="en-US" dirty="0"/>
+          </a:p>
+        </p:txBody>
+      </p:sp>
+    </p:spTree>
+    <p:extLst>
+      <p:ext uri="{BB962C8B-B14F-4D97-AF65-F5344CB8AC3E}">
+        <p14:creationId xmlns:p14="http://schemas.microsoft.com/office/powerpoint/2010/main" val="1364706200"/>
+      </p:ext>
+    </p:extLst>
   </p:cSld>
   <p:clrMapOvr>
     <a:masterClrMapping/>
@@ -3994,8 +3178,8 @@
           </a:lstStyle>
           <a:p>
             <a:fld id="{CBC48EC7-AF6A-48D3-8284-14BACBEBDD84}" type="datetimeFigureOut">
-              <a:rPr lang="en-US" dirty="0"/>
-              <a:t>12/3/2014</a:t>
+              <a:rPr lang="en-US" smtClean="0"/>
+              <a:t>12/4/2014</a:t>
             </a:fld>
             <a:endParaRPr lang="en-US" dirty="0"/>
           </a:p>
@@ -4074,7 +3258,7 @@
           </a:lstStyle>
           <a:p>
             <a:fld id="{4FAB73BC-B049-4115-A692-8D63A059BFB8}" type="slidenum">
-              <a:rPr lang="en-US" dirty="0"/>
+              <a:rPr lang="en-US" smtClean="0"/>
               <a:pPr/>
               <a:t>‹#›</a:t>
             </a:fld>
@@ -4083,21 +3267,25 @@
         </p:txBody>
       </p:sp>
     </p:spTree>
+    <p:extLst>
+      <p:ext uri="{BB962C8B-B14F-4D97-AF65-F5344CB8AC3E}">
+        <p14:creationId xmlns:p14="http://schemas.microsoft.com/office/powerpoint/2010/main" val="753572660"/>
+      </p:ext>
+    </p:extLst>
   </p:cSld>
   <p:clrMap bg1="lt1" tx1="dk1" bg2="lt2" tx2="dk2" accent1="accent1" accent2="accent2" accent3="accent3" accent4="accent4" accent5="accent5" accent6="accent6" hlink="hlink" folHlink="folHlink"/>
   <p:sldLayoutIdLst>
-    <p:sldLayoutId id="2147483769" r:id="rId1"/>
-    <p:sldLayoutId id="2147483780" r:id="rId2"/>
-    <p:sldLayoutId id="2147483770" r:id="rId3"/>
-    <p:sldLayoutId id="2147483771" r:id="rId4"/>
-    <p:sldLayoutId id="2147483772" r:id="rId5"/>
-    <p:sldLayoutId id="2147483773" r:id="rId6"/>
-    <p:sldLayoutId id="2147483774" r:id="rId7"/>
-    <p:sldLayoutId id="2147483775" r:id="rId8"/>
-    <p:sldLayoutId id="2147483776" r:id="rId9"/>
-    <p:sldLayoutId id="2147483777" r:id="rId10"/>
-    <p:sldLayoutId id="2147483778" r:id="rId11"/>
-    <p:sldLayoutId id="2147483779" r:id="rId12"/>
+    <p:sldLayoutId id="2147483792" r:id="rId1"/>
+    <p:sldLayoutId id="2147483783" r:id="rId2"/>
+    <p:sldLayoutId id="2147483784" r:id="rId3"/>
+    <p:sldLayoutId id="2147483785" r:id="rId4"/>
+    <p:sldLayoutId id="2147483786" r:id="rId5"/>
+    <p:sldLayoutId id="2147483787" r:id="rId6"/>
+    <p:sldLayoutId id="2147483788" r:id="rId7"/>
+    <p:sldLayoutId id="2147483789" r:id="rId8"/>
+    <p:sldLayoutId id="2147483790" r:id="rId9"/>
+    <p:sldLayoutId id="2147483791" r:id="rId10"/>
+    <p:sldLayoutId id="2147483780" r:id="rId11"/>
   </p:sldLayoutIdLst>
   <p:timing>
     <p:tnLst>
@@ -4484,24 +3672,25 @@
           <a:lstStyle/>
           <a:p>
             <a:r>
-              <a:rPr lang="en-US" altLang="ko-KR" sz="8000" dirty="0"/>
+              <a:rPr lang="en-US" altLang="ko-KR" sz="9600" b="1" dirty="0"/>
               <a:t>JAVA </a:t>
             </a:r>
             <a:br>
-              <a:rPr lang="en-US" altLang="ko-KR" sz="8000" dirty="0"/>
+              <a:rPr lang="en-US" altLang="ko-KR" sz="9600" b="1" dirty="0"/>
             </a:br>
             <a:r>
-              <a:rPr lang="en-US" altLang="ko-KR" sz="8000" dirty="0"/>
-              <a:t>Array List</a:t>
-            </a:r>
-            <a:br>
-              <a:rPr lang="en-US" altLang="ko-KR" sz="8000" dirty="0"/>
-            </a:br>
-            <a:r>
-              <a:rPr lang="ko-KR" altLang="en-US" sz="8000" dirty="0" smtClean="0"/>
+              <a:rPr lang="en-US" altLang="ko-KR" sz="9600" dirty="0"/>
+              <a:t>Array </a:t>
+            </a:r>
+            <a:r>
+              <a:rPr lang="en-US" altLang="ko-KR" sz="9600" dirty="0" smtClean="0"/>
+              <a:t>List </a:t>
+            </a:r>
+            <a:r>
+              <a:rPr lang="ko-KR" altLang="en-US" sz="9600" dirty="0" smtClean="0"/>
               <a:t>구현방법</a:t>
             </a:r>
-            <a:endParaRPr lang="ko-KR" altLang="en-US" sz="8000" dirty="0">
+            <a:endParaRPr lang="ko-KR" altLang="en-US" sz="9600" dirty="0">
               <a:latin typeface="+mj-lt"/>
             </a:endParaRPr>
           </a:p>
@@ -5676,6 +4865,13 @@
   <p:clrMapOvr>
     <a:masterClrMapping/>
   </p:clrMapOvr>
+  <p:timing>
+    <p:tnLst>
+      <p:par>
+        <p:cTn id="1" dur="indefinite" restart="never" nodeType="tmRoot"/>
+      </p:par>
+    </p:tnLst>
+  </p:timing>
 </p:sld>
 </file>
 
@@ -5799,6 +4995,13 @@
   <p:clrMapOvr>
     <a:masterClrMapping/>
   </p:clrMapOvr>
+  <p:timing>
+    <p:tnLst>
+      <p:par>
+        <p:cTn id="1" dur="indefinite" restart="never" nodeType="tmRoot"/>
+      </p:par>
+    </p:tnLst>
+  </p:timing>
 </p:sld>
 </file>
 
@@ -5828,7 +5031,7 @@
         <p:spPr>
           <a:xfrm>
             <a:off x="1965703" y="2944297"/>
-            <a:ext cx="8260595" cy="1200329"/>
+            <a:ext cx="6894003" cy="1200329"/>
           </a:xfrm>
           <a:prstGeom prst="rect">
             <a:avLst/>
@@ -5841,9 +5044,18 @@
           <a:lstStyle/>
           <a:p>
             <a:r>
-              <a:rPr lang="ko-KR" altLang="en-US" sz="7200" dirty="0"/>
-              <a:t>numbers.remove(2);</a:t>
-            </a:r>
+              <a:rPr lang="ko-KR" altLang="en-US" sz="7200" dirty="0" smtClean="0"/>
+              <a:t>numbers.remove(</a:t>
+            </a:r>
+            <a:r>
+              <a:rPr lang="en-US" altLang="ko-KR" sz="7200" dirty="0" smtClean="0"/>
+              <a:t>1</a:t>
+            </a:r>
+            <a:r>
+              <a:rPr lang="ko-KR" altLang="en-US" sz="7200" dirty="0" smtClean="0"/>
+              <a:t>);</a:t>
+            </a:r>
+            <a:endParaRPr lang="ko-KR" altLang="en-US" sz="7200" dirty="0"/>
           </a:p>
         </p:txBody>
       </p:sp>
@@ -5851,1090 +5063,6 @@
     <p:extLst>
       <p:ext uri="{BB962C8B-B14F-4D97-AF65-F5344CB8AC3E}">
         <p14:creationId xmlns:p14="http://schemas.microsoft.com/office/powerpoint/2010/main" val="127047197"/>
-      </p:ext>
-    </p:extLst>
-  </p:cSld>
-  <p:clrMapOvr>
-    <a:masterClrMapping/>
-  </p:clrMapOvr>
-</p:sld>
-</file>
-
-<file path=ppt/slides/slide14.xml><?xml version="1.0" encoding="utf-8"?>
-<p:sld xmlns:a="http://schemas.openxmlformats.org/drawingml/2006/main" xmlns:r="http://schemas.openxmlformats.org/officeDocument/2006/relationships" xmlns:p="http://schemas.openxmlformats.org/presentationml/2006/main">
-  <p:cSld>
-    <p:spTree>
-      <p:nvGrpSpPr>
-        <p:cNvPr id="1" name=""/>
-        <p:cNvGrpSpPr/>
-        <p:nvPr/>
-      </p:nvGrpSpPr>
-      <p:grpSpPr>
-        <a:xfrm>
-          <a:off x="0" y="0"/>
-          <a:ext cx="0" cy="0"/>
-          <a:chOff x="0" y="0"/>
-          <a:chExt cx="0" cy="0"/>
-        </a:xfrm>
-      </p:grpSpPr>
-      <p:grpSp>
-        <p:nvGrpSpPr>
-          <p:cNvPr id="145" name="그룹 144"/>
-          <p:cNvGrpSpPr/>
-          <p:nvPr/>
-        </p:nvGrpSpPr>
-        <p:grpSpPr>
-          <a:xfrm>
-            <a:off x="2803772" y="1733446"/>
-            <a:ext cx="787440" cy="866477"/>
-            <a:chOff x="1877654" y="1556951"/>
-            <a:chExt cx="873783" cy="874083"/>
-          </a:xfrm>
-        </p:grpSpPr>
-        <p:sp>
-          <p:nvSpPr>
-            <p:cNvPr id="146" name="모서리가 둥근 직사각형 145"/>
-            <p:cNvSpPr/>
-            <p:nvPr/>
-          </p:nvSpPr>
-          <p:spPr>
-            <a:xfrm flipH="1">
-              <a:off x="1881293" y="1556951"/>
-              <a:ext cx="870144" cy="839506"/>
-            </a:xfrm>
-            <a:prstGeom prst="roundRect">
-              <a:avLst>
-                <a:gd name="adj" fmla="val 10749"/>
-              </a:avLst>
-            </a:prstGeom>
-            <a:noFill/>
-            <a:ln w="38100">
-              <a:solidFill>
-                <a:srgbClr val="333333"/>
-              </a:solidFill>
-            </a:ln>
-          </p:spPr>
-          <p:style>
-            <a:lnRef idx="2">
-              <a:schemeClr val="accent1">
-                <a:shade val="50000"/>
-              </a:schemeClr>
-            </a:lnRef>
-            <a:fillRef idx="1">
-              <a:schemeClr val="accent1"/>
-            </a:fillRef>
-            <a:effectRef idx="0">
-              <a:schemeClr val="accent1"/>
-            </a:effectRef>
-            <a:fontRef idx="minor">
-              <a:schemeClr val="lt1"/>
-            </a:fontRef>
-          </p:style>
-          <p:txBody>
-            <a:bodyPr rot="0" spcFirstLastPara="0" vertOverflow="overflow" horzOverflow="overflow" vert="horz" wrap="square" lIns="68579" tIns="34290" rIns="68579" bIns="34290" numCol="1" spcCol="0" rtlCol="0" fromWordArt="0" anchor="ctr" anchorCtr="0" forceAA="0" compatLnSpc="1">
-              <a:prstTxWarp prst="textNoShape">
-                <a:avLst/>
-              </a:prstTxWarp>
-              <a:noAutofit/>
-            </a:bodyPr>
-            <a:lstStyle/>
-            <a:p>
-              <a:pPr algn="ctr"/>
-              <a:endParaRPr lang="ko-KR" altLang="en-US" sz="1050" dirty="0">
-                <a:ln w="38100">
-                  <a:solidFill>
-                    <a:srgbClr val="333333"/>
-                  </a:solidFill>
-                </a:ln>
-                <a:noFill/>
-              </a:endParaRPr>
-            </a:p>
-          </p:txBody>
-        </p:sp>
-        <p:cxnSp>
-          <p:nvCxnSpPr>
-            <p:cNvPr id="147" name="직선 연결선 146"/>
-            <p:cNvCxnSpPr/>
-            <p:nvPr/>
-          </p:nvCxnSpPr>
-          <p:spPr>
-            <a:xfrm>
-              <a:off x="1881293" y="2117124"/>
-              <a:ext cx="870144" cy="0"/>
-            </a:xfrm>
-            <a:prstGeom prst="line">
-              <a:avLst/>
-            </a:prstGeom>
-            <a:ln w="38100">
-              <a:solidFill>
-                <a:srgbClr val="333333"/>
-              </a:solidFill>
-            </a:ln>
-          </p:spPr>
-          <p:style>
-            <a:lnRef idx="1">
-              <a:schemeClr val="accent1"/>
-            </a:lnRef>
-            <a:fillRef idx="0">
-              <a:schemeClr val="accent1"/>
-            </a:fillRef>
-            <a:effectRef idx="0">
-              <a:schemeClr val="accent1"/>
-            </a:effectRef>
-            <a:fontRef idx="minor">
-              <a:schemeClr val="tx1"/>
-            </a:fontRef>
-          </p:style>
-        </p:cxnSp>
-        <p:sp>
-          <p:nvSpPr>
-            <p:cNvPr id="148" name="TextBox 147"/>
-            <p:cNvSpPr txBox="1"/>
-            <p:nvPr/>
-          </p:nvSpPr>
-          <p:spPr>
-            <a:xfrm>
-              <a:off x="1877654" y="2120555"/>
-              <a:ext cx="870143" cy="310479"/>
-            </a:xfrm>
-            <a:prstGeom prst="rect">
-              <a:avLst/>
-            </a:prstGeom>
-            <a:noFill/>
-          </p:spPr>
-          <p:txBody>
-            <a:bodyPr wrap="square" rtlCol="0">
-              <a:spAutoFit/>
-            </a:bodyPr>
-            <a:lstStyle/>
-            <a:p>
-              <a:pPr algn="ctr"/>
-              <a:r>
-                <a:rPr lang="en-US" altLang="ko-KR" sz="1400" dirty="0">
-                  <a:solidFill>
-                    <a:srgbClr val="333333"/>
-                  </a:solidFill>
-                  <a:latin typeface="넥슨 풋볼고딕 B" panose="020B0803000000000000" pitchFamily="50" charset="-127"/>
-                  <a:ea typeface="넥슨 풋볼고딕 B" panose="020B0803000000000000" pitchFamily="50" charset="-127"/>
-                </a:rPr>
-                <a:t>0</a:t>
-              </a:r>
-              <a:endParaRPr lang="ko-KR" altLang="en-US" sz="1400" dirty="0">
-                <a:solidFill>
-                  <a:srgbClr val="333333"/>
-                </a:solidFill>
-                <a:latin typeface="넥슨 풋볼고딕 B" panose="020B0803000000000000" pitchFamily="50" charset="-127"/>
-                <a:ea typeface="넥슨 풋볼고딕 B" panose="020B0803000000000000" pitchFamily="50" charset="-127"/>
-              </a:endParaRPr>
-            </a:p>
-          </p:txBody>
-        </p:sp>
-        <p:sp>
-          <p:nvSpPr>
-            <p:cNvPr id="149" name="TextBox 148"/>
-            <p:cNvSpPr txBox="1"/>
-            <p:nvPr/>
-          </p:nvSpPr>
-          <p:spPr>
-            <a:xfrm>
-              <a:off x="1877654" y="1667859"/>
-              <a:ext cx="870143" cy="341526"/>
-            </a:xfrm>
-            <a:prstGeom prst="rect">
-              <a:avLst/>
-            </a:prstGeom>
-            <a:noFill/>
-          </p:spPr>
-          <p:txBody>
-            <a:bodyPr wrap="square" rtlCol="0" anchor="ctr">
-              <a:spAutoFit/>
-            </a:bodyPr>
-            <a:lstStyle/>
-            <a:p>
-              <a:pPr algn="ctr"/>
-              <a:r>
-                <a:rPr lang="en-US" altLang="ko-KR" sz="1600" dirty="0" smtClean="0">
-                  <a:solidFill>
-                    <a:srgbClr val="333333"/>
-                  </a:solidFill>
-                  <a:latin typeface="넥슨 풋볼고딕 B" panose="020B0803000000000000" pitchFamily="50" charset="-127"/>
-                  <a:ea typeface="넥슨 풋볼고딕 B" panose="020B0803000000000000" pitchFamily="50" charset="-127"/>
-                </a:rPr>
-                <a:t>10</a:t>
-              </a:r>
-              <a:endParaRPr lang="ko-KR" altLang="en-US" sz="1600" dirty="0">
-                <a:solidFill>
-                  <a:srgbClr val="333333"/>
-                </a:solidFill>
-                <a:latin typeface="넥슨 풋볼고딕 B" panose="020B0803000000000000" pitchFamily="50" charset="-127"/>
-                <a:ea typeface="넥슨 풋볼고딕 B" panose="020B0803000000000000" pitchFamily="50" charset="-127"/>
-              </a:endParaRPr>
-            </a:p>
-          </p:txBody>
-        </p:sp>
-      </p:grpSp>
-      <p:grpSp>
-        <p:nvGrpSpPr>
-          <p:cNvPr id="150" name="그룹 149"/>
-          <p:cNvGrpSpPr/>
-          <p:nvPr/>
-        </p:nvGrpSpPr>
-        <p:grpSpPr>
-          <a:xfrm>
-            <a:off x="4256016" y="1733446"/>
-            <a:ext cx="787440" cy="866477"/>
-            <a:chOff x="1877654" y="1556951"/>
-            <a:chExt cx="873783" cy="874083"/>
-          </a:xfrm>
-        </p:grpSpPr>
-        <p:sp>
-          <p:nvSpPr>
-            <p:cNvPr id="151" name="모서리가 둥근 직사각형 150"/>
-            <p:cNvSpPr/>
-            <p:nvPr/>
-          </p:nvSpPr>
-          <p:spPr>
-            <a:xfrm flipH="1">
-              <a:off x="1881293" y="1556951"/>
-              <a:ext cx="870144" cy="839506"/>
-            </a:xfrm>
-            <a:prstGeom prst="roundRect">
-              <a:avLst>
-                <a:gd name="adj" fmla="val 10749"/>
-              </a:avLst>
-            </a:prstGeom>
-            <a:noFill/>
-            <a:ln w="38100">
-              <a:solidFill>
-                <a:srgbClr val="333333"/>
-              </a:solidFill>
-            </a:ln>
-          </p:spPr>
-          <p:style>
-            <a:lnRef idx="2">
-              <a:schemeClr val="accent1">
-                <a:shade val="50000"/>
-              </a:schemeClr>
-            </a:lnRef>
-            <a:fillRef idx="1">
-              <a:schemeClr val="accent1"/>
-            </a:fillRef>
-            <a:effectRef idx="0">
-              <a:schemeClr val="accent1"/>
-            </a:effectRef>
-            <a:fontRef idx="minor">
-              <a:schemeClr val="lt1"/>
-            </a:fontRef>
-          </p:style>
-          <p:txBody>
-            <a:bodyPr rot="0" spcFirstLastPara="0" vertOverflow="overflow" horzOverflow="overflow" vert="horz" wrap="square" lIns="68579" tIns="34290" rIns="68579" bIns="34290" numCol="1" spcCol="0" rtlCol="0" fromWordArt="0" anchor="ctr" anchorCtr="0" forceAA="0" compatLnSpc="1">
-              <a:prstTxWarp prst="textNoShape">
-                <a:avLst/>
-              </a:prstTxWarp>
-              <a:noAutofit/>
-            </a:bodyPr>
-            <a:lstStyle/>
-            <a:p>
-              <a:pPr algn="ctr"/>
-              <a:endParaRPr lang="ko-KR" altLang="en-US" sz="1050" dirty="0">
-                <a:ln w="38100">
-                  <a:solidFill>
-                    <a:srgbClr val="333333"/>
-                  </a:solidFill>
-                </a:ln>
-                <a:noFill/>
-              </a:endParaRPr>
-            </a:p>
-          </p:txBody>
-        </p:sp>
-        <p:cxnSp>
-          <p:nvCxnSpPr>
-            <p:cNvPr id="152" name="직선 연결선 151"/>
-            <p:cNvCxnSpPr/>
-            <p:nvPr/>
-          </p:nvCxnSpPr>
-          <p:spPr>
-            <a:xfrm>
-              <a:off x="1881293" y="2117124"/>
-              <a:ext cx="870144" cy="0"/>
-            </a:xfrm>
-            <a:prstGeom prst="line">
-              <a:avLst/>
-            </a:prstGeom>
-            <a:ln w="38100">
-              <a:solidFill>
-                <a:srgbClr val="333333"/>
-              </a:solidFill>
-            </a:ln>
-          </p:spPr>
-          <p:style>
-            <a:lnRef idx="1">
-              <a:schemeClr val="accent1"/>
-            </a:lnRef>
-            <a:fillRef idx="0">
-              <a:schemeClr val="accent1"/>
-            </a:fillRef>
-            <a:effectRef idx="0">
-              <a:schemeClr val="accent1"/>
-            </a:effectRef>
-            <a:fontRef idx="minor">
-              <a:schemeClr val="tx1"/>
-            </a:fontRef>
-          </p:style>
-        </p:cxnSp>
-        <p:sp>
-          <p:nvSpPr>
-            <p:cNvPr id="153" name="TextBox 152"/>
-            <p:cNvSpPr txBox="1"/>
-            <p:nvPr/>
-          </p:nvSpPr>
-          <p:spPr>
-            <a:xfrm>
-              <a:off x="1877654" y="2120555"/>
-              <a:ext cx="870143" cy="310479"/>
-            </a:xfrm>
-            <a:prstGeom prst="rect">
-              <a:avLst/>
-            </a:prstGeom>
-            <a:noFill/>
-          </p:spPr>
-          <p:txBody>
-            <a:bodyPr wrap="square" rtlCol="0">
-              <a:spAutoFit/>
-            </a:bodyPr>
-            <a:lstStyle/>
-            <a:p>
-              <a:pPr algn="ctr"/>
-              <a:r>
-                <a:rPr lang="en-US" altLang="ko-KR" sz="1400" dirty="0">
-                  <a:solidFill>
-                    <a:srgbClr val="333333"/>
-                  </a:solidFill>
-                  <a:latin typeface="넥슨 풋볼고딕 B" panose="020B0803000000000000" pitchFamily="50" charset="-127"/>
-                  <a:ea typeface="넥슨 풋볼고딕 B" panose="020B0803000000000000" pitchFamily="50" charset="-127"/>
-                </a:rPr>
-                <a:t>1</a:t>
-              </a:r>
-              <a:endParaRPr lang="ko-KR" altLang="en-US" sz="1400" dirty="0">
-                <a:solidFill>
-                  <a:srgbClr val="333333"/>
-                </a:solidFill>
-                <a:latin typeface="넥슨 풋볼고딕 B" panose="020B0803000000000000" pitchFamily="50" charset="-127"/>
-                <a:ea typeface="넥슨 풋볼고딕 B" panose="020B0803000000000000" pitchFamily="50" charset="-127"/>
-              </a:endParaRPr>
-            </a:p>
-          </p:txBody>
-        </p:sp>
-        <p:sp>
-          <p:nvSpPr>
-            <p:cNvPr id="154" name="TextBox 153"/>
-            <p:cNvSpPr txBox="1"/>
-            <p:nvPr/>
-          </p:nvSpPr>
-          <p:spPr>
-            <a:xfrm>
-              <a:off x="1877654" y="1667859"/>
-              <a:ext cx="870143" cy="341526"/>
-            </a:xfrm>
-            <a:prstGeom prst="rect">
-              <a:avLst/>
-            </a:prstGeom>
-            <a:noFill/>
-          </p:spPr>
-          <p:txBody>
-            <a:bodyPr wrap="square" rtlCol="0" anchor="ctr">
-              <a:spAutoFit/>
-            </a:bodyPr>
-            <a:lstStyle/>
-            <a:p>
-              <a:pPr algn="ctr"/>
-              <a:r>
-                <a:rPr lang="en-US" altLang="ko-KR" sz="1600" dirty="0" smtClean="0">
-                  <a:solidFill>
-                    <a:srgbClr val="333333"/>
-                  </a:solidFill>
-                  <a:latin typeface="넥슨 풋볼고딕 B" panose="020B0803000000000000" pitchFamily="50" charset="-127"/>
-                  <a:ea typeface="넥슨 풋볼고딕 B" panose="020B0803000000000000" pitchFamily="50" charset="-127"/>
-                </a:rPr>
-                <a:t>50</a:t>
-              </a:r>
-              <a:endParaRPr lang="ko-KR" altLang="en-US" sz="1600" dirty="0">
-                <a:solidFill>
-                  <a:srgbClr val="333333"/>
-                </a:solidFill>
-                <a:latin typeface="넥슨 풋볼고딕 B" panose="020B0803000000000000" pitchFamily="50" charset="-127"/>
-                <a:ea typeface="넥슨 풋볼고딕 B" panose="020B0803000000000000" pitchFamily="50" charset="-127"/>
-              </a:endParaRPr>
-            </a:p>
-          </p:txBody>
-        </p:sp>
-      </p:grpSp>
-      <p:grpSp>
-        <p:nvGrpSpPr>
-          <p:cNvPr id="155" name="그룹 154"/>
-          <p:cNvGrpSpPr/>
-          <p:nvPr/>
-        </p:nvGrpSpPr>
-        <p:grpSpPr>
-          <a:xfrm>
-            <a:off x="5708259" y="1733446"/>
-            <a:ext cx="787440" cy="866477"/>
-            <a:chOff x="1877654" y="1556951"/>
-            <a:chExt cx="873783" cy="874083"/>
-          </a:xfrm>
-        </p:grpSpPr>
-        <p:sp>
-          <p:nvSpPr>
-            <p:cNvPr id="156" name="모서리가 둥근 직사각형 155"/>
-            <p:cNvSpPr/>
-            <p:nvPr/>
-          </p:nvSpPr>
-          <p:spPr>
-            <a:xfrm flipH="1">
-              <a:off x="1881293" y="1556951"/>
-              <a:ext cx="870144" cy="839506"/>
-            </a:xfrm>
-            <a:prstGeom prst="roundRect">
-              <a:avLst>
-                <a:gd name="adj" fmla="val 10749"/>
-              </a:avLst>
-            </a:prstGeom>
-            <a:noFill/>
-            <a:ln w="38100">
-              <a:solidFill>
-                <a:srgbClr val="333333"/>
-              </a:solidFill>
-            </a:ln>
-          </p:spPr>
-          <p:style>
-            <a:lnRef idx="2">
-              <a:schemeClr val="accent1">
-                <a:shade val="50000"/>
-              </a:schemeClr>
-            </a:lnRef>
-            <a:fillRef idx="1">
-              <a:schemeClr val="accent1"/>
-            </a:fillRef>
-            <a:effectRef idx="0">
-              <a:schemeClr val="accent1"/>
-            </a:effectRef>
-            <a:fontRef idx="minor">
-              <a:schemeClr val="lt1"/>
-            </a:fontRef>
-          </p:style>
-          <p:txBody>
-            <a:bodyPr rot="0" spcFirstLastPara="0" vertOverflow="overflow" horzOverflow="overflow" vert="horz" wrap="square" lIns="68579" tIns="34290" rIns="68579" bIns="34290" numCol="1" spcCol="0" rtlCol="0" fromWordArt="0" anchor="ctr" anchorCtr="0" forceAA="0" compatLnSpc="1">
-              <a:prstTxWarp prst="textNoShape">
-                <a:avLst/>
-              </a:prstTxWarp>
-              <a:noAutofit/>
-            </a:bodyPr>
-            <a:lstStyle/>
-            <a:p>
-              <a:pPr algn="ctr"/>
-              <a:endParaRPr lang="ko-KR" altLang="en-US" sz="1050" dirty="0">
-                <a:ln w="38100">
-                  <a:solidFill>
-                    <a:srgbClr val="333333"/>
-                  </a:solidFill>
-                </a:ln>
-                <a:noFill/>
-              </a:endParaRPr>
-            </a:p>
-          </p:txBody>
-        </p:sp>
-        <p:cxnSp>
-          <p:nvCxnSpPr>
-            <p:cNvPr id="157" name="직선 연결선 156"/>
-            <p:cNvCxnSpPr/>
-            <p:nvPr/>
-          </p:nvCxnSpPr>
-          <p:spPr>
-            <a:xfrm>
-              <a:off x="1881293" y="2117124"/>
-              <a:ext cx="870144" cy="0"/>
-            </a:xfrm>
-            <a:prstGeom prst="line">
-              <a:avLst/>
-            </a:prstGeom>
-            <a:ln w="38100">
-              <a:solidFill>
-                <a:srgbClr val="333333"/>
-              </a:solidFill>
-            </a:ln>
-          </p:spPr>
-          <p:style>
-            <a:lnRef idx="1">
-              <a:schemeClr val="accent1"/>
-            </a:lnRef>
-            <a:fillRef idx="0">
-              <a:schemeClr val="accent1"/>
-            </a:fillRef>
-            <a:effectRef idx="0">
-              <a:schemeClr val="accent1"/>
-            </a:effectRef>
-            <a:fontRef idx="minor">
-              <a:schemeClr val="tx1"/>
-            </a:fontRef>
-          </p:style>
-        </p:cxnSp>
-        <p:sp>
-          <p:nvSpPr>
-            <p:cNvPr id="158" name="TextBox 157"/>
-            <p:cNvSpPr txBox="1"/>
-            <p:nvPr/>
-          </p:nvSpPr>
-          <p:spPr>
-            <a:xfrm>
-              <a:off x="1877654" y="2120555"/>
-              <a:ext cx="870143" cy="310479"/>
-            </a:xfrm>
-            <a:prstGeom prst="rect">
-              <a:avLst/>
-            </a:prstGeom>
-            <a:noFill/>
-          </p:spPr>
-          <p:txBody>
-            <a:bodyPr wrap="square" rtlCol="0">
-              <a:spAutoFit/>
-            </a:bodyPr>
-            <a:lstStyle/>
-            <a:p>
-              <a:pPr algn="ctr"/>
-              <a:r>
-                <a:rPr lang="en-US" altLang="ko-KR" sz="1400" dirty="0">
-                  <a:solidFill>
-                    <a:srgbClr val="333333"/>
-                  </a:solidFill>
-                  <a:latin typeface="넥슨 풋볼고딕 B" panose="020B0803000000000000" pitchFamily="50" charset="-127"/>
-                  <a:ea typeface="넥슨 풋볼고딕 B" panose="020B0803000000000000" pitchFamily="50" charset="-127"/>
-                </a:rPr>
-                <a:t>2</a:t>
-              </a:r>
-              <a:endParaRPr lang="ko-KR" altLang="en-US" sz="1400" dirty="0">
-                <a:solidFill>
-                  <a:srgbClr val="333333"/>
-                </a:solidFill>
-                <a:latin typeface="넥슨 풋볼고딕 B" panose="020B0803000000000000" pitchFamily="50" charset="-127"/>
-                <a:ea typeface="넥슨 풋볼고딕 B" panose="020B0803000000000000" pitchFamily="50" charset="-127"/>
-              </a:endParaRPr>
-            </a:p>
-          </p:txBody>
-        </p:sp>
-        <p:sp>
-          <p:nvSpPr>
-            <p:cNvPr id="159" name="TextBox 158"/>
-            <p:cNvSpPr txBox="1"/>
-            <p:nvPr/>
-          </p:nvSpPr>
-          <p:spPr>
-            <a:xfrm>
-              <a:off x="1877654" y="1667859"/>
-              <a:ext cx="870143" cy="341526"/>
-            </a:xfrm>
-            <a:prstGeom prst="rect">
-              <a:avLst/>
-            </a:prstGeom>
-            <a:noFill/>
-          </p:spPr>
-          <p:txBody>
-            <a:bodyPr wrap="square" rtlCol="0" anchor="ctr">
-              <a:spAutoFit/>
-            </a:bodyPr>
-            <a:lstStyle/>
-            <a:p>
-              <a:pPr algn="ctr"/>
-              <a:r>
-                <a:rPr lang="en-US" altLang="ko-KR" sz="1600" dirty="0" smtClean="0">
-                  <a:solidFill>
-                    <a:srgbClr val="333333"/>
-                  </a:solidFill>
-                  <a:latin typeface="넥슨 풋볼고딕 B" panose="020B0803000000000000" pitchFamily="50" charset="-127"/>
-                  <a:ea typeface="넥슨 풋볼고딕 B" panose="020B0803000000000000" pitchFamily="50" charset="-127"/>
-                </a:rPr>
-                <a:t>20</a:t>
-              </a:r>
-              <a:endParaRPr lang="ko-KR" altLang="en-US" sz="1600" dirty="0">
-                <a:solidFill>
-                  <a:srgbClr val="333333"/>
-                </a:solidFill>
-                <a:latin typeface="넥슨 풋볼고딕 B" panose="020B0803000000000000" pitchFamily="50" charset="-127"/>
-                <a:ea typeface="넥슨 풋볼고딕 B" panose="020B0803000000000000" pitchFamily="50" charset="-127"/>
-              </a:endParaRPr>
-            </a:p>
-          </p:txBody>
-        </p:sp>
-      </p:grpSp>
-      <p:grpSp>
-        <p:nvGrpSpPr>
-          <p:cNvPr id="160" name="그룹 159"/>
-          <p:cNvGrpSpPr/>
-          <p:nvPr/>
-        </p:nvGrpSpPr>
-        <p:grpSpPr>
-          <a:xfrm>
-            <a:off x="7156157" y="1733446"/>
-            <a:ext cx="787449" cy="866477"/>
-            <a:chOff x="649468" y="1556951"/>
-            <a:chExt cx="873788" cy="874083"/>
-          </a:xfrm>
-        </p:grpSpPr>
-        <p:sp>
-          <p:nvSpPr>
-            <p:cNvPr id="161" name="모서리가 둥근 직사각형 160"/>
-            <p:cNvSpPr/>
-            <p:nvPr/>
-          </p:nvSpPr>
-          <p:spPr>
-            <a:xfrm flipH="1">
-              <a:off x="653111" y="1556951"/>
-              <a:ext cx="870145" cy="839506"/>
-            </a:xfrm>
-            <a:prstGeom prst="roundRect">
-              <a:avLst>
-                <a:gd name="adj" fmla="val 10749"/>
-              </a:avLst>
-            </a:prstGeom>
-            <a:noFill/>
-            <a:ln w="38100">
-              <a:solidFill>
-                <a:srgbClr val="333333"/>
-              </a:solidFill>
-            </a:ln>
-          </p:spPr>
-          <p:style>
-            <a:lnRef idx="2">
-              <a:schemeClr val="accent1">
-                <a:shade val="50000"/>
-              </a:schemeClr>
-            </a:lnRef>
-            <a:fillRef idx="1">
-              <a:schemeClr val="accent1"/>
-            </a:fillRef>
-            <a:effectRef idx="0">
-              <a:schemeClr val="accent1"/>
-            </a:effectRef>
-            <a:fontRef idx="minor">
-              <a:schemeClr val="lt1"/>
-            </a:fontRef>
-          </p:style>
-          <p:txBody>
-            <a:bodyPr rot="0" spcFirstLastPara="0" vertOverflow="overflow" horzOverflow="overflow" vert="horz" wrap="square" lIns="68579" tIns="34290" rIns="68579" bIns="34290" numCol="1" spcCol="0" rtlCol="0" fromWordArt="0" anchor="ctr" anchorCtr="0" forceAA="0" compatLnSpc="1">
-              <a:prstTxWarp prst="textNoShape">
-                <a:avLst/>
-              </a:prstTxWarp>
-              <a:noAutofit/>
-            </a:bodyPr>
-            <a:lstStyle/>
-            <a:p>
-              <a:pPr algn="ctr"/>
-              <a:endParaRPr lang="ko-KR" altLang="en-US" sz="1050" dirty="0">
-                <a:ln w="38100">
-                  <a:solidFill>
-                    <a:srgbClr val="333333"/>
-                  </a:solidFill>
-                </a:ln>
-                <a:noFill/>
-              </a:endParaRPr>
-            </a:p>
-          </p:txBody>
-        </p:sp>
-        <p:cxnSp>
-          <p:nvCxnSpPr>
-            <p:cNvPr id="162" name="직선 연결선 161"/>
-            <p:cNvCxnSpPr/>
-            <p:nvPr/>
-          </p:nvCxnSpPr>
-          <p:spPr>
-            <a:xfrm>
-              <a:off x="653111" y="2117124"/>
-              <a:ext cx="870143" cy="0"/>
-            </a:xfrm>
-            <a:prstGeom prst="line">
-              <a:avLst/>
-            </a:prstGeom>
-            <a:ln w="38100">
-              <a:solidFill>
-                <a:srgbClr val="333333"/>
-              </a:solidFill>
-            </a:ln>
-          </p:spPr>
-          <p:style>
-            <a:lnRef idx="1">
-              <a:schemeClr val="accent1"/>
-            </a:lnRef>
-            <a:fillRef idx="0">
-              <a:schemeClr val="accent1"/>
-            </a:fillRef>
-            <a:effectRef idx="0">
-              <a:schemeClr val="accent1"/>
-            </a:effectRef>
-            <a:fontRef idx="minor">
-              <a:schemeClr val="tx1"/>
-            </a:fontRef>
-          </p:style>
-        </p:cxnSp>
-        <p:sp>
-          <p:nvSpPr>
-            <p:cNvPr id="163" name="TextBox 162"/>
-            <p:cNvSpPr txBox="1"/>
-            <p:nvPr/>
-          </p:nvSpPr>
-          <p:spPr>
-            <a:xfrm>
-              <a:off x="649471" y="2120555"/>
-              <a:ext cx="870142" cy="310479"/>
-            </a:xfrm>
-            <a:prstGeom prst="rect">
-              <a:avLst/>
-            </a:prstGeom>
-            <a:noFill/>
-          </p:spPr>
-          <p:txBody>
-            <a:bodyPr wrap="square" rtlCol="0">
-              <a:spAutoFit/>
-            </a:bodyPr>
-            <a:lstStyle/>
-            <a:p>
-              <a:pPr algn="ctr"/>
-              <a:r>
-                <a:rPr lang="en-US" altLang="ko-KR" sz="1400" dirty="0" smtClean="0">
-                  <a:solidFill>
-                    <a:srgbClr val="333333"/>
-                  </a:solidFill>
-                  <a:latin typeface="넥슨 풋볼고딕 B" panose="020B0803000000000000" pitchFamily="50" charset="-127"/>
-                  <a:ea typeface="넥슨 풋볼고딕 B" panose="020B0803000000000000" pitchFamily="50" charset="-127"/>
-                </a:rPr>
-                <a:t>3</a:t>
-              </a:r>
-              <a:endParaRPr lang="ko-KR" altLang="en-US" sz="1400" dirty="0">
-                <a:solidFill>
-                  <a:srgbClr val="333333"/>
-                </a:solidFill>
-                <a:latin typeface="넥슨 풋볼고딕 B" panose="020B0803000000000000" pitchFamily="50" charset="-127"/>
-                <a:ea typeface="넥슨 풋볼고딕 B" panose="020B0803000000000000" pitchFamily="50" charset="-127"/>
-              </a:endParaRPr>
-            </a:p>
-          </p:txBody>
-        </p:sp>
-        <p:sp>
-          <p:nvSpPr>
-            <p:cNvPr id="164" name="TextBox 163"/>
-            <p:cNvSpPr txBox="1"/>
-            <p:nvPr/>
-          </p:nvSpPr>
-          <p:spPr>
-            <a:xfrm>
-              <a:off x="649468" y="1667859"/>
-              <a:ext cx="870143" cy="341526"/>
-            </a:xfrm>
-            <a:prstGeom prst="rect">
-              <a:avLst/>
-            </a:prstGeom>
-            <a:noFill/>
-          </p:spPr>
-          <p:txBody>
-            <a:bodyPr wrap="square" rtlCol="0" anchor="ctr">
-              <a:spAutoFit/>
-            </a:bodyPr>
-            <a:lstStyle/>
-            <a:p>
-              <a:pPr algn="ctr"/>
-              <a:r>
-                <a:rPr lang="en-US" altLang="ko-KR" sz="1600" dirty="0" smtClean="0">
-                  <a:solidFill>
-                    <a:srgbClr val="333333"/>
-                  </a:solidFill>
-                  <a:latin typeface="넥슨 풋볼고딕 B" panose="020B0803000000000000" pitchFamily="50" charset="-127"/>
-                  <a:ea typeface="넥슨 풋볼고딕 B" panose="020B0803000000000000" pitchFamily="50" charset="-127"/>
-                </a:rPr>
-                <a:t>30</a:t>
-              </a:r>
-              <a:endParaRPr lang="ko-KR" altLang="en-US" sz="1600" dirty="0">
-                <a:solidFill>
-                  <a:srgbClr val="333333"/>
-                </a:solidFill>
-                <a:latin typeface="넥슨 풋볼고딕 B" panose="020B0803000000000000" pitchFamily="50" charset="-127"/>
-                <a:ea typeface="넥슨 풋볼고딕 B" panose="020B0803000000000000" pitchFamily="50" charset="-127"/>
-              </a:endParaRPr>
-            </a:p>
-          </p:txBody>
-        </p:sp>
-      </p:grpSp>
-      <p:grpSp>
-        <p:nvGrpSpPr>
-          <p:cNvPr id="46" name="그룹 45"/>
-          <p:cNvGrpSpPr/>
-          <p:nvPr/>
-        </p:nvGrpSpPr>
-        <p:grpSpPr>
-          <a:xfrm>
-            <a:off x="8602402" y="1742777"/>
-            <a:ext cx="787449" cy="866477"/>
-            <a:chOff x="649468" y="1556951"/>
-            <a:chExt cx="873788" cy="874083"/>
-          </a:xfrm>
-        </p:grpSpPr>
-        <p:sp>
-          <p:nvSpPr>
-            <p:cNvPr id="47" name="모서리가 둥근 직사각형 46"/>
-            <p:cNvSpPr/>
-            <p:nvPr/>
-          </p:nvSpPr>
-          <p:spPr>
-            <a:xfrm flipH="1">
-              <a:off x="653111" y="1556951"/>
-              <a:ext cx="870145" cy="839506"/>
-            </a:xfrm>
-            <a:prstGeom prst="roundRect">
-              <a:avLst>
-                <a:gd name="adj" fmla="val 10749"/>
-              </a:avLst>
-            </a:prstGeom>
-            <a:noFill/>
-            <a:ln w="38100">
-              <a:solidFill>
-                <a:srgbClr val="333333"/>
-              </a:solidFill>
-            </a:ln>
-          </p:spPr>
-          <p:style>
-            <a:lnRef idx="2">
-              <a:schemeClr val="accent1">
-                <a:shade val="50000"/>
-              </a:schemeClr>
-            </a:lnRef>
-            <a:fillRef idx="1">
-              <a:schemeClr val="accent1"/>
-            </a:fillRef>
-            <a:effectRef idx="0">
-              <a:schemeClr val="accent1"/>
-            </a:effectRef>
-            <a:fontRef idx="minor">
-              <a:schemeClr val="lt1"/>
-            </a:fontRef>
-          </p:style>
-          <p:txBody>
-            <a:bodyPr rot="0" spcFirstLastPara="0" vertOverflow="overflow" horzOverflow="overflow" vert="horz" wrap="square" lIns="68579" tIns="34290" rIns="68579" bIns="34290" numCol="1" spcCol="0" rtlCol="0" fromWordArt="0" anchor="ctr" anchorCtr="0" forceAA="0" compatLnSpc="1">
-              <a:prstTxWarp prst="textNoShape">
-                <a:avLst/>
-              </a:prstTxWarp>
-              <a:noAutofit/>
-            </a:bodyPr>
-            <a:lstStyle/>
-            <a:p>
-              <a:pPr algn="ctr"/>
-              <a:endParaRPr lang="ko-KR" altLang="en-US" sz="1050" dirty="0">
-                <a:ln w="38100">
-                  <a:solidFill>
-                    <a:srgbClr val="333333"/>
-                  </a:solidFill>
-                </a:ln>
-                <a:noFill/>
-              </a:endParaRPr>
-            </a:p>
-          </p:txBody>
-        </p:sp>
-        <p:cxnSp>
-          <p:nvCxnSpPr>
-            <p:cNvPr id="48" name="직선 연결선 47"/>
-            <p:cNvCxnSpPr/>
-            <p:nvPr/>
-          </p:nvCxnSpPr>
-          <p:spPr>
-            <a:xfrm>
-              <a:off x="653111" y="2117124"/>
-              <a:ext cx="870143" cy="0"/>
-            </a:xfrm>
-            <a:prstGeom prst="line">
-              <a:avLst/>
-            </a:prstGeom>
-            <a:ln w="38100">
-              <a:solidFill>
-                <a:srgbClr val="333333"/>
-              </a:solidFill>
-            </a:ln>
-          </p:spPr>
-          <p:style>
-            <a:lnRef idx="1">
-              <a:schemeClr val="accent1"/>
-            </a:lnRef>
-            <a:fillRef idx="0">
-              <a:schemeClr val="accent1"/>
-            </a:fillRef>
-            <a:effectRef idx="0">
-              <a:schemeClr val="accent1"/>
-            </a:effectRef>
-            <a:fontRef idx="minor">
-              <a:schemeClr val="tx1"/>
-            </a:fontRef>
-          </p:style>
-        </p:cxnSp>
-        <p:sp>
-          <p:nvSpPr>
-            <p:cNvPr id="49" name="TextBox 48"/>
-            <p:cNvSpPr txBox="1"/>
-            <p:nvPr/>
-          </p:nvSpPr>
-          <p:spPr>
-            <a:xfrm>
-              <a:off x="649471" y="2120555"/>
-              <a:ext cx="870142" cy="310479"/>
-            </a:xfrm>
-            <a:prstGeom prst="rect">
-              <a:avLst/>
-            </a:prstGeom>
-            <a:noFill/>
-          </p:spPr>
-          <p:txBody>
-            <a:bodyPr wrap="square" rtlCol="0">
-              <a:spAutoFit/>
-            </a:bodyPr>
-            <a:lstStyle/>
-            <a:p>
-              <a:pPr algn="ctr"/>
-              <a:r>
-                <a:rPr lang="en-US" altLang="ko-KR" sz="1400" dirty="0" smtClean="0">
-                  <a:solidFill>
-                    <a:srgbClr val="333333"/>
-                  </a:solidFill>
-                  <a:latin typeface="넥슨 풋볼고딕 B" panose="020B0803000000000000" pitchFamily="50" charset="-127"/>
-                  <a:ea typeface="넥슨 풋볼고딕 B" panose="020B0803000000000000" pitchFamily="50" charset="-127"/>
-                </a:rPr>
-                <a:t>4</a:t>
-              </a:r>
-              <a:endParaRPr lang="ko-KR" altLang="en-US" sz="1400" dirty="0">
-                <a:solidFill>
-                  <a:srgbClr val="333333"/>
-                </a:solidFill>
-                <a:latin typeface="넥슨 풋볼고딕 B" panose="020B0803000000000000" pitchFamily="50" charset="-127"/>
-                <a:ea typeface="넥슨 풋볼고딕 B" panose="020B0803000000000000" pitchFamily="50" charset="-127"/>
-              </a:endParaRPr>
-            </a:p>
-          </p:txBody>
-        </p:sp>
-        <p:sp>
-          <p:nvSpPr>
-            <p:cNvPr id="50" name="TextBox 49"/>
-            <p:cNvSpPr txBox="1"/>
-            <p:nvPr/>
-          </p:nvSpPr>
-          <p:spPr>
-            <a:xfrm>
-              <a:off x="649468" y="1667859"/>
-              <a:ext cx="870143" cy="341526"/>
-            </a:xfrm>
-            <a:prstGeom prst="rect">
-              <a:avLst/>
-            </a:prstGeom>
-            <a:noFill/>
-          </p:spPr>
-          <p:txBody>
-            <a:bodyPr wrap="square" rtlCol="0" anchor="ctr">
-              <a:spAutoFit/>
-            </a:bodyPr>
-            <a:lstStyle/>
-            <a:p>
-              <a:pPr algn="ctr"/>
-              <a:r>
-                <a:rPr lang="en-US" altLang="ko-KR" sz="1600" dirty="0" smtClean="0">
-                  <a:solidFill>
-                    <a:srgbClr val="333333"/>
-                  </a:solidFill>
-                  <a:latin typeface="넥슨 풋볼고딕 B" panose="020B0803000000000000" pitchFamily="50" charset="-127"/>
-                  <a:ea typeface="넥슨 풋볼고딕 B" panose="020B0803000000000000" pitchFamily="50" charset="-127"/>
-                </a:rPr>
-                <a:t>40</a:t>
-              </a:r>
-              <a:endParaRPr lang="ko-KR" altLang="en-US" sz="1600" dirty="0">
-                <a:solidFill>
-                  <a:srgbClr val="333333"/>
-                </a:solidFill>
-                <a:latin typeface="넥슨 풋볼고딕 B" panose="020B0803000000000000" pitchFamily="50" charset="-127"/>
-                <a:ea typeface="넥슨 풋볼고딕 B" panose="020B0803000000000000" pitchFamily="50" charset="-127"/>
-              </a:endParaRPr>
-            </a:p>
-          </p:txBody>
-        </p:sp>
-      </p:grpSp>
-      <p:sp>
-        <p:nvSpPr>
-          <p:cNvPr id="2" name="아래쪽 화살표 1"/>
-          <p:cNvSpPr/>
-          <p:nvPr/>
-        </p:nvSpPr>
-        <p:spPr>
-          <a:xfrm rot="10800000">
-            <a:off x="4428565" y="680080"/>
-            <a:ext cx="439062" cy="886408"/>
-          </a:xfrm>
-          <a:prstGeom prst="downArrow">
-            <a:avLst/>
-          </a:prstGeom>
-          <a:solidFill>
-            <a:srgbClr val="C00000"/>
-          </a:solidFill>
-          <a:ln>
-            <a:noFill/>
-          </a:ln>
-        </p:spPr>
-        <p:style>
-          <a:lnRef idx="2">
-            <a:schemeClr val="accent6">
-              <a:shade val="50000"/>
-            </a:schemeClr>
-          </a:lnRef>
-          <a:fillRef idx="1">
-            <a:schemeClr val="accent6"/>
-          </a:fillRef>
-          <a:effectRef idx="0">
-            <a:schemeClr val="accent6"/>
-          </a:effectRef>
-          <a:fontRef idx="minor">
-            <a:schemeClr val="lt1"/>
-          </a:fontRef>
-        </p:style>
-        <p:txBody>
-          <a:bodyPr rtlCol="0" anchor="ctr"/>
-          <a:lstStyle/>
-          <a:p>
-            <a:pPr algn="ctr"/>
-            <a:endParaRPr lang="ko-KR" altLang="en-US"/>
-          </a:p>
-        </p:txBody>
-      </p:sp>
-      <p:sp>
-        <p:nvSpPr>
-          <p:cNvPr id="6" name="직사각형 5"/>
-          <p:cNvSpPr/>
-          <p:nvPr/>
-        </p:nvSpPr>
-        <p:spPr>
-          <a:xfrm>
-            <a:off x="4531385" y="4783885"/>
-            <a:ext cx="3334503" cy="369332"/>
-          </a:xfrm>
-          <a:prstGeom prst="rect">
-            <a:avLst/>
-          </a:prstGeom>
-        </p:spPr>
-        <p:txBody>
-          <a:bodyPr wrap="none">
-            <a:spAutoFit/>
-          </a:bodyPr>
-          <a:lstStyle/>
-          <a:p>
-            <a:r>
-              <a:rPr lang="ko-KR" altLang="en-US" dirty="0"/>
-              <a:t>elementData[index] = element;</a:t>
-            </a:r>
-          </a:p>
-        </p:txBody>
-      </p:sp>
-    </p:spTree>
-    <p:extLst>
-      <p:ext uri="{BB962C8B-B14F-4D97-AF65-F5344CB8AC3E}">
-        <p14:creationId xmlns:p14="http://schemas.microsoft.com/office/powerpoint/2010/main" val="1456139571"/>
       </p:ext>
     </p:extLst>
   </p:cSld>
@@ -6951,7 +5079,7 @@
 </p:sld>
 </file>
 
-<file path=ppt/slides/slide15.xml><?xml version="1.0" encoding="utf-8"?>
+<file path=ppt/slides/slide14.xml><?xml version="1.0" encoding="utf-8"?>
 <p:sld xmlns:a="http://schemas.openxmlformats.org/drawingml/2006/main" xmlns:r="http://schemas.openxmlformats.org/officeDocument/2006/relationships" xmlns:p="http://schemas.openxmlformats.org/presentationml/2006/main">
   <p:cSld>
     <p:spTree>
@@ -7375,8 +5503,8 @@
         </p:nvCxnSpPr>
         <p:spPr>
           <a:xfrm rot="5400000">
-            <a:off x="7377186" y="3529212"/>
-            <a:ext cx="1358035" cy="1983163"/>
+            <a:off x="7243836" y="3395862"/>
+            <a:ext cx="1358035" cy="2249863"/>
           </a:xfrm>
           <a:prstGeom prst="curvedConnector3">
             <a:avLst>
@@ -7413,7 +5541,7 @@
         </p:nvSpPr>
         <p:spPr>
           <a:xfrm>
-            <a:off x="4654375" y="5190777"/>
+            <a:off x="4463875" y="5206017"/>
             <a:ext cx="951723" cy="322418"/>
           </a:xfrm>
           <a:prstGeom prst="roundRect">
@@ -7459,7 +5587,7 @@
                 </a:solidFill>
                 <a:latin typeface="+mn-ea"/>
               </a:rPr>
-              <a:t>Index+1</a:t>
+              <a:t>Index + 1</a:t>
             </a:r>
             <a:endParaRPr lang="ko-KR" altLang="en-US" sz="1600" dirty="0">
               <a:solidFill>
@@ -7477,7 +5605,7 @@
         </p:nvSpPr>
         <p:spPr>
           <a:xfrm>
-            <a:off x="6588759" y="5199811"/>
+            <a:off x="6322059" y="5199811"/>
             <a:ext cx="951723" cy="322418"/>
           </a:xfrm>
           <a:prstGeom prst="roundRect">
@@ -7541,7 +5669,7 @@
         </p:nvSpPr>
         <p:spPr>
           <a:xfrm>
-            <a:off x="7858674" y="5192694"/>
+            <a:off x="7576734" y="5192694"/>
             <a:ext cx="951723" cy="322418"/>
           </a:xfrm>
           <a:prstGeom prst="roundRect">
@@ -7608,8 +5736,8 @@
         </p:nvCxnSpPr>
         <p:spPr>
           <a:xfrm rot="5400000">
-            <a:off x="5023688" y="4026836"/>
-            <a:ext cx="1270491" cy="1057391"/>
+            <a:off x="4920818" y="3939206"/>
+            <a:ext cx="1285731" cy="1247891"/>
           </a:xfrm>
           <a:prstGeom prst="curvedConnector3">
             <a:avLst>
@@ -8794,7 +6922,7 @@
 </p:sld>
 </file>
 
-<file path=ppt/slides/slide16.xml><?xml version="1.0" encoding="utf-8"?>
+<file path=ppt/slides/slide15.xml><?xml version="1.0" encoding="utf-8"?>
 <p:sld xmlns:a="http://schemas.openxmlformats.org/drawingml/2006/main" xmlns:r="http://schemas.openxmlformats.org/officeDocument/2006/relationships" xmlns:p="http://schemas.openxmlformats.org/presentationml/2006/main">
   <p:cSld>
     <p:spTree>
@@ -8836,7 +6964,15 @@
             <a:pPr algn="ctr"/>
             <a:r>
               <a:rPr lang="en-US" altLang="ko-KR" sz="7200" dirty="0" smtClean="0"/>
-              <a:t>size++;</a:t>
+              <a:t>size</a:t>
+            </a:r>
+            <a:r>
+              <a:rPr lang="en-US" altLang="ko-KR" sz="7200" dirty="0" smtClean="0"/>
+              <a:t>--</a:t>
+            </a:r>
+            <a:r>
+              <a:rPr lang="en-US" altLang="ko-KR" sz="7200" dirty="0" smtClean="0"/>
+              <a:t>;</a:t>
             </a:r>
             <a:endParaRPr lang="ko-KR" altLang="en-US" sz="7200" dirty="0"/>
           </a:p>
@@ -8852,10 +6988,17 @@
   <p:clrMapOvr>
     <a:masterClrMapping/>
   </p:clrMapOvr>
+  <p:timing>
+    <p:tnLst>
+      <p:par>
+        <p:cTn id="1" dur="indefinite" restart="never" nodeType="tmRoot"/>
+      </p:par>
+    </p:tnLst>
+  </p:timing>
 </p:sld>
 </file>
 
-<file path=ppt/slides/slide17.xml><?xml version="1.0" encoding="utf-8"?>
+<file path=ppt/slides/slide16.xml><?xml version="1.0" encoding="utf-8"?>
 <p:sld xmlns:a="http://schemas.openxmlformats.org/drawingml/2006/main" xmlns:r="http://schemas.openxmlformats.org/officeDocument/2006/relationships" xmlns:p="http://schemas.openxmlformats.org/presentationml/2006/main">
   <p:cSld>
     <p:spTree>
@@ -9945,10 +8088,17 @@
   <p:clrMapOvr>
     <a:masterClrMapping/>
   </p:clrMapOvr>
+  <p:timing>
+    <p:tnLst>
+      <p:par>
+        <p:cTn id="1" dur="indefinite" restart="never" nodeType="tmRoot"/>
+      </p:par>
+    </p:tnLst>
+  </p:timing>
 </p:sld>
 </file>
 
-<file path=ppt/slides/slide18.xml><?xml version="1.0" encoding="utf-8"?>
+<file path=ppt/slides/slide17.xml><?xml version="1.0" encoding="utf-8"?>
 <p:sld xmlns:a="http://schemas.openxmlformats.org/drawingml/2006/main" xmlns:r="http://schemas.openxmlformats.org/officeDocument/2006/relationships" xmlns:p="http://schemas.openxmlformats.org/presentationml/2006/main">
   <p:cSld>
     <p:spTree>
@@ -10038,10 +8188,17 @@
   <p:clrMapOvr>
     <a:masterClrMapping/>
   </p:clrMapOvr>
+  <p:timing>
+    <p:tnLst>
+      <p:par>
+        <p:cTn id="1" dur="indefinite" restart="never" nodeType="tmRoot"/>
+      </p:par>
+    </p:tnLst>
+  </p:timing>
 </p:sld>
 </file>
 
-<file path=ppt/slides/slide19.xml><?xml version="1.0" encoding="utf-8"?>
+<file path=ppt/slides/slide18.xml><?xml version="1.0" encoding="utf-8"?>
 <p:sld xmlns:a="http://schemas.openxmlformats.org/drawingml/2006/main" xmlns:r="http://schemas.openxmlformats.org/officeDocument/2006/relationships" xmlns:p="http://schemas.openxmlformats.org/presentationml/2006/main">
   <p:cSld>
     <p:spTree>
@@ -10097,124 +8254,17 @@
   <p:clrMapOvr>
     <a:masterClrMapping/>
   </p:clrMapOvr>
+  <p:timing>
+    <p:tnLst>
+      <p:par>
+        <p:cTn id="1" dur="indefinite" restart="never" nodeType="tmRoot"/>
+      </p:par>
+    </p:tnLst>
+  </p:timing>
 </p:sld>
 </file>
 
-<file path=ppt/slides/slide2.xml><?xml version="1.0" encoding="utf-8"?>
-<p:sld xmlns:a="http://schemas.openxmlformats.org/drawingml/2006/main" xmlns:r="http://schemas.openxmlformats.org/officeDocument/2006/relationships" xmlns:p="http://schemas.openxmlformats.org/presentationml/2006/main">
-  <p:cSld>
-    <p:spTree>
-      <p:nvGrpSpPr>
-        <p:cNvPr id="1" name=""/>
-        <p:cNvGrpSpPr/>
-        <p:nvPr/>
-      </p:nvGrpSpPr>
-      <p:grpSpPr>
-        <a:xfrm>
-          <a:off x="0" y="0"/>
-          <a:ext cx="0" cy="0"/>
-          <a:chOff x="0" y="0"/>
-          <a:chExt cx="0" cy="0"/>
-        </a:xfrm>
-      </p:grpSpPr>
-      <p:sp>
-        <p:nvSpPr>
-          <p:cNvPr id="2" name="TextBox 1"/>
-          <p:cNvSpPr txBox="1"/>
-          <p:nvPr/>
-        </p:nvSpPr>
-        <p:spPr>
-          <a:xfrm>
-            <a:off x="1035809" y="802864"/>
-            <a:ext cx="6432467" cy="5201424"/>
-          </a:xfrm>
-          <a:prstGeom prst="rect">
-            <a:avLst/>
-          </a:prstGeom>
-          <a:noFill/>
-        </p:spPr>
-        <p:txBody>
-          <a:bodyPr wrap="none" rtlCol="0">
-            <a:spAutoFit/>
-          </a:bodyPr>
-          <a:lstStyle/>
-          <a:p>
-            <a:r>
-              <a:rPr lang="en-US" altLang="ko-KR" sz="16600" dirty="0" smtClean="0">
-                <a:solidFill>
-                  <a:srgbClr val="333333"/>
-                </a:solidFill>
-                <a:latin typeface="+mj-ea"/>
-                <a:ea typeface="+mj-ea"/>
-              </a:rPr>
-              <a:t>Create</a:t>
-            </a:r>
-          </a:p>
-          <a:p>
-            <a:r>
-              <a:rPr lang="ko-KR" altLang="en-US" sz="16600" dirty="0" smtClean="0">
-                <a:solidFill>
-                  <a:srgbClr val="333333"/>
-                </a:solidFill>
-                <a:latin typeface="+mj-ea"/>
-                <a:ea typeface="+mj-ea"/>
-              </a:rPr>
-              <a:t>생성</a:t>
-            </a:r>
-            <a:endParaRPr lang="ko-KR" altLang="en-US" sz="16600" dirty="0">
-              <a:solidFill>
-                <a:srgbClr val="333333"/>
-              </a:solidFill>
-              <a:latin typeface="+mj-ea"/>
-              <a:ea typeface="+mj-ea"/>
-            </a:endParaRPr>
-          </a:p>
-        </p:txBody>
-      </p:sp>
-      <p:pic>
-        <p:nvPicPr>
-          <p:cNvPr id="3" name="그림 2"/>
-          <p:cNvPicPr>
-            <a:picLocks noChangeAspect="1"/>
-          </p:cNvPicPr>
-          <p:nvPr/>
-        </p:nvPicPr>
-        <p:blipFill>
-          <a:blip r:embed="rId2">
-            <a:extLst>
-              <a:ext uri="{28A0092B-C50C-407E-A947-70E740481C1C}">
-                <a14:useLocalDpi xmlns:a14="http://schemas.microsoft.com/office/drawing/2010/main" val="0"/>
-              </a:ext>
-            </a:extLst>
-          </a:blip>
-          <a:stretch>
-            <a:fillRect/>
-          </a:stretch>
-        </p:blipFill>
-        <p:spPr>
-          <a:xfrm>
-            <a:off x="8026400" y="1993876"/>
-            <a:ext cx="2819400" cy="2819400"/>
-          </a:xfrm>
-          <a:prstGeom prst="rect">
-            <a:avLst/>
-          </a:prstGeom>
-        </p:spPr>
-      </p:pic>
-    </p:spTree>
-    <p:extLst>
-      <p:ext uri="{BB962C8B-B14F-4D97-AF65-F5344CB8AC3E}">
-        <p14:creationId xmlns:p14="http://schemas.microsoft.com/office/powerpoint/2010/main" val="3754958880"/>
-      </p:ext>
-    </p:extLst>
-  </p:cSld>
-  <p:clrMapOvr>
-    <a:masterClrMapping/>
-  </p:clrMapOvr>
-</p:sld>
-</file>
-
-<file path=ppt/slides/slide20.xml><?xml version="1.0" encoding="utf-8"?>
+<file path=ppt/slides/slide19.xml><?xml version="1.0" encoding="utf-8"?>
 <p:sld xmlns:a="http://schemas.openxmlformats.org/drawingml/2006/main" xmlns:r="http://schemas.openxmlformats.org/officeDocument/2006/relationships" xmlns:p="http://schemas.openxmlformats.org/presentationml/2006/main">
   <p:cSld>
     <p:spTree>
@@ -11079,8 +9129,8 @@
         </p:nvSpPr>
         <p:spPr>
           <a:xfrm>
-            <a:off x="3822134" y="4693499"/>
-            <a:ext cx="6096000" cy="1200329"/>
+            <a:off x="3270961" y="4274563"/>
+            <a:ext cx="6096000" cy="1569660"/>
           </a:xfrm>
           <a:prstGeom prst="rect">
             <a:avLst/>
@@ -11093,22 +9143,22 @@
           <a:lstStyle/>
           <a:p>
             <a:r>
-              <a:rPr lang="ko-KR" altLang="en-US" sz="2400" dirty="0"/>
+              <a:rPr lang="ko-KR" altLang="en-US" sz="3200" dirty="0"/>
               <a:t>public Object get(int index) {</a:t>
             </a:r>
           </a:p>
           <a:p>
             <a:r>
-              <a:rPr lang="ko-KR" altLang="en-US" sz="2400" dirty="0"/>
+              <a:rPr lang="ko-KR" altLang="en-US" sz="3200" dirty="0"/>
               <a:t>	return elementData[index];</a:t>
             </a:r>
           </a:p>
           <a:p>
             <a:r>
-              <a:rPr lang="ko-KR" altLang="en-US" sz="2400" dirty="0" smtClean="0"/>
+              <a:rPr lang="ko-KR" altLang="en-US" sz="3200" dirty="0" smtClean="0"/>
               <a:t>}</a:t>
             </a:r>
-            <a:endParaRPr lang="ko-KR" altLang="en-US" sz="2400" dirty="0"/>
+            <a:endParaRPr lang="ko-KR" altLang="en-US" sz="3200" dirty="0"/>
           </a:p>
         </p:txBody>
       </p:sp>
@@ -11122,10 +9172,151 @@
   <p:clrMapOvr>
     <a:masterClrMapping/>
   </p:clrMapOvr>
+  <p:timing>
+    <p:tnLst>
+      <p:par>
+        <p:cTn id="1" dur="indefinite" restart="never" nodeType="tmRoot"/>
+      </p:par>
+    </p:tnLst>
+  </p:timing>
 </p:sld>
 </file>
 
-<file path=ppt/slides/slide21.xml><?xml version="1.0" encoding="utf-8"?>
+<file path=ppt/slides/slide2.xml><?xml version="1.0" encoding="utf-8"?>
+<p:sld xmlns:a="http://schemas.openxmlformats.org/drawingml/2006/main" xmlns:r="http://schemas.openxmlformats.org/officeDocument/2006/relationships" xmlns:p="http://schemas.openxmlformats.org/presentationml/2006/main">
+  <p:cSld>
+    <p:spTree>
+      <p:nvGrpSpPr>
+        <p:cNvPr id="1" name=""/>
+        <p:cNvGrpSpPr/>
+        <p:nvPr/>
+      </p:nvGrpSpPr>
+      <p:grpSpPr>
+        <a:xfrm>
+          <a:off x="0" y="0"/>
+          <a:ext cx="0" cy="0"/>
+          <a:chOff x="0" y="0"/>
+          <a:chExt cx="0" cy="0"/>
+        </a:xfrm>
+      </p:grpSpPr>
+      <p:sp>
+        <p:nvSpPr>
+          <p:cNvPr id="2" name="TextBox 1"/>
+          <p:cNvSpPr txBox="1"/>
+          <p:nvPr/>
+        </p:nvSpPr>
+        <p:spPr>
+          <a:xfrm>
+            <a:off x="1035809" y="802864"/>
+            <a:ext cx="6432467" cy="5201424"/>
+          </a:xfrm>
+          <a:prstGeom prst="rect">
+            <a:avLst/>
+          </a:prstGeom>
+          <a:noFill/>
+        </p:spPr>
+        <p:txBody>
+          <a:bodyPr wrap="none" rtlCol="0">
+            <a:spAutoFit/>
+          </a:bodyPr>
+          <a:lstStyle/>
+          <a:p>
+            <a:r>
+              <a:rPr lang="en-US" altLang="ko-KR" sz="16600" dirty="0" smtClean="0">
+                <a:solidFill>
+                  <a:schemeClr val="tx1">
+                    <a:lumMod val="85000"/>
+                    <a:lumOff val="15000"/>
+                  </a:schemeClr>
+                </a:solidFill>
+                <a:latin typeface="+mj-ea"/>
+                <a:ea typeface="+mj-ea"/>
+              </a:rPr>
+              <a:t>Create</a:t>
+            </a:r>
+          </a:p>
+          <a:p>
+            <a:r>
+              <a:rPr lang="ko-KR" altLang="en-US" sz="16600" dirty="0" smtClean="0">
+                <a:solidFill>
+                  <a:schemeClr val="tx1">
+                    <a:lumMod val="85000"/>
+                    <a:lumOff val="15000"/>
+                  </a:schemeClr>
+                </a:solidFill>
+                <a:latin typeface="+mj-ea"/>
+                <a:ea typeface="+mj-ea"/>
+              </a:rPr>
+              <a:t>생성</a:t>
+            </a:r>
+            <a:endParaRPr lang="ko-KR" altLang="en-US" sz="16600" dirty="0">
+              <a:solidFill>
+                <a:schemeClr val="tx1">
+                  <a:lumMod val="85000"/>
+                  <a:lumOff val="15000"/>
+                </a:schemeClr>
+              </a:solidFill>
+              <a:latin typeface="+mj-ea"/>
+              <a:ea typeface="+mj-ea"/>
+            </a:endParaRPr>
+          </a:p>
+        </p:txBody>
+      </p:sp>
+      <p:pic>
+        <p:nvPicPr>
+          <p:cNvPr id="4" name="그림 3"/>
+          <p:cNvPicPr>
+            <a:picLocks noChangeAspect="1"/>
+          </p:cNvPicPr>
+          <p:nvPr/>
+        </p:nvPicPr>
+        <p:blipFill>
+          <a:blip r:embed="rId2">
+            <a:extLst>
+              <a:ext uri="{28A0092B-C50C-407E-A947-70E740481C1C}">
+                <a14:useLocalDpi xmlns:a14="http://schemas.microsoft.com/office/drawing/2010/main" val="0"/>
+              </a:ext>
+            </a:extLst>
+          </a:blip>
+          <a:stretch>
+            <a:fillRect/>
+          </a:stretch>
+        </p:blipFill>
+        <p:spPr>
+          <a:xfrm>
+            <a:off x="7593227" y="1580954"/>
+            <a:ext cx="3645243" cy="3645243"/>
+          </a:xfrm>
+          <a:prstGeom prst="rect">
+            <a:avLst/>
+          </a:prstGeom>
+          <a:noFill/>
+          <a:ln>
+            <a:noFill/>
+          </a:ln>
+        </p:spPr>
+      </p:pic>
+    </p:spTree>
+    <p:extLst>
+      <p:ext uri="{BB962C8B-B14F-4D97-AF65-F5344CB8AC3E}">
+        <p14:creationId xmlns:p14="http://schemas.microsoft.com/office/powerpoint/2010/main" val="2783076647"/>
+      </p:ext>
+    </p:extLst>
+  </p:cSld>
+  <p:clrMapOvr>
+    <a:masterClrMapping/>
+  </p:clrMapOvr>
+  <p:timing>
+    <p:tnLst>
+      <p:par>
+        <p:cTn id="1" dur="indefinite" restart="never" nodeType="tmRoot"/>
+      </p:par>
+    </p:tnLst>
+  </p:timing>
+</p:sld>
+</file>
+
+<file path=ppt/slides/slide20.xml><?xml version="1.0" encoding="utf-8"?>
 <p:sld xmlns:a="http://schemas.openxmlformats.org/drawingml/2006/main" xmlns:r="http://schemas.openxmlformats.org/officeDocument/2006/relationships" xmlns:p="http://schemas.openxmlformats.org/presentationml/2006/main">
   <p:cSld>
     <p:spTree>
@@ -11245,6 +9436,3323 @@
   <p:clrMapOvr>
     <a:masterClrMapping/>
   </p:clrMapOvr>
+  <p:timing>
+    <p:tnLst>
+      <p:par>
+        <p:cTn id="1" dur="indefinite" restart="never" nodeType="tmRoot"/>
+      </p:par>
+    </p:tnLst>
+  </p:timing>
+</p:sld>
+</file>
+
+<file path=ppt/slides/slide21.xml><?xml version="1.0" encoding="utf-8"?>
+<p:sld xmlns:a="http://schemas.openxmlformats.org/drawingml/2006/main" xmlns:r="http://schemas.openxmlformats.org/officeDocument/2006/relationships" xmlns:p="http://schemas.openxmlformats.org/presentationml/2006/main">
+  <p:cSld>
+    <p:spTree>
+      <p:nvGrpSpPr>
+        <p:cNvPr id="1" name=""/>
+        <p:cNvGrpSpPr/>
+        <p:nvPr/>
+      </p:nvGrpSpPr>
+      <p:grpSpPr>
+        <a:xfrm>
+          <a:off x="0" y="0"/>
+          <a:ext cx="0" cy="0"/>
+          <a:chOff x="0" y="0"/>
+          <a:chExt cx="0" cy="0"/>
+        </a:xfrm>
+      </p:grpSpPr>
+      <p:grpSp>
+        <p:nvGrpSpPr>
+          <p:cNvPr id="2" name="그룹 1"/>
+          <p:cNvGrpSpPr/>
+          <p:nvPr/>
+        </p:nvGrpSpPr>
+        <p:grpSpPr>
+          <a:xfrm>
+            <a:off x="3631342" y="3394714"/>
+            <a:ext cx="5386517" cy="1135372"/>
+            <a:chOff x="3035560" y="2640085"/>
+            <a:chExt cx="5386517" cy="1135372"/>
+          </a:xfrm>
+        </p:grpSpPr>
+        <p:grpSp>
+          <p:nvGrpSpPr>
+            <p:cNvPr id="3" name="그룹 2"/>
+            <p:cNvGrpSpPr/>
+            <p:nvPr/>
+          </p:nvGrpSpPr>
+          <p:grpSpPr>
+            <a:xfrm>
+              <a:off x="3035560" y="2640085"/>
+              <a:ext cx="2511857" cy="1135372"/>
+              <a:chOff x="1877654" y="1556951"/>
+              <a:chExt cx="2117959" cy="870303"/>
+            </a:xfrm>
+          </p:grpSpPr>
+          <p:sp>
+            <p:nvSpPr>
+              <p:cNvPr id="18" name="모서리가 둥근 직사각형 17"/>
+              <p:cNvSpPr/>
+              <p:nvPr/>
+            </p:nvSpPr>
+            <p:spPr>
+              <a:xfrm flipH="1">
+                <a:off x="1881293" y="1556951"/>
+                <a:ext cx="870144" cy="839506"/>
+              </a:xfrm>
+              <a:prstGeom prst="roundRect">
+                <a:avLst>
+                  <a:gd name="adj" fmla="val 10749"/>
+                </a:avLst>
+              </a:prstGeom>
+              <a:noFill/>
+              <a:ln w="38100">
+                <a:solidFill>
+                  <a:srgbClr val="333333"/>
+                </a:solidFill>
+              </a:ln>
+            </p:spPr>
+            <p:style>
+              <a:lnRef idx="2">
+                <a:schemeClr val="accent1">
+                  <a:shade val="50000"/>
+                </a:schemeClr>
+              </a:lnRef>
+              <a:fillRef idx="1">
+                <a:schemeClr val="accent1"/>
+              </a:fillRef>
+              <a:effectRef idx="0">
+                <a:schemeClr val="accent1"/>
+              </a:effectRef>
+              <a:fontRef idx="minor">
+                <a:schemeClr val="lt1"/>
+              </a:fontRef>
+            </p:style>
+            <p:txBody>
+              <a:bodyPr rot="0" spcFirstLastPara="0" vertOverflow="overflow" horzOverflow="overflow" vert="horz" wrap="square" lIns="68579" tIns="34290" rIns="68579" bIns="34290" numCol="1" spcCol="0" rtlCol="0" fromWordArt="0" anchor="ctr" anchorCtr="0" forceAA="0" compatLnSpc="1">
+                <a:prstTxWarp prst="textNoShape">
+                  <a:avLst/>
+                </a:prstTxWarp>
+                <a:noAutofit/>
+              </a:bodyPr>
+              <a:lstStyle/>
+              <a:p>
+                <a:pPr algn="ctr"/>
+                <a:endParaRPr lang="ko-KR" altLang="en-US" sz="1350" dirty="0">
+                  <a:ln w="38100">
+                    <a:solidFill>
+                      <a:srgbClr val="333333"/>
+                    </a:solidFill>
+                  </a:ln>
+                  <a:noFill/>
+                  <a:latin typeface="+mn-ea"/>
+                </a:endParaRPr>
+              </a:p>
+            </p:txBody>
+          </p:sp>
+          <p:cxnSp>
+            <p:nvCxnSpPr>
+              <p:cNvPr id="19" name="직선 연결선 18"/>
+              <p:cNvCxnSpPr/>
+              <p:nvPr/>
+            </p:nvCxnSpPr>
+            <p:spPr>
+              <a:xfrm>
+                <a:off x="1881293" y="2117124"/>
+                <a:ext cx="870144" cy="0"/>
+              </a:xfrm>
+              <a:prstGeom prst="line">
+                <a:avLst/>
+              </a:prstGeom>
+              <a:ln w="38100">
+                <a:solidFill>
+                  <a:srgbClr val="333333"/>
+                </a:solidFill>
+              </a:ln>
+            </p:spPr>
+            <p:style>
+              <a:lnRef idx="1">
+                <a:schemeClr val="accent1"/>
+              </a:lnRef>
+              <a:fillRef idx="0">
+                <a:schemeClr val="accent1"/>
+              </a:fillRef>
+              <a:effectRef idx="0">
+                <a:schemeClr val="accent1"/>
+              </a:effectRef>
+              <a:fontRef idx="minor">
+                <a:schemeClr val="tx1"/>
+              </a:fontRef>
+            </p:style>
+          </p:cxnSp>
+          <p:sp>
+            <p:nvSpPr>
+              <p:cNvPr id="20" name="TextBox 19"/>
+              <p:cNvSpPr txBox="1"/>
+              <p:nvPr/>
+            </p:nvSpPr>
+            <p:spPr>
+              <a:xfrm>
+                <a:off x="1877654" y="2120555"/>
+                <a:ext cx="870143" cy="306699"/>
+              </a:xfrm>
+              <a:prstGeom prst="rect">
+                <a:avLst/>
+              </a:prstGeom>
+              <a:noFill/>
+            </p:spPr>
+            <p:txBody>
+              <a:bodyPr wrap="square" rtlCol="0">
+                <a:spAutoFit/>
+              </a:bodyPr>
+              <a:lstStyle/>
+              <a:p>
+                <a:pPr algn="ctr"/>
+                <a:r>
+                  <a:rPr lang="en-US" altLang="ko-KR" sz="2000" dirty="0">
+                    <a:solidFill>
+                      <a:srgbClr val="333333"/>
+                    </a:solidFill>
+                    <a:latin typeface="+mn-ea"/>
+                  </a:rPr>
+                  <a:t>0</a:t>
+                </a:r>
+                <a:endParaRPr lang="ko-KR" altLang="en-US" sz="2000" dirty="0">
+                  <a:solidFill>
+                    <a:srgbClr val="333333"/>
+                  </a:solidFill>
+                  <a:latin typeface="+mn-ea"/>
+                </a:endParaRPr>
+              </a:p>
+            </p:txBody>
+          </p:sp>
+          <p:sp>
+            <p:nvSpPr>
+              <p:cNvPr id="21" name="TextBox 20"/>
+              <p:cNvSpPr txBox="1"/>
+              <p:nvPr/>
+            </p:nvSpPr>
+            <p:spPr>
+              <a:xfrm>
+                <a:off x="1877654" y="1679374"/>
+                <a:ext cx="870143" cy="318494"/>
+              </a:xfrm>
+              <a:prstGeom prst="rect">
+                <a:avLst/>
+              </a:prstGeom>
+              <a:noFill/>
+            </p:spPr>
+            <p:txBody>
+              <a:bodyPr wrap="square" rtlCol="0" anchor="ctr">
+                <a:spAutoFit/>
+              </a:bodyPr>
+              <a:lstStyle/>
+              <a:p>
+                <a:pPr algn="ctr"/>
+                <a:r>
+                  <a:rPr lang="en-US" altLang="ko-KR" sz="2100" dirty="0" smtClean="0">
+                    <a:solidFill>
+                      <a:srgbClr val="333333"/>
+                    </a:solidFill>
+                    <a:latin typeface="+mn-ea"/>
+                  </a:rPr>
+                  <a:t>10</a:t>
+                </a:r>
+                <a:endParaRPr lang="ko-KR" altLang="en-US" sz="2100" dirty="0">
+                  <a:solidFill>
+                    <a:srgbClr val="333333"/>
+                  </a:solidFill>
+                  <a:latin typeface="+mn-ea"/>
+                </a:endParaRPr>
+              </a:p>
+            </p:txBody>
+          </p:sp>
+          <p:sp>
+            <p:nvSpPr>
+              <p:cNvPr id="22" name="TextBox 21"/>
+              <p:cNvSpPr txBox="1"/>
+              <p:nvPr/>
+            </p:nvSpPr>
+            <p:spPr>
+              <a:xfrm>
+                <a:off x="3125470" y="2120555"/>
+                <a:ext cx="870143" cy="306699"/>
+              </a:xfrm>
+              <a:prstGeom prst="rect">
+                <a:avLst/>
+              </a:prstGeom>
+              <a:noFill/>
+            </p:spPr>
+            <p:txBody>
+              <a:bodyPr wrap="square" rtlCol="0">
+                <a:spAutoFit/>
+              </a:bodyPr>
+              <a:lstStyle/>
+              <a:p>
+                <a:pPr algn="ctr"/>
+                <a:r>
+                  <a:rPr lang="en-US" altLang="ko-KR" sz="2000" dirty="0">
+                    <a:solidFill>
+                      <a:srgbClr val="333333"/>
+                    </a:solidFill>
+                    <a:latin typeface="+mn-ea"/>
+                  </a:rPr>
+                  <a:t>1</a:t>
+                </a:r>
+                <a:endParaRPr lang="ko-KR" altLang="en-US" sz="2000" dirty="0">
+                  <a:solidFill>
+                    <a:srgbClr val="333333"/>
+                  </a:solidFill>
+                  <a:latin typeface="+mn-ea"/>
+                </a:endParaRPr>
+              </a:p>
+            </p:txBody>
+          </p:sp>
+        </p:grpSp>
+        <p:grpSp>
+          <p:nvGrpSpPr>
+            <p:cNvPr id="4" name="그룹 3"/>
+            <p:cNvGrpSpPr/>
+            <p:nvPr/>
+          </p:nvGrpSpPr>
+          <p:grpSpPr>
+            <a:xfrm>
+              <a:off x="5927069" y="2640085"/>
+              <a:ext cx="1036289" cy="1135372"/>
+              <a:chOff x="1877654" y="1556951"/>
+              <a:chExt cx="873783" cy="870303"/>
+            </a:xfrm>
+          </p:grpSpPr>
+          <p:sp>
+            <p:nvSpPr>
+              <p:cNvPr id="14" name="모서리가 둥근 직사각형 13"/>
+              <p:cNvSpPr/>
+              <p:nvPr/>
+            </p:nvSpPr>
+            <p:spPr>
+              <a:xfrm flipH="1">
+                <a:off x="1881293" y="1556951"/>
+                <a:ext cx="870144" cy="839506"/>
+              </a:xfrm>
+              <a:prstGeom prst="roundRect">
+                <a:avLst>
+                  <a:gd name="adj" fmla="val 10749"/>
+                </a:avLst>
+              </a:prstGeom>
+              <a:noFill/>
+              <a:ln w="38100">
+                <a:solidFill>
+                  <a:srgbClr val="333333"/>
+                </a:solidFill>
+              </a:ln>
+            </p:spPr>
+            <p:style>
+              <a:lnRef idx="2">
+                <a:schemeClr val="accent1">
+                  <a:shade val="50000"/>
+                </a:schemeClr>
+              </a:lnRef>
+              <a:fillRef idx="1">
+                <a:schemeClr val="accent1"/>
+              </a:fillRef>
+              <a:effectRef idx="0">
+                <a:schemeClr val="accent1"/>
+              </a:effectRef>
+              <a:fontRef idx="minor">
+                <a:schemeClr val="lt1"/>
+              </a:fontRef>
+            </p:style>
+            <p:txBody>
+              <a:bodyPr rot="0" spcFirstLastPara="0" vertOverflow="overflow" horzOverflow="overflow" vert="horz" wrap="square" lIns="68579" tIns="34290" rIns="68579" bIns="34290" numCol="1" spcCol="0" rtlCol="0" fromWordArt="0" anchor="ctr" anchorCtr="0" forceAA="0" compatLnSpc="1">
+                <a:prstTxWarp prst="textNoShape">
+                  <a:avLst/>
+                </a:prstTxWarp>
+                <a:noAutofit/>
+              </a:bodyPr>
+              <a:lstStyle/>
+              <a:p>
+                <a:pPr algn="ctr"/>
+                <a:endParaRPr lang="ko-KR" altLang="en-US" sz="1350" dirty="0">
+                  <a:ln w="38100">
+                    <a:solidFill>
+                      <a:srgbClr val="333333"/>
+                    </a:solidFill>
+                  </a:ln>
+                  <a:noFill/>
+                  <a:latin typeface="+mn-ea"/>
+                </a:endParaRPr>
+              </a:p>
+            </p:txBody>
+          </p:sp>
+          <p:cxnSp>
+            <p:nvCxnSpPr>
+              <p:cNvPr id="15" name="직선 연결선 14"/>
+              <p:cNvCxnSpPr/>
+              <p:nvPr/>
+            </p:nvCxnSpPr>
+            <p:spPr>
+              <a:xfrm>
+                <a:off x="1881293" y="2117124"/>
+                <a:ext cx="870144" cy="0"/>
+              </a:xfrm>
+              <a:prstGeom prst="line">
+                <a:avLst/>
+              </a:prstGeom>
+              <a:ln w="38100">
+                <a:solidFill>
+                  <a:srgbClr val="333333"/>
+                </a:solidFill>
+              </a:ln>
+            </p:spPr>
+            <p:style>
+              <a:lnRef idx="1">
+                <a:schemeClr val="accent1"/>
+              </a:lnRef>
+              <a:fillRef idx="0">
+                <a:schemeClr val="accent1"/>
+              </a:fillRef>
+              <a:effectRef idx="0">
+                <a:schemeClr val="accent1"/>
+              </a:effectRef>
+              <a:fontRef idx="minor">
+                <a:schemeClr val="tx1"/>
+              </a:fontRef>
+            </p:style>
+          </p:cxnSp>
+          <p:sp>
+            <p:nvSpPr>
+              <p:cNvPr id="16" name="TextBox 15"/>
+              <p:cNvSpPr txBox="1"/>
+              <p:nvPr/>
+            </p:nvSpPr>
+            <p:spPr>
+              <a:xfrm>
+                <a:off x="1877654" y="2120555"/>
+                <a:ext cx="870143" cy="306699"/>
+              </a:xfrm>
+              <a:prstGeom prst="rect">
+                <a:avLst/>
+              </a:prstGeom>
+              <a:noFill/>
+            </p:spPr>
+            <p:txBody>
+              <a:bodyPr wrap="square" rtlCol="0">
+                <a:spAutoFit/>
+              </a:bodyPr>
+              <a:lstStyle/>
+              <a:p>
+                <a:pPr algn="ctr"/>
+                <a:r>
+                  <a:rPr lang="en-US" altLang="ko-KR" sz="2000" dirty="0" smtClean="0">
+                    <a:solidFill>
+                      <a:srgbClr val="333333"/>
+                    </a:solidFill>
+                    <a:latin typeface="+mn-ea"/>
+                  </a:rPr>
+                  <a:t>2</a:t>
+                </a:r>
+                <a:endParaRPr lang="ko-KR" altLang="en-US" sz="2000" dirty="0">
+                  <a:solidFill>
+                    <a:srgbClr val="333333"/>
+                  </a:solidFill>
+                  <a:latin typeface="+mn-ea"/>
+                </a:endParaRPr>
+              </a:p>
+            </p:txBody>
+          </p:sp>
+          <p:sp>
+            <p:nvSpPr>
+              <p:cNvPr id="17" name="TextBox 16"/>
+              <p:cNvSpPr txBox="1"/>
+              <p:nvPr/>
+            </p:nvSpPr>
+            <p:spPr>
+              <a:xfrm>
+                <a:off x="1877654" y="1679374"/>
+                <a:ext cx="870143" cy="318494"/>
+              </a:xfrm>
+              <a:prstGeom prst="rect">
+                <a:avLst/>
+              </a:prstGeom>
+              <a:noFill/>
+            </p:spPr>
+            <p:txBody>
+              <a:bodyPr wrap="square" rtlCol="0" anchor="ctr">
+                <a:spAutoFit/>
+              </a:bodyPr>
+              <a:lstStyle/>
+              <a:p>
+                <a:pPr algn="ctr"/>
+                <a:r>
+                  <a:rPr lang="en-US" altLang="ko-KR" sz="2100" dirty="0" smtClean="0">
+                    <a:solidFill>
+                      <a:srgbClr val="333333"/>
+                    </a:solidFill>
+                    <a:latin typeface="+mn-ea"/>
+                  </a:rPr>
+                  <a:t>30</a:t>
+                </a:r>
+                <a:endParaRPr lang="ko-KR" altLang="en-US" sz="2100" dirty="0">
+                  <a:solidFill>
+                    <a:srgbClr val="333333"/>
+                  </a:solidFill>
+                  <a:latin typeface="+mn-ea"/>
+                </a:endParaRPr>
+              </a:p>
+            </p:txBody>
+          </p:sp>
+        </p:grpSp>
+        <p:grpSp>
+          <p:nvGrpSpPr>
+            <p:cNvPr id="5" name="그룹 4"/>
+            <p:cNvGrpSpPr/>
+            <p:nvPr/>
+          </p:nvGrpSpPr>
+          <p:grpSpPr>
+            <a:xfrm>
+              <a:off x="7385788" y="2640085"/>
+              <a:ext cx="1036289" cy="1135372"/>
+              <a:chOff x="1877654" y="1556951"/>
+              <a:chExt cx="873783" cy="870303"/>
+            </a:xfrm>
+          </p:grpSpPr>
+          <p:sp>
+            <p:nvSpPr>
+              <p:cNvPr id="10" name="모서리가 둥근 직사각형 9"/>
+              <p:cNvSpPr/>
+              <p:nvPr/>
+            </p:nvSpPr>
+            <p:spPr>
+              <a:xfrm flipH="1">
+                <a:off x="1881293" y="1556951"/>
+                <a:ext cx="870144" cy="839506"/>
+              </a:xfrm>
+              <a:prstGeom prst="roundRect">
+                <a:avLst>
+                  <a:gd name="adj" fmla="val 10749"/>
+                </a:avLst>
+              </a:prstGeom>
+              <a:noFill/>
+              <a:ln w="38100">
+                <a:solidFill>
+                  <a:srgbClr val="333333"/>
+                </a:solidFill>
+              </a:ln>
+            </p:spPr>
+            <p:style>
+              <a:lnRef idx="2">
+                <a:schemeClr val="accent1">
+                  <a:shade val="50000"/>
+                </a:schemeClr>
+              </a:lnRef>
+              <a:fillRef idx="1">
+                <a:schemeClr val="accent1"/>
+              </a:fillRef>
+              <a:effectRef idx="0">
+                <a:schemeClr val="accent1"/>
+              </a:effectRef>
+              <a:fontRef idx="minor">
+                <a:schemeClr val="lt1"/>
+              </a:fontRef>
+            </p:style>
+            <p:txBody>
+              <a:bodyPr rot="0" spcFirstLastPara="0" vertOverflow="overflow" horzOverflow="overflow" vert="horz" wrap="square" lIns="68579" tIns="34290" rIns="68579" bIns="34290" numCol="1" spcCol="0" rtlCol="0" fromWordArt="0" anchor="ctr" anchorCtr="0" forceAA="0" compatLnSpc="1">
+                <a:prstTxWarp prst="textNoShape">
+                  <a:avLst/>
+                </a:prstTxWarp>
+                <a:noAutofit/>
+              </a:bodyPr>
+              <a:lstStyle/>
+              <a:p>
+                <a:pPr algn="ctr"/>
+                <a:endParaRPr lang="ko-KR" altLang="en-US" sz="1350" dirty="0">
+                  <a:ln w="38100">
+                    <a:solidFill>
+                      <a:srgbClr val="333333"/>
+                    </a:solidFill>
+                  </a:ln>
+                  <a:noFill/>
+                  <a:latin typeface="+mn-ea"/>
+                </a:endParaRPr>
+              </a:p>
+            </p:txBody>
+          </p:sp>
+          <p:cxnSp>
+            <p:nvCxnSpPr>
+              <p:cNvPr id="11" name="직선 연결선 10"/>
+              <p:cNvCxnSpPr/>
+              <p:nvPr/>
+            </p:nvCxnSpPr>
+            <p:spPr>
+              <a:xfrm>
+                <a:off x="1881293" y="2117124"/>
+                <a:ext cx="870144" cy="0"/>
+              </a:xfrm>
+              <a:prstGeom prst="line">
+                <a:avLst/>
+              </a:prstGeom>
+              <a:ln w="38100">
+                <a:solidFill>
+                  <a:srgbClr val="333333"/>
+                </a:solidFill>
+              </a:ln>
+            </p:spPr>
+            <p:style>
+              <a:lnRef idx="1">
+                <a:schemeClr val="accent1"/>
+              </a:lnRef>
+              <a:fillRef idx="0">
+                <a:schemeClr val="accent1"/>
+              </a:fillRef>
+              <a:effectRef idx="0">
+                <a:schemeClr val="accent1"/>
+              </a:effectRef>
+              <a:fontRef idx="minor">
+                <a:schemeClr val="tx1"/>
+              </a:fontRef>
+            </p:style>
+          </p:cxnSp>
+          <p:sp>
+            <p:nvSpPr>
+              <p:cNvPr id="12" name="TextBox 11"/>
+              <p:cNvSpPr txBox="1"/>
+              <p:nvPr/>
+            </p:nvSpPr>
+            <p:spPr>
+              <a:xfrm>
+                <a:off x="1877654" y="2120555"/>
+                <a:ext cx="870143" cy="306699"/>
+              </a:xfrm>
+              <a:prstGeom prst="rect">
+                <a:avLst/>
+              </a:prstGeom>
+              <a:noFill/>
+            </p:spPr>
+            <p:txBody>
+              <a:bodyPr wrap="square" rtlCol="0">
+                <a:spAutoFit/>
+              </a:bodyPr>
+              <a:lstStyle/>
+              <a:p>
+                <a:pPr algn="ctr"/>
+                <a:r>
+                  <a:rPr lang="en-US" altLang="ko-KR" sz="2000" dirty="0" smtClean="0">
+                    <a:solidFill>
+                      <a:srgbClr val="333333"/>
+                    </a:solidFill>
+                    <a:latin typeface="+mn-ea"/>
+                  </a:rPr>
+                  <a:t>3</a:t>
+                </a:r>
+                <a:endParaRPr lang="ko-KR" altLang="en-US" sz="2000" dirty="0">
+                  <a:solidFill>
+                    <a:srgbClr val="333333"/>
+                  </a:solidFill>
+                  <a:latin typeface="+mn-ea"/>
+                </a:endParaRPr>
+              </a:p>
+            </p:txBody>
+          </p:sp>
+          <p:sp>
+            <p:nvSpPr>
+              <p:cNvPr id="13" name="TextBox 12"/>
+              <p:cNvSpPr txBox="1"/>
+              <p:nvPr/>
+            </p:nvSpPr>
+            <p:spPr>
+              <a:xfrm>
+                <a:off x="1877654" y="1679374"/>
+                <a:ext cx="870143" cy="318494"/>
+              </a:xfrm>
+              <a:prstGeom prst="rect">
+                <a:avLst/>
+              </a:prstGeom>
+              <a:noFill/>
+            </p:spPr>
+            <p:txBody>
+              <a:bodyPr wrap="square" rtlCol="0" anchor="ctr">
+                <a:spAutoFit/>
+              </a:bodyPr>
+              <a:lstStyle/>
+              <a:p>
+                <a:pPr algn="ctr"/>
+                <a:r>
+                  <a:rPr lang="en-US" altLang="ko-KR" sz="2100" dirty="0" smtClean="0">
+                    <a:solidFill>
+                      <a:srgbClr val="333333"/>
+                    </a:solidFill>
+                    <a:latin typeface="+mn-ea"/>
+                  </a:rPr>
+                  <a:t>40</a:t>
+                </a:r>
+                <a:endParaRPr lang="ko-KR" altLang="en-US" sz="2100" dirty="0">
+                  <a:solidFill>
+                    <a:srgbClr val="333333"/>
+                  </a:solidFill>
+                  <a:latin typeface="+mn-ea"/>
+                </a:endParaRPr>
+              </a:p>
+            </p:txBody>
+          </p:sp>
+        </p:grpSp>
+        <p:grpSp>
+          <p:nvGrpSpPr>
+            <p:cNvPr id="6" name="그룹 5"/>
+            <p:cNvGrpSpPr/>
+            <p:nvPr/>
+          </p:nvGrpSpPr>
+          <p:grpSpPr>
+            <a:xfrm>
+              <a:off x="4481308" y="2648121"/>
+              <a:ext cx="1036300" cy="1095195"/>
+              <a:chOff x="649468" y="1556951"/>
+              <a:chExt cx="873788" cy="839506"/>
+            </a:xfrm>
+          </p:grpSpPr>
+          <p:sp>
+            <p:nvSpPr>
+              <p:cNvPr id="7" name="모서리가 둥근 직사각형 6"/>
+              <p:cNvSpPr/>
+              <p:nvPr/>
+            </p:nvSpPr>
+            <p:spPr>
+              <a:xfrm flipH="1">
+                <a:off x="653111" y="1556951"/>
+                <a:ext cx="870145" cy="839506"/>
+              </a:xfrm>
+              <a:prstGeom prst="roundRect">
+                <a:avLst>
+                  <a:gd name="adj" fmla="val 10749"/>
+                </a:avLst>
+              </a:prstGeom>
+              <a:noFill/>
+              <a:ln w="38100">
+                <a:solidFill>
+                  <a:schemeClr val="tx1">
+                    <a:lumMod val="85000"/>
+                    <a:lumOff val="15000"/>
+                  </a:schemeClr>
+                </a:solidFill>
+              </a:ln>
+            </p:spPr>
+            <p:style>
+              <a:lnRef idx="2">
+                <a:schemeClr val="accent1">
+                  <a:shade val="50000"/>
+                </a:schemeClr>
+              </a:lnRef>
+              <a:fillRef idx="1">
+                <a:schemeClr val="accent1"/>
+              </a:fillRef>
+              <a:effectRef idx="0">
+                <a:schemeClr val="accent1"/>
+              </a:effectRef>
+              <a:fontRef idx="minor">
+                <a:schemeClr val="lt1"/>
+              </a:fontRef>
+            </p:style>
+            <p:txBody>
+              <a:bodyPr rot="0" spcFirstLastPara="0" vertOverflow="overflow" horzOverflow="overflow" vert="horz" wrap="square" lIns="68579" tIns="34290" rIns="68579" bIns="34290" numCol="1" spcCol="0" rtlCol="0" fromWordArt="0" anchor="ctr" anchorCtr="0" forceAA="0" compatLnSpc="1">
+                <a:prstTxWarp prst="textNoShape">
+                  <a:avLst/>
+                </a:prstTxWarp>
+                <a:noAutofit/>
+              </a:bodyPr>
+              <a:lstStyle/>
+              <a:p>
+                <a:pPr algn="ctr"/>
+                <a:endParaRPr lang="ko-KR" altLang="en-US" sz="1350" dirty="0">
+                  <a:ln w="38100">
+                    <a:solidFill>
+                      <a:srgbClr val="333333"/>
+                    </a:solidFill>
+                  </a:ln>
+                  <a:noFill/>
+                  <a:latin typeface="+mn-ea"/>
+                </a:endParaRPr>
+              </a:p>
+            </p:txBody>
+          </p:sp>
+          <p:cxnSp>
+            <p:nvCxnSpPr>
+              <p:cNvPr id="8" name="직선 연결선 7"/>
+              <p:cNvCxnSpPr/>
+              <p:nvPr/>
+            </p:nvCxnSpPr>
+            <p:spPr>
+              <a:xfrm>
+                <a:off x="653111" y="2117124"/>
+                <a:ext cx="870143" cy="0"/>
+              </a:xfrm>
+              <a:prstGeom prst="line">
+                <a:avLst/>
+              </a:prstGeom>
+              <a:ln w="38100">
+                <a:solidFill>
+                  <a:srgbClr val="333333"/>
+                </a:solidFill>
+              </a:ln>
+            </p:spPr>
+            <p:style>
+              <a:lnRef idx="1">
+                <a:schemeClr val="accent1"/>
+              </a:lnRef>
+              <a:fillRef idx="0">
+                <a:schemeClr val="accent1"/>
+              </a:fillRef>
+              <a:effectRef idx="0">
+                <a:schemeClr val="accent1"/>
+              </a:effectRef>
+              <a:fontRef idx="minor">
+                <a:schemeClr val="tx1"/>
+              </a:fontRef>
+            </p:style>
+          </p:cxnSp>
+          <p:sp>
+            <p:nvSpPr>
+              <p:cNvPr id="9" name="TextBox 8"/>
+              <p:cNvSpPr txBox="1"/>
+              <p:nvPr/>
+            </p:nvSpPr>
+            <p:spPr>
+              <a:xfrm>
+                <a:off x="649468" y="1679374"/>
+                <a:ext cx="870143" cy="318494"/>
+              </a:xfrm>
+              <a:prstGeom prst="rect">
+                <a:avLst/>
+              </a:prstGeom>
+              <a:noFill/>
+            </p:spPr>
+            <p:txBody>
+              <a:bodyPr wrap="square" rtlCol="0" anchor="ctr">
+                <a:spAutoFit/>
+              </a:bodyPr>
+              <a:lstStyle/>
+              <a:p>
+                <a:pPr algn="ctr"/>
+                <a:r>
+                  <a:rPr lang="en-US" altLang="ko-KR" sz="2100" dirty="0" smtClean="0">
+                    <a:solidFill>
+                      <a:srgbClr val="333333"/>
+                    </a:solidFill>
+                    <a:latin typeface="+mn-ea"/>
+                  </a:rPr>
+                  <a:t>50</a:t>
+                </a:r>
+                <a:endParaRPr lang="ko-KR" altLang="en-US" sz="2100" dirty="0">
+                  <a:solidFill>
+                    <a:srgbClr val="333333"/>
+                  </a:solidFill>
+                  <a:latin typeface="+mn-ea"/>
+                </a:endParaRPr>
+              </a:p>
+            </p:txBody>
+          </p:sp>
+        </p:grpSp>
+      </p:grpSp>
+      <p:sp>
+        <p:nvSpPr>
+          <p:cNvPr id="23" name="아래쪽 화살표 22"/>
+          <p:cNvSpPr/>
+          <p:nvPr/>
+        </p:nvSpPr>
+        <p:spPr>
+          <a:xfrm>
+            <a:off x="3686524" y="2313714"/>
+            <a:ext cx="921608" cy="876300"/>
+          </a:xfrm>
+          <a:prstGeom prst="downArrow">
+            <a:avLst/>
+          </a:prstGeom>
+          <a:solidFill>
+            <a:srgbClr val="C00000"/>
+          </a:solidFill>
+          <a:ln>
+            <a:noFill/>
+          </a:ln>
+        </p:spPr>
+        <p:style>
+          <a:lnRef idx="2">
+            <a:schemeClr val="accent1">
+              <a:shade val="50000"/>
+            </a:schemeClr>
+          </a:lnRef>
+          <a:fillRef idx="1">
+            <a:schemeClr val="accent1"/>
+          </a:fillRef>
+          <a:effectRef idx="0">
+            <a:schemeClr val="accent1"/>
+          </a:effectRef>
+          <a:fontRef idx="minor">
+            <a:schemeClr val="lt1"/>
+          </a:fontRef>
+        </p:style>
+        <p:txBody>
+          <a:bodyPr rot="0" spcFirstLastPara="0" vertOverflow="overflow" horzOverflow="overflow" vert="horz" wrap="square" lIns="91440" tIns="45720" rIns="91440" bIns="45720" numCol="1" spcCol="0" rtlCol="0" fromWordArt="0" anchor="ctr" anchorCtr="0" forceAA="0" compatLnSpc="1">
+            <a:prstTxWarp prst="textNoShape">
+              <a:avLst/>
+            </a:prstTxWarp>
+            <a:noAutofit/>
+          </a:bodyPr>
+          <a:lstStyle/>
+          <a:p>
+            <a:pPr algn="ctr"/>
+            <a:endParaRPr lang="ko-KR" altLang="en-US">
+              <a:solidFill>
+                <a:schemeClr val="tx1"/>
+              </a:solidFill>
+            </a:endParaRPr>
+          </a:p>
+        </p:txBody>
+      </p:sp>
+      <p:sp>
+        <p:nvSpPr>
+          <p:cNvPr id="24" name="TextBox 23"/>
+          <p:cNvSpPr txBox="1"/>
+          <p:nvPr/>
+        </p:nvSpPr>
+        <p:spPr>
+          <a:xfrm>
+            <a:off x="3396962" y="1484885"/>
+            <a:ext cx="1500732" cy="769441"/>
+          </a:xfrm>
+          <a:prstGeom prst="rect">
+            <a:avLst/>
+          </a:prstGeom>
+          <a:noFill/>
+        </p:spPr>
+        <p:txBody>
+          <a:bodyPr wrap="none" rtlCol="0">
+            <a:spAutoFit/>
+          </a:bodyPr>
+          <a:lstStyle/>
+          <a:p>
+            <a:r>
+              <a:rPr lang="en-US" altLang="ko-KR" sz="4400" dirty="0" smtClean="0"/>
+              <a:t>cursor</a:t>
+            </a:r>
+            <a:endParaRPr lang="ko-KR" altLang="en-US" sz="4400" dirty="0"/>
+          </a:p>
+        </p:txBody>
+      </p:sp>
+    </p:spTree>
+    <p:extLst>
+      <p:ext uri="{BB962C8B-B14F-4D97-AF65-F5344CB8AC3E}">
+        <p14:creationId xmlns:p14="http://schemas.microsoft.com/office/powerpoint/2010/main" val="2769495629"/>
+      </p:ext>
+    </p:extLst>
+  </p:cSld>
+  <p:clrMapOvr>
+    <a:masterClrMapping/>
+  </p:clrMapOvr>
+  <p:timing>
+    <p:tnLst>
+      <p:par>
+        <p:cTn id="1" dur="indefinite" restart="never" nodeType="tmRoot"/>
+      </p:par>
+    </p:tnLst>
+  </p:timing>
+</p:sld>
+</file>
+
+<file path=ppt/slides/slide22.xml><?xml version="1.0" encoding="utf-8"?>
+<p:sld xmlns:a="http://schemas.openxmlformats.org/drawingml/2006/main" xmlns:r="http://schemas.openxmlformats.org/officeDocument/2006/relationships" xmlns:p="http://schemas.openxmlformats.org/presentationml/2006/main">
+  <p:cSld>
+    <p:spTree>
+      <p:nvGrpSpPr>
+        <p:cNvPr id="1" name=""/>
+        <p:cNvGrpSpPr/>
+        <p:nvPr/>
+      </p:nvGrpSpPr>
+      <p:grpSpPr>
+        <a:xfrm>
+          <a:off x="0" y="0"/>
+          <a:ext cx="0" cy="0"/>
+          <a:chOff x="0" y="0"/>
+          <a:chExt cx="0" cy="0"/>
+        </a:xfrm>
+      </p:grpSpPr>
+      <p:sp>
+        <p:nvSpPr>
+          <p:cNvPr id="3" name="직사각형 2"/>
+          <p:cNvSpPr/>
+          <p:nvPr/>
+        </p:nvSpPr>
+        <p:spPr>
+          <a:xfrm>
+            <a:off x="1428750" y="2644170"/>
+            <a:ext cx="7467600" cy="1569660"/>
+          </a:xfrm>
+          <a:prstGeom prst="rect">
+            <a:avLst/>
+          </a:prstGeom>
+        </p:spPr>
+        <p:txBody>
+          <a:bodyPr wrap="square">
+            <a:spAutoFit/>
+          </a:bodyPr>
+          <a:lstStyle/>
+          <a:p>
+            <a:r>
+              <a:rPr lang="en-US" altLang="ko-KR" sz="3200" dirty="0" smtClean="0"/>
+              <a:t>	</a:t>
+            </a:r>
+            <a:r>
+              <a:rPr lang="ko-KR" altLang="en-US" sz="3200" dirty="0" smtClean="0"/>
+              <a:t>class </a:t>
+            </a:r>
+            <a:r>
+              <a:rPr lang="ko-KR" altLang="en-US" sz="3200" dirty="0"/>
+              <a:t>Ite implements Iterator {</a:t>
+            </a:r>
+          </a:p>
+          <a:p>
+            <a:r>
+              <a:rPr lang="ko-KR" altLang="en-US" sz="3200" dirty="0"/>
+              <a:t>		int cursor = 0</a:t>
+            </a:r>
+            <a:r>
+              <a:rPr lang="ko-KR" altLang="en-US" sz="3200" dirty="0" smtClean="0"/>
+              <a:t>;		</a:t>
+            </a:r>
+          </a:p>
+          <a:p>
+            <a:r>
+              <a:rPr lang="ko-KR" altLang="en-US" sz="3200" dirty="0" smtClean="0"/>
+              <a:t>	}</a:t>
+            </a:r>
+            <a:endParaRPr lang="ko-KR" altLang="en-US" sz="3200" dirty="0"/>
+          </a:p>
+        </p:txBody>
+      </p:sp>
+    </p:spTree>
+    <p:extLst>
+      <p:ext uri="{BB962C8B-B14F-4D97-AF65-F5344CB8AC3E}">
+        <p14:creationId xmlns:p14="http://schemas.microsoft.com/office/powerpoint/2010/main" val="682144007"/>
+      </p:ext>
+    </p:extLst>
+  </p:cSld>
+  <p:clrMapOvr>
+    <a:masterClrMapping/>
+  </p:clrMapOvr>
+  <p:timing>
+    <p:tnLst>
+      <p:par>
+        <p:cTn id="1" dur="indefinite" restart="never" nodeType="tmRoot"/>
+      </p:par>
+    </p:tnLst>
+  </p:timing>
+</p:sld>
+</file>
+
+<file path=ppt/slides/slide23.xml><?xml version="1.0" encoding="utf-8"?>
+<p:sld xmlns:a="http://schemas.openxmlformats.org/drawingml/2006/main" xmlns:r="http://schemas.openxmlformats.org/officeDocument/2006/relationships" xmlns:p="http://schemas.openxmlformats.org/presentationml/2006/main">
+  <p:cSld>
+    <p:spTree>
+      <p:nvGrpSpPr>
+        <p:cNvPr id="1" name=""/>
+        <p:cNvGrpSpPr/>
+        <p:nvPr/>
+      </p:nvGrpSpPr>
+      <p:grpSpPr>
+        <a:xfrm>
+          <a:off x="0" y="0"/>
+          <a:ext cx="0" cy="0"/>
+          <a:chOff x="0" y="0"/>
+          <a:chExt cx="0" cy="0"/>
+        </a:xfrm>
+      </p:grpSpPr>
+      <p:grpSp>
+        <p:nvGrpSpPr>
+          <p:cNvPr id="65" name="그룹 64"/>
+          <p:cNvGrpSpPr/>
+          <p:nvPr/>
+        </p:nvGrpSpPr>
+        <p:grpSpPr>
+          <a:xfrm>
+            <a:off x="1295769" y="1823513"/>
+            <a:ext cx="9050494" cy="513023"/>
+            <a:chOff x="1295769" y="2640677"/>
+            <a:chExt cx="9050494" cy="513023"/>
+          </a:xfrm>
+        </p:grpSpPr>
+        <p:sp>
+          <p:nvSpPr>
+            <p:cNvPr id="24" name="TextBox 23"/>
+            <p:cNvSpPr txBox="1"/>
+            <p:nvPr/>
+          </p:nvSpPr>
+          <p:spPr>
+            <a:xfrm>
+              <a:off x="3401271" y="2640678"/>
+              <a:ext cx="740002" cy="513022"/>
+            </a:xfrm>
+            <a:prstGeom prst="rect">
+              <a:avLst/>
+            </a:prstGeom>
+            <a:noFill/>
+          </p:spPr>
+          <p:txBody>
+            <a:bodyPr wrap="none" rtlCol="0">
+              <a:spAutoFit/>
+            </a:bodyPr>
+            <a:lstStyle/>
+            <a:p>
+              <a:pPr algn="ctr"/>
+              <a:r>
+                <a:rPr lang="en-US" altLang="ko-KR" sz="3200" dirty="0" smtClean="0"/>
+                <a:t>true</a:t>
+              </a:r>
+            </a:p>
+          </p:txBody>
+        </p:sp>
+        <p:sp>
+          <p:nvSpPr>
+            <p:cNvPr id="29" name="TextBox 28"/>
+            <p:cNvSpPr txBox="1"/>
+            <p:nvPr/>
+          </p:nvSpPr>
+          <p:spPr>
+            <a:xfrm>
+              <a:off x="4915569" y="2640677"/>
+              <a:ext cx="740002" cy="513022"/>
+            </a:xfrm>
+            <a:prstGeom prst="rect">
+              <a:avLst/>
+            </a:prstGeom>
+            <a:noFill/>
+          </p:spPr>
+          <p:txBody>
+            <a:bodyPr wrap="none" rtlCol="0">
+              <a:spAutoFit/>
+            </a:bodyPr>
+            <a:lstStyle/>
+            <a:p>
+              <a:pPr algn="ctr"/>
+              <a:r>
+                <a:rPr lang="en-US" altLang="ko-KR" sz="3200" dirty="0" smtClean="0"/>
+                <a:t>true</a:t>
+              </a:r>
+            </a:p>
+          </p:txBody>
+        </p:sp>
+        <p:sp>
+          <p:nvSpPr>
+            <p:cNvPr id="31" name="TextBox 30"/>
+            <p:cNvSpPr txBox="1"/>
+            <p:nvPr/>
+          </p:nvSpPr>
+          <p:spPr>
+            <a:xfrm>
+              <a:off x="6430392" y="2640677"/>
+              <a:ext cx="740003" cy="513022"/>
+            </a:xfrm>
+            <a:prstGeom prst="rect">
+              <a:avLst/>
+            </a:prstGeom>
+            <a:noFill/>
+          </p:spPr>
+          <p:txBody>
+            <a:bodyPr wrap="none" rtlCol="0">
+              <a:spAutoFit/>
+            </a:bodyPr>
+            <a:lstStyle/>
+            <a:p>
+              <a:pPr algn="ctr"/>
+              <a:r>
+                <a:rPr lang="en-US" altLang="ko-KR" sz="3200" dirty="0" smtClean="0"/>
+                <a:t>true</a:t>
+              </a:r>
+            </a:p>
+          </p:txBody>
+        </p:sp>
+        <p:sp>
+          <p:nvSpPr>
+            <p:cNvPr id="33" name="TextBox 32"/>
+            <p:cNvSpPr txBox="1"/>
+            <p:nvPr/>
+          </p:nvSpPr>
+          <p:spPr>
+            <a:xfrm>
+              <a:off x="7999526" y="2640677"/>
+              <a:ext cx="740002" cy="513022"/>
+            </a:xfrm>
+            <a:prstGeom prst="rect">
+              <a:avLst/>
+            </a:prstGeom>
+            <a:noFill/>
+          </p:spPr>
+          <p:txBody>
+            <a:bodyPr wrap="none" rtlCol="0">
+              <a:spAutoFit/>
+            </a:bodyPr>
+            <a:lstStyle/>
+            <a:p>
+              <a:pPr algn="ctr"/>
+              <a:r>
+                <a:rPr lang="en-US" altLang="ko-KR" sz="3200" dirty="0" smtClean="0"/>
+                <a:t>true</a:t>
+              </a:r>
+            </a:p>
+          </p:txBody>
+        </p:sp>
+        <p:sp>
+          <p:nvSpPr>
+            <p:cNvPr id="48" name="TextBox 47"/>
+            <p:cNvSpPr txBox="1"/>
+            <p:nvPr/>
+          </p:nvSpPr>
+          <p:spPr>
+            <a:xfrm>
+              <a:off x="9513782" y="2640677"/>
+              <a:ext cx="832481" cy="513022"/>
+            </a:xfrm>
+            <a:prstGeom prst="rect">
+              <a:avLst/>
+            </a:prstGeom>
+            <a:noFill/>
+          </p:spPr>
+          <p:txBody>
+            <a:bodyPr wrap="none" rtlCol="0">
+              <a:spAutoFit/>
+            </a:bodyPr>
+            <a:lstStyle/>
+            <a:p>
+              <a:pPr algn="ctr"/>
+              <a:r>
+                <a:rPr lang="en-US" altLang="ko-KR" sz="3200" dirty="0" smtClean="0"/>
+                <a:t>false</a:t>
+              </a:r>
+            </a:p>
+          </p:txBody>
+        </p:sp>
+        <p:sp>
+          <p:nvSpPr>
+            <p:cNvPr id="27" name="TextBox 26"/>
+            <p:cNvSpPr txBox="1"/>
+            <p:nvPr/>
+          </p:nvSpPr>
+          <p:spPr>
+            <a:xfrm>
+              <a:off x="1295769" y="2640678"/>
+              <a:ext cx="1548631" cy="513022"/>
+            </a:xfrm>
+            <a:prstGeom prst="rect">
+              <a:avLst/>
+            </a:prstGeom>
+            <a:noFill/>
+          </p:spPr>
+          <p:txBody>
+            <a:bodyPr wrap="none" rtlCol="0">
+              <a:spAutoFit/>
+            </a:bodyPr>
+            <a:lstStyle/>
+            <a:p>
+              <a:r>
+                <a:rPr lang="en-US" altLang="ko-KR" sz="3200" dirty="0" smtClean="0"/>
+                <a:t>hasNext()</a:t>
+              </a:r>
+            </a:p>
+          </p:txBody>
+        </p:sp>
+      </p:grpSp>
+      <p:grpSp>
+        <p:nvGrpSpPr>
+          <p:cNvPr id="66" name="그룹 65"/>
+          <p:cNvGrpSpPr/>
+          <p:nvPr/>
+        </p:nvGrpSpPr>
+        <p:grpSpPr>
+          <a:xfrm>
+            <a:off x="1841418" y="2905702"/>
+            <a:ext cx="8383920" cy="768778"/>
+            <a:chOff x="1841418" y="3416626"/>
+            <a:chExt cx="8383920" cy="768778"/>
+          </a:xfrm>
+        </p:grpSpPr>
+        <p:sp>
+          <p:nvSpPr>
+            <p:cNvPr id="23" name="아래쪽 화살표 22"/>
+            <p:cNvSpPr/>
+            <p:nvPr/>
+          </p:nvSpPr>
+          <p:spPr>
+            <a:xfrm>
+              <a:off x="3572779" y="3416627"/>
+              <a:ext cx="493810" cy="768777"/>
+            </a:xfrm>
+            <a:prstGeom prst="downArrow">
+              <a:avLst/>
+            </a:prstGeom>
+            <a:solidFill>
+              <a:srgbClr val="C00000"/>
+            </a:solidFill>
+            <a:ln>
+              <a:noFill/>
+            </a:ln>
+          </p:spPr>
+          <p:style>
+            <a:lnRef idx="2">
+              <a:schemeClr val="accent1">
+                <a:shade val="50000"/>
+              </a:schemeClr>
+            </a:lnRef>
+            <a:fillRef idx="1">
+              <a:schemeClr val="accent1"/>
+            </a:fillRef>
+            <a:effectRef idx="0">
+              <a:schemeClr val="accent1"/>
+            </a:effectRef>
+            <a:fontRef idx="minor">
+              <a:schemeClr val="lt1"/>
+            </a:fontRef>
+          </p:style>
+          <p:txBody>
+            <a:bodyPr rot="0" spcFirstLastPara="0" vertOverflow="overflow" horzOverflow="overflow" vert="horz" wrap="square" lIns="91440" tIns="45720" rIns="91440" bIns="45720" numCol="1" spcCol="0" rtlCol="0" fromWordArt="0" anchor="ctr" anchorCtr="0" forceAA="0" compatLnSpc="1">
+              <a:prstTxWarp prst="textNoShape">
+                <a:avLst/>
+              </a:prstTxWarp>
+              <a:noAutofit/>
+            </a:bodyPr>
+            <a:lstStyle/>
+            <a:p>
+              <a:pPr algn="ctr"/>
+              <a:endParaRPr lang="ko-KR" altLang="en-US">
+                <a:solidFill>
+                  <a:schemeClr val="tx1"/>
+                </a:solidFill>
+              </a:endParaRPr>
+            </a:p>
+          </p:txBody>
+        </p:sp>
+        <p:sp>
+          <p:nvSpPr>
+            <p:cNvPr id="28" name="아래쪽 화살표 27"/>
+            <p:cNvSpPr/>
+            <p:nvPr/>
+          </p:nvSpPr>
+          <p:spPr>
+            <a:xfrm>
+              <a:off x="5087077" y="3416626"/>
+              <a:ext cx="493810" cy="768777"/>
+            </a:xfrm>
+            <a:prstGeom prst="downArrow">
+              <a:avLst/>
+            </a:prstGeom>
+            <a:solidFill>
+              <a:srgbClr val="C00000"/>
+            </a:solidFill>
+            <a:ln>
+              <a:noFill/>
+            </a:ln>
+          </p:spPr>
+          <p:style>
+            <a:lnRef idx="2">
+              <a:schemeClr val="accent1">
+                <a:shade val="50000"/>
+              </a:schemeClr>
+            </a:lnRef>
+            <a:fillRef idx="1">
+              <a:schemeClr val="accent1"/>
+            </a:fillRef>
+            <a:effectRef idx="0">
+              <a:schemeClr val="accent1"/>
+            </a:effectRef>
+            <a:fontRef idx="minor">
+              <a:schemeClr val="lt1"/>
+            </a:fontRef>
+          </p:style>
+          <p:txBody>
+            <a:bodyPr rot="0" spcFirstLastPara="0" vertOverflow="overflow" horzOverflow="overflow" vert="horz" wrap="square" lIns="91440" tIns="45720" rIns="91440" bIns="45720" numCol="1" spcCol="0" rtlCol="0" fromWordArt="0" anchor="ctr" anchorCtr="0" forceAA="0" compatLnSpc="1">
+              <a:prstTxWarp prst="textNoShape">
+                <a:avLst/>
+              </a:prstTxWarp>
+              <a:noAutofit/>
+            </a:bodyPr>
+            <a:lstStyle/>
+            <a:p>
+              <a:pPr algn="ctr"/>
+              <a:endParaRPr lang="ko-KR" altLang="en-US">
+                <a:solidFill>
+                  <a:schemeClr val="tx1"/>
+                </a:solidFill>
+              </a:endParaRPr>
+            </a:p>
+          </p:txBody>
+        </p:sp>
+        <p:sp>
+          <p:nvSpPr>
+            <p:cNvPr id="30" name="아래쪽 화살표 29"/>
+            <p:cNvSpPr/>
+            <p:nvPr/>
+          </p:nvSpPr>
+          <p:spPr>
+            <a:xfrm>
+              <a:off x="6601900" y="3416626"/>
+              <a:ext cx="493811" cy="768777"/>
+            </a:xfrm>
+            <a:prstGeom prst="downArrow">
+              <a:avLst/>
+            </a:prstGeom>
+            <a:solidFill>
+              <a:srgbClr val="C00000"/>
+            </a:solidFill>
+            <a:ln>
+              <a:noFill/>
+            </a:ln>
+          </p:spPr>
+          <p:style>
+            <a:lnRef idx="2">
+              <a:schemeClr val="accent1">
+                <a:shade val="50000"/>
+              </a:schemeClr>
+            </a:lnRef>
+            <a:fillRef idx="1">
+              <a:schemeClr val="accent1"/>
+            </a:fillRef>
+            <a:effectRef idx="0">
+              <a:schemeClr val="accent1"/>
+            </a:effectRef>
+            <a:fontRef idx="minor">
+              <a:schemeClr val="lt1"/>
+            </a:fontRef>
+          </p:style>
+          <p:txBody>
+            <a:bodyPr rot="0" spcFirstLastPara="0" vertOverflow="overflow" horzOverflow="overflow" vert="horz" wrap="square" lIns="91440" tIns="45720" rIns="91440" bIns="45720" numCol="1" spcCol="0" rtlCol="0" fromWordArt="0" anchor="ctr" anchorCtr="0" forceAA="0" compatLnSpc="1">
+              <a:prstTxWarp prst="textNoShape">
+                <a:avLst/>
+              </a:prstTxWarp>
+              <a:noAutofit/>
+            </a:bodyPr>
+            <a:lstStyle/>
+            <a:p>
+              <a:pPr algn="ctr"/>
+              <a:endParaRPr lang="ko-KR" altLang="en-US">
+                <a:solidFill>
+                  <a:schemeClr val="tx1"/>
+                </a:solidFill>
+              </a:endParaRPr>
+            </a:p>
+          </p:txBody>
+        </p:sp>
+        <p:sp>
+          <p:nvSpPr>
+            <p:cNvPr id="32" name="아래쪽 화살표 31"/>
+            <p:cNvSpPr/>
+            <p:nvPr/>
+          </p:nvSpPr>
+          <p:spPr>
+            <a:xfrm>
+              <a:off x="8171032" y="3416626"/>
+              <a:ext cx="493810" cy="768777"/>
+            </a:xfrm>
+            <a:prstGeom prst="downArrow">
+              <a:avLst/>
+            </a:prstGeom>
+            <a:solidFill>
+              <a:srgbClr val="C00000"/>
+            </a:solidFill>
+            <a:ln>
+              <a:noFill/>
+            </a:ln>
+          </p:spPr>
+          <p:style>
+            <a:lnRef idx="2">
+              <a:schemeClr val="accent1">
+                <a:shade val="50000"/>
+              </a:schemeClr>
+            </a:lnRef>
+            <a:fillRef idx="1">
+              <a:schemeClr val="accent1"/>
+            </a:fillRef>
+            <a:effectRef idx="0">
+              <a:schemeClr val="accent1"/>
+            </a:effectRef>
+            <a:fontRef idx="minor">
+              <a:schemeClr val="lt1"/>
+            </a:fontRef>
+          </p:style>
+          <p:txBody>
+            <a:bodyPr rot="0" spcFirstLastPara="0" vertOverflow="overflow" horzOverflow="overflow" vert="horz" wrap="square" lIns="91440" tIns="45720" rIns="91440" bIns="45720" numCol="1" spcCol="0" rtlCol="0" fromWordArt="0" anchor="ctr" anchorCtr="0" forceAA="0" compatLnSpc="1">
+              <a:prstTxWarp prst="textNoShape">
+                <a:avLst/>
+              </a:prstTxWarp>
+              <a:noAutofit/>
+            </a:bodyPr>
+            <a:lstStyle/>
+            <a:p>
+              <a:pPr algn="ctr"/>
+              <a:endParaRPr lang="ko-KR" altLang="en-US">
+                <a:solidFill>
+                  <a:schemeClr val="tx1"/>
+                </a:solidFill>
+              </a:endParaRPr>
+            </a:p>
+          </p:txBody>
+        </p:sp>
+        <p:sp>
+          <p:nvSpPr>
+            <p:cNvPr id="47" name="아래쪽 화살표 46"/>
+            <p:cNvSpPr/>
+            <p:nvPr/>
+          </p:nvSpPr>
+          <p:spPr>
+            <a:xfrm>
+              <a:off x="9731528" y="3416626"/>
+              <a:ext cx="493810" cy="768777"/>
+            </a:xfrm>
+            <a:prstGeom prst="downArrow">
+              <a:avLst/>
+            </a:prstGeom>
+            <a:solidFill>
+              <a:srgbClr val="C00000"/>
+            </a:solidFill>
+            <a:ln>
+              <a:noFill/>
+            </a:ln>
+          </p:spPr>
+          <p:style>
+            <a:lnRef idx="2">
+              <a:schemeClr val="accent1">
+                <a:shade val="50000"/>
+              </a:schemeClr>
+            </a:lnRef>
+            <a:fillRef idx="1">
+              <a:schemeClr val="accent1"/>
+            </a:fillRef>
+            <a:effectRef idx="0">
+              <a:schemeClr val="accent1"/>
+            </a:effectRef>
+            <a:fontRef idx="minor">
+              <a:schemeClr val="lt1"/>
+            </a:fontRef>
+          </p:style>
+          <p:txBody>
+            <a:bodyPr rot="0" spcFirstLastPara="0" vertOverflow="overflow" horzOverflow="overflow" vert="horz" wrap="square" lIns="91440" tIns="45720" rIns="91440" bIns="45720" numCol="1" spcCol="0" rtlCol="0" fromWordArt="0" anchor="ctr" anchorCtr="0" forceAA="0" compatLnSpc="1">
+              <a:prstTxWarp prst="textNoShape">
+                <a:avLst/>
+              </a:prstTxWarp>
+              <a:noAutofit/>
+            </a:bodyPr>
+            <a:lstStyle/>
+            <a:p>
+              <a:pPr algn="ctr"/>
+              <a:endParaRPr lang="ko-KR" altLang="en-US">
+                <a:solidFill>
+                  <a:schemeClr val="tx1"/>
+                </a:solidFill>
+              </a:endParaRPr>
+            </a:p>
+          </p:txBody>
+        </p:sp>
+        <p:sp>
+          <p:nvSpPr>
+            <p:cNvPr id="34" name="TextBox 33"/>
+            <p:cNvSpPr txBox="1"/>
+            <p:nvPr/>
+          </p:nvSpPr>
+          <p:spPr>
+            <a:xfrm>
+              <a:off x="1841418" y="3493017"/>
+              <a:ext cx="1002982" cy="513022"/>
+            </a:xfrm>
+            <a:prstGeom prst="rect">
+              <a:avLst/>
+            </a:prstGeom>
+            <a:noFill/>
+          </p:spPr>
+          <p:txBody>
+            <a:bodyPr wrap="none" rtlCol="0">
+              <a:spAutoFit/>
+            </a:bodyPr>
+            <a:lstStyle/>
+            <a:p>
+              <a:r>
+                <a:rPr lang="en-US" altLang="ko-KR" sz="3200" dirty="0" smtClean="0"/>
+                <a:t>cursor</a:t>
+              </a:r>
+            </a:p>
+          </p:txBody>
+        </p:sp>
+      </p:grpSp>
+      <p:grpSp>
+        <p:nvGrpSpPr>
+          <p:cNvPr id="64" name="그룹 63"/>
+          <p:cNvGrpSpPr/>
+          <p:nvPr/>
+        </p:nvGrpSpPr>
+        <p:grpSpPr>
+          <a:xfrm>
+            <a:off x="1817511" y="736305"/>
+            <a:ext cx="8535786" cy="518042"/>
+            <a:chOff x="1817511" y="1816744"/>
+            <a:chExt cx="8535786" cy="518042"/>
+          </a:xfrm>
+        </p:grpSpPr>
+        <p:sp>
+          <p:nvSpPr>
+            <p:cNvPr id="36" name="TextBox 35"/>
+            <p:cNvSpPr txBox="1"/>
+            <p:nvPr/>
+          </p:nvSpPr>
+          <p:spPr>
+            <a:xfrm>
+              <a:off x="3547528" y="1816745"/>
+              <a:ext cx="447489" cy="513022"/>
+            </a:xfrm>
+            <a:prstGeom prst="rect">
+              <a:avLst/>
+            </a:prstGeom>
+            <a:noFill/>
+          </p:spPr>
+          <p:txBody>
+            <a:bodyPr wrap="none" rtlCol="0">
+              <a:spAutoFit/>
+            </a:bodyPr>
+            <a:lstStyle/>
+            <a:p>
+              <a:pPr algn="ctr"/>
+              <a:r>
+                <a:rPr lang="en-US" altLang="ko-KR" sz="3200" dirty="0" smtClean="0"/>
+                <a:t>10</a:t>
+              </a:r>
+            </a:p>
+          </p:txBody>
+        </p:sp>
+        <p:sp>
+          <p:nvSpPr>
+            <p:cNvPr id="37" name="TextBox 36"/>
+            <p:cNvSpPr txBox="1"/>
+            <p:nvPr/>
+          </p:nvSpPr>
+          <p:spPr>
+            <a:xfrm>
+              <a:off x="5047060" y="1816744"/>
+              <a:ext cx="477021" cy="513022"/>
+            </a:xfrm>
+            <a:prstGeom prst="rect">
+              <a:avLst/>
+            </a:prstGeom>
+            <a:noFill/>
+          </p:spPr>
+          <p:txBody>
+            <a:bodyPr wrap="none" rtlCol="0">
+              <a:spAutoFit/>
+            </a:bodyPr>
+            <a:lstStyle/>
+            <a:p>
+              <a:pPr algn="ctr"/>
+              <a:r>
+                <a:rPr lang="en-US" altLang="ko-KR" sz="3200" dirty="0" smtClean="0"/>
+                <a:t>50</a:t>
+              </a:r>
+            </a:p>
+          </p:txBody>
+        </p:sp>
+        <p:sp>
+          <p:nvSpPr>
+            <p:cNvPr id="38" name="TextBox 37"/>
+            <p:cNvSpPr txBox="1"/>
+            <p:nvPr/>
+          </p:nvSpPr>
+          <p:spPr>
+            <a:xfrm>
+              <a:off x="6555554" y="1816744"/>
+              <a:ext cx="489678" cy="513022"/>
+            </a:xfrm>
+            <a:prstGeom prst="rect">
+              <a:avLst/>
+            </a:prstGeom>
+            <a:noFill/>
+          </p:spPr>
+          <p:txBody>
+            <a:bodyPr wrap="none" rtlCol="0">
+              <a:spAutoFit/>
+            </a:bodyPr>
+            <a:lstStyle/>
+            <a:p>
+              <a:pPr algn="ctr"/>
+              <a:r>
+                <a:rPr lang="en-US" altLang="ko-KR" sz="3200" dirty="0" smtClean="0"/>
+                <a:t>30</a:t>
+              </a:r>
+            </a:p>
+          </p:txBody>
+        </p:sp>
+        <p:sp>
+          <p:nvSpPr>
+            <p:cNvPr id="40" name="TextBox 39"/>
+            <p:cNvSpPr txBox="1"/>
+            <p:nvPr/>
+          </p:nvSpPr>
+          <p:spPr>
+            <a:xfrm>
+              <a:off x="8117574" y="1816744"/>
+              <a:ext cx="520617" cy="513022"/>
+            </a:xfrm>
+            <a:prstGeom prst="rect">
+              <a:avLst/>
+            </a:prstGeom>
+            <a:noFill/>
+          </p:spPr>
+          <p:txBody>
+            <a:bodyPr wrap="none" rtlCol="0">
+              <a:spAutoFit/>
+            </a:bodyPr>
+            <a:lstStyle/>
+            <a:p>
+              <a:pPr algn="ctr"/>
+              <a:r>
+                <a:rPr lang="en-US" altLang="ko-KR" sz="3200" dirty="0" smtClean="0"/>
+                <a:t>40</a:t>
+              </a:r>
+            </a:p>
+          </p:txBody>
+        </p:sp>
+        <p:sp>
+          <p:nvSpPr>
+            <p:cNvPr id="49" name="TextBox 48"/>
+            <p:cNvSpPr txBox="1"/>
+            <p:nvPr/>
+          </p:nvSpPr>
+          <p:spPr>
+            <a:xfrm>
+              <a:off x="9523460" y="1816744"/>
+              <a:ext cx="829837" cy="513022"/>
+            </a:xfrm>
+            <a:prstGeom prst="rect">
+              <a:avLst/>
+            </a:prstGeom>
+            <a:noFill/>
+          </p:spPr>
+          <p:txBody>
+            <a:bodyPr wrap="none" rtlCol="0">
+              <a:spAutoFit/>
+            </a:bodyPr>
+            <a:lstStyle/>
+            <a:p>
+              <a:pPr algn="ctr"/>
+              <a:r>
+                <a:rPr lang="en-US" altLang="ko-KR" sz="3200" dirty="0" smtClean="0"/>
+                <a:t>Error</a:t>
+              </a:r>
+            </a:p>
+          </p:txBody>
+        </p:sp>
+        <p:sp>
+          <p:nvSpPr>
+            <p:cNvPr id="35" name="TextBox 34"/>
+            <p:cNvSpPr txBox="1"/>
+            <p:nvPr/>
+          </p:nvSpPr>
+          <p:spPr>
+            <a:xfrm>
+              <a:off x="1817511" y="1821764"/>
+              <a:ext cx="1026889" cy="513022"/>
+            </a:xfrm>
+            <a:prstGeom prst="rect">
+              <a:avLst/>
+            </a:prstGeom>
+            <a:noFill/>
+          </p:spPr>
+          <p:txBody>
+            <a:bodyPr wrap="none" rtlCol="0">
+              <a:spAutoFit/>
+            </a:bodyPr>
+            <a:lstStyle/>
+            <a:p>
+              <a:r>
+                <a:rPr lang="en-US" altLang="ko-KR" sz="3200" dirty="0" smtClean="0"/>
+                <a:t>next()</a:t>
+              </a:r>
+            </a:p>
+          </p:txBody>
+        </p:sp>
+      </p:grpSp>
+      <p:grpSp>
+        <p:nvGrpSpPr>
+          <p:cNvPr id="63" name="그룹 62"/>
+          <p:cNvGrpSpPr/>
+          <p:nvPr/>
+        </p:nvGrpSpPr>
+        <p:grpSpPr>
+          <a:xfrm>
+            <a:off x="2188975" y="5581590"/>
+            <a:ext cx="7959711" cy="531683"/>
+            <a:chOff x="2156432" y="620545"/>
+            <a:chExt cx="7959711" cy="531683"/>
+          </a:xfrm>
+        </p:grpSpPr>
+        <p:sp>
+          <p:nvSpPr>
+            <p:cNvPr id="54" name="TextBox 53"/>
+            <p:cNvSpPr txBox="1"/>
+            <p:nvPr/>
+          </p:nvSpPr>
+          <p:spPr>
+            <a:xfrm>
+              <a:off x="2156432" y="620548"/>
+              <a:ext cx="687968" cy="513022"/>
+            </a:xfrm>
+            <a:prstGeom prst="rect">
+              <a:avLst/>
+            </a:prstGeom>
+            <a:noFill/>
+          </p:spPr>
+          <p:txBody>
+            <a:bodyPr wrap="none" rtlCol="0">
+              <a:spAutoFit/>
+            </a:bodyPr>
+            <a:lstStyle/>
+            <a:p>
+              <a:r>
+                <a:rPr lang="en-US" altLang="ko-KR" sz="3200" dirty="0" smtClean="0"/>
+                <a:t>size</a:t>
+              </a:r>
+            </a:p>
+          </p:txBody>
+        </p:sp>
+        <p:sp>
+          <p:nvSpPr>
+            <p:cNvPr id="55" name="TextBox 54"/>
+            <p:cNvSpPr txBox="1"/>
+            <p:nvPr/>
+          </p:nvSpPr>
+          <p:spPr>
+            <a:xfrm>
+              <a:off x="3593936" y="639206"/>
+              <a:ext cx="354673" cy="513022"/>
+            </a:xfrm>
+            <a:prstGeom prst="rect">
+              <a:avLst/>
+            </a:prstGeom>
+            <a:noFill/>
+          </p:spPr>
+          <p:txBody>
+            <a:bodyPr wrap="none" rtlCol="0">
+              <a:spAutoFit/>
+            </a:bodyPr>
+            <a:lstStyle/>
+            <a:p>
+              <a:r>
+                <a:rPr lang="en-US" altLang="ko-KR" sz="3200" dirty="0" smtClean="0"/>
+                <a:t>4</a:t>
+              </a:r>
+            </a:p>
+          </p:txBody>
+        </p:sp>
+        <p:sp>
+          <p:nvSpPr>
+            <p:cNvPr id="72" name="TextBox 71"/>
+            <p:cNvSpPr txBox="1"/>
+            <p:nvPr/>
+          </p:nvSpPr>
+          <p:spPr>
+            <a:xfrm>
+              <a:off x="5133487" y="639206"/>
+              <a:ext cx="354673" cy="513022"/>
+            </a:xfrm>
+            <a:prstGeom prst="rect">
+              <a:avLst/>
+            </a:prstGeom>
+            <a:noFill/>
+          </p:spPr>
+          <p:txBody>
+            <a:bodyPr wrap="none" rtlCol="0">
+              <a:spAutoFit/>
+            </a:bodyPr>
+            <a:lstStyle/>
+            <a:p>
+              <a:r>
+                <a:rPr lang="en-US" altLang="ko-KR" sz="3200" dirty="0" smtClean="0"/>
+                <a:t>4</a:t>
+              </a:r>
+            </a:p>
+          </p:txBody>
+        </p:sp>
+        <p:sp>
+          <p:nvSpPr>
+            <p:cNvPr id="73" name="TextBox 72"/>
+            <p:cNvSpPr txBox="1"/>
+            <p:nvPr/>
+          </p:nvSpPr>
+          <p:spPr>
+            <a:xfrm>
+              <a:off x="6677471" y="620545"/>
+              <a:ext cx="354673" cy="513022"/>
+            </a:xfrm>
+            <a:prstGeom prst="rect">
+              <a:avLst/>
+            </a:prstGeom>
+            <a:noFill/>
+          </p:spPr>
+          <p:txBody>
+            <a:bodyPr wrap="none" rtlCol="0">
+              <a:spAutoFit/>
+            </a:bodyPr>
+            <a:lstStyle/>
+            <a:p>
+              <a:r>
+                <a:rPr lang="en-US" altLang="ko-KR" sz="3200" dirty="0" smtClean="0"/>
+                <a:t>4</a:t>
+              </a:r>
+            </a:p>
+          </p:txBody>
+        </p:sp>
+        <p:sp>
+          <p:nvSpPr>
+            <p:cNvPr id="79" name="TextBox 78"/>
+            <p:cNvSpPr txBox="1"/>
+            <p:nvPr/>
+          </p:nvSpPr>
+          <p:spPr>
+            <a:xfrm>
+              <a:off x="8208057" y="639206"/>
+              <a:ext cx="354673" cy="513022"/>
+            </a:xfrm>
+            <a:prstGeom prst="rect">
+              <a:avLst/>
+            </a:prstGeom>
+            <a:noFill/>
+          </p:spPr>
+          <p:txBody>
+            <a:bodyPr wrap="none" rtlCol="0">
+              <a:spAutoFit/>
+            </a:bodyPr>
+            <a:lstStyle/>
+            <a:p>
+              <a:r>
+                <a:rPr lang="en-US" altLang="ko-KR" sz="3200" dirty="0" smtClean="0"/>
+                <a:t>4</a:t>
+              </a:r>
+            </a:p>
+          </p:txBody>
+        </p:sp>
+        <p:sp>
+          <p:nvSpPr>
+            <p:cNvPr id="80" name="TextBox 79"/>
+            <p:cNvSpPr txBox="1"/>
+            <p:nvPr/>
+          </p:nvSpPr>
+          <p:spPr>
+            <a:xfrm>
+              <a:off x="9761470" y="639206"/>
+              <a:ext cx="354673" cy="513022"/>
+            </a:xfrm>
+            <a:prstGeom prst="rect">
+              <a:avLst/>
+            </a:prstGeom>
+            <a:noFill/>
+          </p:spPr>
+          <p:txBody>
+            <a:bodyPr wrap="none" rtlCol="0">
+              <a:spAutoFit/>
+            </a:bodyPr>
+            <a:lstStyle/>
+            <a:p>
+              <a:r>
+                <a:rPr lang="en-US" altLang="ko-KR" sz="3200" dirty="0" smtClean="0"/>
+                <a:t>4</a:t>
+              </a:r>
+            </a:p>
+          </p:txBody>
+        </p:sp>
+      </p:grpSp>
+      <p:grpSp>
+        <p:nvGrpSpPr>
+          <p:cNvPr id="71" name="그룹 70"/>
+          <p:cNvGrpSpPr/>
+          <p:nvPr/>
+        </p:nvGrpSpPr>
+        <p:grpSpPr>
+          <a:xfrm>
+            <a:off x="3367010" y="4243646"/>
+            <a:ext cx="7114168" cy="967866"/>
+            <a:chOff x="3367010" y="5163705"/>
+            <a:chExt cx="7114168" cy="967866"/>
+          </a:xfrm>
+        </p:grpSpPr>
+        <p:grpSp>
+          <p:nvGrpSpPr>
+            <p:cNvPr id="25" name="그룹 24"/>
+            <p:cNvGrpSpPr/>
+            <p:nvPr/>
+          </p:nvGrpSpPr>
+          <p:grpSpPr>
+            <a:xfrm>
+              <a:off x="3367010" y="5163708"/>
+              <a:ext cx="909135" cy="960813"/>
+              <a:chOff x="3402742" y="3775714"/>
+              <a:chExt cx="1036289" cy="1095195"/>
+            </a:xfrm>
+          </p:grpSpPr>
+          <p:sp>
+            <p:nvSpPr>
+              <p:cNvPr id="18" name="모서리가 둥근 직사각형 17"/>
+              <p:cNvSpPr/>
+              <p:nvPr/>
+            </p:nvSpPr>
+            <p:spPr>
+              <a:xfrm flipH="1">
+                <a:off x="3407058" y="3775714"/>
+                <a:ext cx="1031973" cy="1095195"/>
+              </a:xfrm>
+              <a:prstGeom prst="roundRect">
+                <a:avLst>
+                  <a:gd name="adj" fmla="val 10749"/>
+                </a:avLst>
+              </a:prstGeom>
+              <a:noFill/>
+              <a:ln w="38100">
+                <a:solidFill>
+                  <a:srgbClr val="333333"/>
+                </a:solidFill>
+              </a:ln>
+            </p:spPr>
+            <p:style>
+              <a:lnRef idx="2">
+                <a:schemeClr val="accent1">
+                  <a:shade val="50000"/>
+                </a:schemeClr>
+              </a:lnRef>
+              <a:fillRef idx="1">
+                <a:schemeClr val="accent1"/>
+              </a:fillRef>
+              <a:effectRef idx="0">
+                <a:schemeClr val="accent1"/>
+              </a:effectRef>
+              <a:fontRef idx="minor">
+                <a:schemeClr val="lt1"/>
+              </a:fontRef>
+            </p:style>
+            <p:txBody>
+              <a:bodyPr rot="0" spcFirstLastPara="0" vertOverflow="overflow" horzOverflow="overflow" vert="horz" wrap="square" lIns="68579" tIns="34290" rIns="68579" bIns="34290" numCol="1" spcCol="0" rtlCol="0" fromWordArt="0" anchor="ctr" anchorCtr="0" forceAA="0" compatLnSpc="1">
+                <a:prstTxWarp prst="textNoShape">
+                  <a:avLst/>
+                </a:prstTxWarp>
+                <a:noAutofit/>
+              </a:bodyPr>
+              <a:lstStyle/>
+              <a:p>
+                <a:pPr algn="ctr"/>
+                <a:endParaRPr lang="ko-KR" altLang="en-US" sz="1350" dirty="0">
+                  <a:ln w="38100">
+                    <a:solidFill>
+                      <a:srgbClr val="333333"/>
+                    </a:solidFill>
+                  </a:ln>
+                  <a:noFill/>
+                  <a:latin typeface="+mn-ea"/>
+                </a:endParaRPr>
+              </a:p>
+            </p:txBody>
+          </p:sp>
+          <p:cxnSp>
+            <p:nvCxnSpPr>
+              <p:cNvPr id="19" name="직선 연결선 18"/>
+              <p:cNvCxnSpPr/>
+              <p:nvPr/>
+            </p:nvCxnSpPr>
+            <p:spPr>
+              <a:xfrm>
+                <a:off x="3407058" y="4506499"/>
+                <a:ext cx="1031973" cy="0"/>
+              </a:xfrm>
+              <a:prstGeom prst="line">
+                <a:avLst/>
+              </a:prstGeom>
+              <a:ln w="38100">
+                <a:solidFill>
+                  <a:srgbClr val="333333"/>
+                </a:solidFill>
+              </a:ln>
+            </p:spPr>
+            <p:style>
+              <a:lnRef idx="1">
+                <a:schemeClr val="accent1"/>
+              </a:lnRef>
+              <a:fillRef idx="0">
+                <a:schemeClr val="accent1"/>
+              </a:fillRef>
+              <a:effectRef idx="0">
+                <a:schemeClr val="accent1"/>
+              </a:effectRef>
+              <a:fontRef idx="minor">
+                <a:schemeClr val="tx1"/>
+              </a:fontRef>
+            </p:style>
+          </p:cxnSp>
+          <p:sp>
+            <p:nvSpPr>
+              <p:cNvPr id="20" name="TextBox 19"/>
+              <p:cNvSpPr txBox="1"/>
+              <p:nvPr/>
+            </p:nvSpPr>
+            <p:spPr>
+              <a:xfrm>
+                <a:off x="3402742" y="4510975"/>
+                <a:ext cx="1031972" cy="350824"/>
+              </a:xfrm>
+              <a:prstGeom prst="rect">
+                <a:avLst/>
+              </a:prstGeom>
+              <a:noFill/>
+            </p:spPr>
+            <p:txBody>
+              <a:bodyPr wrap="square" rtlCol="0">
+                <a:spAutoFit/>
+              </a:bodyPr>
+              <a:lstStyle/>
+              <a:p>
+                <a:pPr algn="ctr"/>
+                <a:r>
+                  <a:rPr lang="en-US" altLang="ko-KR" sz="1400" dirty="0">
+                    <a:solidFill>
+                      <a:srgbClr val="333333"/>
+                    </a:solidFill>
+                    <a:latin typeface="+mn-ea"/>
+                  </a:rPr>
+                  <a:t>0</a:t>
+                </a:r>
+                <a:endParaRPr lang="ko-KR" altLang="en-US" sz="1400" dirty="0">
+                  <a:solidFill>
+                    <a:srgbClr val="333333"/>
+                  </a:solidFill>
+                  <a:latin typeface="+mn-ea"/>
+                </a:endParaRPr>
+              </a:p>
+            </p:txBody>
+          </p:sp>
+          <p:sp>
+            <p:nvSpPr>
+              <p:cNvPr id="21" name="TextBox 20"/>
+              <p:cNvSpPr txBox="1"/>
+              <p:nvPr/>
+            </p:nvSpPr>
+            <p:spPr>
+              <a:xfrm>
+                <a:off x="3402742" y="3935423"/>
+                <a:ext cx="1031972" cy="415498"/>
+              </a:xfrm>
+              <a:prstGeom prst="rect">
+                <a:avLst/>
+              </a:prstGeom>
+              <a:noFill/>
+            </p:spPr>
+            <p:txBody>
+              <a:bodyPr wrap="square" rtlCol="0" anchor="ctr">
+                <a:spAutoFit/>
+              </a:bodyPr>
+              <a:lstStyle/>
+              <a:p>
+                <a:pPr algn="ctr"/>
+                <a:r>
+                  <a:rPr lang="en-US" altLang="ko-KR" sz="2100" dirty="0" smtClean="0">
+                    <a:solidFill>
+                      <a:srgbClr val="333333"/>
+                    </a:solidFill>
+                    <a:latin typeface="+mn-ea"/>
+                  </a:rPr>
+                  <a:t>10</a:t>
+                </a:r>
+                <a:endParaRPr lang="ko-KR" altLang="en-US" sz="2100" dirty="0">
+                  <a:solidFill>
+                    <a:srgbClr val="333333"/>
+                  </a:solidFill>
+                  <a:latin typeface="+mn-ea"/>
+                </a:endParaRPr>
+              </a:p>
+            </p:txBody>
+          </p:sp>
+        </p:grpSp>
+        <p:grpSp>
+          <p:nvGrpSpPr>
+            <p:cNvPr id="26" name="그룹 25"/>
+            <p:cNvGrpSpPr/>
+            <p:nvPr/>
+          </p:nvGrpSpPr>
+          <p:grpSpPr>
+            <a:xfrm>
+              <a:off x="4885621" y="5170758"/>
+              <a:ext cx="935296" cy="960813"/>
+              <a:chOff x="4848490" y="3783750"/>
+              <a:chExt cx="1066109" cy="1095195"/>
+            </a:xfrm>
+          </p:grpSpPr>
+          <p:sp>
+            <p:nvSpPr>
+              <p:cNvPr id="22" name="TextBox 21"/>
+              <p:cNvSpPr txBox="1"/>
+              <p:nvPr/>
+            </p:nvSpPr>
+            <p:spPr>
+              <a:xfrm>
+                <a:off x="4882627" y="4510975"/>
+                <a:ext cx="1031972" cy="350824"/>
+              </a:xfrm>
+              <a:prstGeom prst="rect">
+                <a:avLst/>
+              </a:prstGeom>
+              <a:noFill/>
+            </p:spPr>
+            <p:txBody>
+              <a:bodyPr wrap="square" rtlCol="0">
+                <a:spAutoFit/>
+              </a:bodyPr>
+              <a:lstStyle/>
+              <a:p>
+                <a:pPr algn="ctr"/>
+                <a:r>
+                  <a:rPr lang="en-US" altLang="ko-KR" sz="1400" dirty="0">
+                    <a:solidFill>
+                      <a:srgbClr val="333333"/>
+                    </a:solidFill>
+                    <a:latin typeface="+mn-ea"/>
+                  </a:rPr>
+                  <a:t>1</a:t>
+                </a:r>
+                <a:endParaRPr lang="ko-KR" altLang="en-US" sz="1400" dirty="0">
+                  <a:solidFill>
+                    <a:srgbClr val="333333"/>
+                  </a:solidFill>
+                  <a:latin typeface="+mn-ea"/>
+                </a:endParaRPr>
+              </a:p>
+            </p:txBody>
+          </p:sp>
+          <p:grpSp>
+            <p:nvGrpSpPr>
+              <p:cNvPr id="6" name="그룹 5"/>
+              <p:cNvGrpSpPr/>
+              <p:nvPr/>
+            </p:nvGrpSpPr>
+            <p:grpSpPr>
+              <a:xfrm>
+                <a:off x="4848490" y="3783750"/>
+                <a:ext cx="1036300" cy="1095195"/>
+                <a:chOff x="649468" y="1556951"/>
+                <a:chExt cx="873788" cy="839506"/>
+              </a:xfrm>
+            </p:grpSpPr>
+            <p:sp>
+              <p:nvSpPr>
+                <p:cNvPr id="7" name="모서리가 둥근 직사각형 6"/>
+                <p:cNvSpPr/>
+                <p:nvPr/>
+              </p:nvSpPr>
+              <p:spPr>
+                <a:xfrm flipH="1">
+                  <a:off x="653111" y="1556951"/>
+                  <a:ext cx="870145" cy="839506"/>
+                </a:xfrm>
+                <a:prstGeom prst="roundRect">
+                  <a:avLst>
+                    <a:gd name="adj" fmla="val 10749"/>
+                  </a:avLst>
+                </a:prstGeom>
+                <a:noFill/>
+                <a:ln w="38100">
+                  <a:solidFill>
+                    <a:schemeClr val="tx1">
+                      <a:lumMod val="85000"/>
+                      <a:lumOff val="15000"/>
+                    </a:schemeClr>
+                  </a:solidFill>
+                </a:ln>
+              </p:spPr>
+              <p:style>
+                <a:lnRef idx="2">
+                  <a:schemeClr val="accent1">
+                    <a:shade val="50000"/>
+                  </a:schemeClr>
+                </a:lnRef>
+                <a:fillRef idx="1">
+                  <a:schemeClr val="accent1"/>
+                </a:fillRef>
+                <a:effectRef idx="0">
+                  <a:schemeClr val="accent1"/>
+                </a:effectRef>
+                <a:fontRef idx="minor">
+                  <a:schemeClr val="lt1"/>
+                </a:fontRef>
+              </p:style>
+              <p:txBody>
+                <a:bodyPr rot="0" spcFirstLastPara="0" vertOverflow="overflow" horzOverflow="overflow" vert="horz" wrap="square" lIns="68579" tIns="34290" rIns="68579" bIns="34290" numCol="1" spcCol="0" rtlCol="0" fromWordArt="0" anchor="ctr" anchorCtr="0" forceAA="0" compatLnSpc="1">
+                  <a:prstTxWarp prst="textNoShape">
+                    <a:avLst/>
+                  </a:prstTxWarp>
+                  <a:noAutofit/>
+                </a:bodyPr>
+                <a:lstStyle/>
+                <a:p>
+                  <a:pPr algn="ctr"/>
+                  <a:endParaRPr lang="ko-KR" altLang="en-US" sz="1350" dirty="0">
+                    <a:ln w="38100">
+                      <a:solidFill>
+                        <a:srgbClr val="333333"/>
+                      </a:solidFill>
+                    </a:ln>
+                    <a:noFill/>
+                    <a:latin typeface="+mn-ea"/>
+                  </a:endParaRPr>
+                </a:p>
+              </p:txBody>
+            </p:sp>
+            <p:cxnSp>
+              <p:nvCxnSpPr>
+                <p:cNvPr id="8" name="직선 연결선 7"/>
+                <p:cNvCxnSpPr/>
+                <p:nvPr/>
+              </p:nvCxnSpPr>
+              <p:spPr>
+                <a:xfrm>
+                  <a:off x="653111" y="2117124"/>
+                  <a:ext cx="870143" cy="0"/>
+                </a:xfrm>
+                <a:prstGeom prst="line">
+                  <a:avLst/>
+                </a:prstGeom>
+                <a:ln w="38100">
+                  <a:solidFill>
+                    <a:srgbClr val="333333"/>
+                  </a:solidFill>
+                </a:ln>
+              </p:spPr>
+              <p:style>
+                <a:lnRef idx="1">
+                  <a:schemeClr val="accent1"/>
+                </a:lnRef>
+                <a:fillRef idx="0">
+                  <a:schemeClr val="accent1"/>
+                </a:fillRef>
+                <a:effectRef idx="0">
+                  <a:schemeClr val="accent1"/>
+                </a:effectRef>
+                <a:fontRef idx="minor">
+                  <a:schemeClr val="tx1"/>
+                </a:fontRef>
+              </p:style>
+            </p:cxnSp>
+            <p:sp>
+              <p:nvSpPr>
+                <p:cNvPr id="9" name="TextBox 8"/>
+                <p:cNvSpPr txBox="1"/>
+                <p:nvPr/>
+              </p:nvSpPr>
+              <p:spPr>
+                <a:xfrm>
+                  <a:off x="649468" y="1679374"/>
+                  <a:ext cx="870143" cy="318494"/>
+                </a:xfrm>
+                <a:prstGeom prst="rect">
+                  <a:avLst/>
+                </a:prstGeom>
+                <a:noFill/>
+              </p:spPr>
+              <p:txBody>
+                <a:bodyPr wrap="square" rtlCol="0" anchor="ctr">
+                  <a:spAutoFit/>
+                </a:bodyPr>
+                <a:lstStyle/>
+                <a:p>
+                  <a:pPr algn="ctr"/>
+                  <a:r>
+                    <a:rPr lang="en-US" altLang="ko-KR" sz="2100" dirty="0" smtClean="0">
+                      <a:solidFill>
+                        <a:srgbClr val="333333"/>
+                      </a:solidFill>
+                      <a:latin typeface="+mn-ea"/>
+                    </a:rPr>
+                    <a:t>50</a:t>
+                  </a:r>
+                  <a:endParaRPr lang="ko-KR" altLang="en-US" sz="2100" dirty="0">
+                    <a:solidFill>
+                      <a:srgbClr val="333333"/>
+                    </a:solidFill>
+                    <a:latin typeface="+mn-ea"/>
+                  </a:endParaRPr>
+                </a:p>
+              </p:txBody>
+            </p:sp>
+          </p:grpSp>
+        </p:grpSp>
+        <p:grpSp>
+          <p:nvGrpSpPr>
+            <p:cNvPr id="4" name="그룹 3"/>
+            <p:cNvGrpSpPr/>
+            <p:nvPr/>
+          </p:nvGrpSpPr>
+          <p:grpSpPr>
+            <a:xfrm>
+              <a:off x="6434677" y="5163705"/>
+              <a:ext cx="909135" cy="960812"/>
+              <a:chOff x="1877654" y="1556951"/>
+              <a:chExt cx="873783" cy="839506"/>
+            </a:xfrm>
+          </p:grpSpPr>
+          <p:sp>
+            <p:nvSpPr>
+              <p:cNvPr id="14" name="모서리가 둥근 직사각형 13"/>
+              <p:cNvSpPr/>
+              <p:nvPr/>
+            </p:nvSpPr>
+            <p:spPr>
+              <a:xfrm flipH="1">
+                <a:off x="1881293" y="1556951"/>
+                <a:ext cx="870144" cy="839506"/>
+              </a:xfrm>
+              <a:prstGeom prst="roundRect">
+                <a:avLst>
+                  <a:gd name="adj" fmla="val 10749"/>
+                </a:avLst>
+              </a:prstGeom>
+              <a:noFill/>
+              <a:ln w="38100">
+                <a:solidFill>
+                  <a:srgbClr val="333333"/>
+                </a:solidFill>
+              </a:ln>
+            </p:spPr>
+            <p:style>
+              <a:lnRef idx="2">
+                <a:schemeClr val="accent1">
+                  <a:shade val="50000"/>
+                </a:schemeClr>
+              </a:lnRef>
+              <a:fillRef idx="1">
+                <a:schemeClr val="accent1"/>
+              </a:fillRef>
+              <a:effectRef idx="0">
+                <a:schemeClr val="accent1"/>
+              </a:effectRef>
+              <a:fontRef idx="minor">
+                <a:schemeClr val="lt1"/>
+              </a:fontRef>
+            </p:style>
+            <p:txBody>
+              <a:bodyPr rot="0" spcFirstLastPara="0" vertOverflow="overflow" horzOverflow="overflow" vert="horz" wrap="square" lIns="68579" tIns="34290" rIns="68579" bIns="34290" numCol="1" spcCol="0" rtlCol="0" fromWordArt="0" anchor="ctr" anchorCtr="0" forceAA="0" compatLnSpc="1">
+                <a:prstTxWarp prst="textNoShape">
+                  <a:avLst/>
+                </a:prstTxWarp>
+                <a:noAutofit/>
+              </a:bodyPr>
+              <a:lstStyle/>
+              <a:p>
+                <a:pPr algn="ctr"/>
+                <a:endParaRPr lang="ko-KR" altLang="en-US" sz="1350" dirty="0">
+                  <a:ln w="38100">
+                    <a:solidFill>
+                      <a:srgbClr val="333333"/>
+                    </a:solidFill>
+                  </a:ln>
+                  <a:noFill/>
+                  <a:latin typeface="+mn-ea"/>
+                </a:endParaRPr>
+              </a:p>
+            </p:txBody>
+          </p:sp>
+          <p:cxnSp>
+            <p:nvCxnSpPr>
+              <p:cNvPr id="15" name="직선 연결선 14"/>
+              <p:cNvCxnSpPr/>
+              <p:nvPr/>
+            </p:nvCxnSpPr>
+            <p:spPr>
+              <a:xfrm>
+                <a:off x="1881293" y="2117124"/>
+                <a:ext cx="870144" cy="0"/>
+              </a:xfrm>
+              <a:prstGeom prst="line">
+                <a:avLst/>
+              </a:prstGeom>
+              <a:ln w="38100">
+                <a:solidFill>
+                  <a:srgbClr val="333333"/>
+                </a:solidFill>
+              </a:ln>
+            </p:spPr>
+            <p:style>
+              <a:lnRef idx="1">
+                <a:schemeClr val="accent1"/>
+              </a:lnRef>
+              <a:fillRef idx="0">
+                <a:schemeClr val="accent1"/>
+              </a:fillRef>
+              <a:effectRef idx="0">
+                <a:schemeClr val="accent1"/>
+              </a:effectRef>
+              <a:fontRef idx="minor">
+                <a:schemeClr val="tx1"/>
+              </a:fontRef>
+            </p:style>
+          </p:cxnSp>
+          <p:sp>
+            <p:nvSpPr>
+              <p:cNvPr id="16" name="TextBox 15"/>
+              <p:cNvSpPr txBox="1"/>
+              <p:nvPr/>
+            </p:nvSpPr>
+            <p:spPr>
+              <a:xfrm>
+                <a:off x="1877654" y="2120555"/>
+                <a:ext cx="870143" cy="268919"/>
+              </a:xfrm>
+              <a:prstGeom prst="rect">
+                <a:avLst/>
+              </a:prstGeom>
+              <a:noFill/>
+            </p:spPr>
+            <p:txBody>
+              <a:bodyPr wrap="square" rtlCol="0">
+                <a:spAutoFit/>
+              </a:bodyPr>
+              <a:lstStyle/>
+              <a:p>
+                <a:pPr algn="ctr"/>
+                <a:r>
+                  <a:rPr lang="en-US" altLang="ko-KR" sz="1400" dirty="0" smtClean="0">
+                    <a:solidFill>
+                      <a:srgbClr val="333333"/>
+                    </a:solidFill>
+                    <a:latin typeface="+mn-ea"/>
+                  </a:rPr>
+                  <a:t>2</a:t>
+                </a:r>
+                <a:endParaRPr lang="ko-KR" altLang="en-US" sz="1400" dirty="0">
+                  <a:solidFill>
+                    <a:srgbClr val="333333"/>
+                  </a:solidFill>
+                  <a:latin typeface="+mn-ea"/>
+                </a:endParaRPr>
+              </a:p>
+            </p:txBody>
+          </p:sp>
+          <p:sp>
+            <p:nvSpPr>
+              <p:cNvPr id="17" name="TextBox 16"/>
+              <p:cNvSpPr txBox="1"/>
+              <p:nvPr/>
+            </p:nvSpPr>
+            <p:spPr>
+              <a:xfrm>
+                <a:off x="1877654" y="1679374"/>
+                <a:ext cx="870143" cy="318494"/>
+              </a:xfrm>
+              <a:prstGeom prst="rect">
+                <a:avLst/>
+              </a:prstGeom>
+              <a:noFill/>
+            </p:spPr>
+            <p:txBody>
+              <a:bodyPr wrap="square" rtlCol="0" anchor="ctr">
+                <a:spAutoFit/>
+              </a:bodyPr>
+              <a:lstStyle/>
+              <a:p>
+                <a:pPr algn="ctr"/>
+                <a:r>
+                  <a:rPr lang="en-US" altLang="ko-KR" sz="2100" dirty="0" smtClean="0">
+                    <a:solidFill>
+                      <a:srgbClr val="333333"/>
+                    </a:solidFill>
+                    <a:latin typeface="+mn-ea"/>
+                  </a:rPr>
+                  <a:t>30</a:t>
+                </a:r>
+                <a:endParaRPr lang="ko-KR" altLang="en-US" sz="2100" dirty="0">
+                  <a:solidFill>
+                    <a:srgbClr val="333333"/>
+                  </a:solidFill>
+                  <a:latin typeface="+mn-ea"/>
+                </a:endParaRPr>
+              </a:p>
+            </p:txBody>
+          </p:sp>
+        </p:grpSp>
+        <p:grpSp>
+          <p:nvGrpSpPr>
+            <p:cNvPr id="5" name="그룹 4"/>
+            <p:cNvGrpSpPr/>
+            <p:nvPr/>
+          </p:nvGrpSpPr>
+          <p:grpSpPr>
+            <a:xfrm>
+              <a:off x="7995170" y="5163705"/>
+              <a:ext cx="2486008" cy="960812"/>
+              <a:chOff x="1877654" y="1556951"/>
+              <a:chExt cx="2389339" cy="839506"/>
+            </a:xfrm>
+          </p:grpSpPr>
+          <p:sp>
+            <p:nvSpPr>
+              <p:cNvPr id="10" name="모서리가 둥근 직사각형 9"/>
+              <p:cNvSpPr/>
+              <p:nvPr/>
+            </p:nvSpPr>
+            <p:spPr>
+              <a:xfrm flipH="1">
+                <a:off x="1881293" y="1556951"/>
+                <a:ext cx="870144" cy="839506"/>
+              </a:xfrm>
+              <a:prstGeom prst="roundRect">
+                <a:avLst>
+                  <a:gd name="adj" fmla="val 10749"/>
+                </a:avLst>
+              </a:prstGeom>
+              <a:noFill/>
+              <a:ln w="38100">
+                <a:solidFill>
+                  <a:srgbClr val="333333"/>
+                </a:solidFill>
+              </a:ln>
+            </p:spPr>
+            <p:style>
+              <a:lnRef idx="2">
+                <a:schemeClr val="accent1">
+                  <a:shade val="50000"/>
+                </a:schemeClr>
+              </a:lnRef>
+              <a:fillRef idx="1">
+                <a:schemeClr val="accent1"/>
+              </a:fillRef>
+              <a:effectRef idx="0">
+                <a:schemeClr val="accent1"/>
+              </a:effectRef>
+              <a:fontRef idx="minor">
+                <a:schemeClr val="lt1"/>
+              </a:fontRef>
+            </p:style>
+            <p:txBody>
+              <a:bodyPr rot="0" spcFirstLastPara="0" vertOverflow="overflow" horzOverflow="overflow" vert="horz" wrap="square" lIns="68579" tIns="34290" rIns="68579" bIns="34290" numCol="1" spcCol="0" rtlCol="0" fromWordArt="0" anchor="ctr" anchorCtr="0" forceAA="0" compatLnSpc="1">
+                <a:prstTxWarp prst="textNoShape">
+                  <a:avLst/>
+                </a:prstTxWarp>
+                <a:noAutofit/>
+              </a:bodyPr>
+              <a:lstStyle/>
+              <a:p>
+                <a:pPr algn="ctr"/>
+                <a:endParaRPr lang="ko-KR" altLang="en-US" sz="1350" dirty="0">
+                  <a:ln w="38100">
+                    <a:solidFill>
+                      <a:srgbClr val="333333"/>
+                    </a:solidFill>
+                  </a:ln>
+                  <a:noFill/>
+                  <a:latin typeface="+mn-ea"/>
+                </a:endParaRPr>
+              </a:p>
+            </p:txBody>
+          </p:sp>
+          <p:cxnSp>
+            <p:nvCxnSpPr>
+              <p:cNvPr id="11" name="직선 연결선 10"/>
+              <p:cNvCxnSpPr/>
+              <p:nvPr/>
+            </p:nvCxnSpPr>
+            <p:spPr>
+              <a:xfrm>
+                <a:off x="1881293" y="2117124"/>
+                <a:ext cx="870144" cy="0"/>
+              </a:xfrm>
+              <a:prstGeom prst="line">
+                <a:avLst/>
+              </a:prstGeom>
+              <a:ln w="38100">
+                <a:solidFill>
+                  <a:srgbClr val="333333"/>
+                </a:solidFill>
+              </a:ln>
+            </p:spPr>
+            <p:style>
+              <a:lnRef idx="1">
+                <a:schemeClr val="accent1"/>
+              </a:lnRef>
+              <a:fillRef idx="0">
+                <a:schemeClr val="accent1"/>
+              </a:fillRef>
+              <a:effectRef idx="0">
+                <a:schemeClr val="accent1"/>
+              </a:effectRef>
+              <a:fontRef idx="minor">
+                <a:schemeClr val="tx1"/>
+              </a:fontRef>
+            </p:style>
+          </p:cxnSp>
+          <p:sp>
+            <p:nvSpPr>
+              <p:cNvPr id="12" name="TextBox 11"/>
+              <p:cNvSpPr txBox="1"/>
+              <p:nvPr/>
+            </p:nvSpPr>
+            <p:spPr>
+              <a:xfrm>
+                <a:off x="1877654" y="2120555"/>
+                <a:ext cx="870143" cy="268919"/>
+              </a:xfrm>
+              <a:prstGeom prst="rect">
+                <a:avLst/>
+              </a:prstGeom>
+              <a:noFill/>
+            </p:spPr>
+            <p:txBody>
+              <a:bodyPr wrap="square" rtlCol="0">
+                <a:spAutoFit/>
+              </a:bodyPr>
+              <a:lstStyle/>
+              <a:p>
+                <a:pPr algn="ctr"/>
+                <a:r>
+                  <a:rPr lang="en-US" altLang="ko-KR" sz="1400" dirty="0" smtClean="0">
+                    <a:solidFill>
+                      <a:srgbClr val="333333"/>
+                    </a:solidFill>
+                    <a:latin typeface="+mn-ea"/>
+                  </a:rPr>
+                  <a:t>3</a:t>
+                </a:r>
+                <a:endParaRPr lang="ko-KR" altLang="en-US" sz="1400" dirty="0">
+                  <a:solidFill>
+                    <a:srgbClr val="333333"/>
+                  </a:solidFill>
+                  <a:latin typeface="+mn-ea"/>
+                </a:endParaRPr>
+              </a:p>
+            </p:txBody>
+          </p:sp>
+          <p:sp>
+            <p:nvSpPr>
+              <p:cNvPr id="13" name="TextBox 12"/>
+              <p:cNvSpPr txBox="1"/>
+              <p:nvPr/>
+            </p:nvSpPr>
+            <p:spPr>
+              <a:xfrm>
+                <a:off x="1877654" y="1679374"/>
+                <a:ext cx="870143" cy="318494"/>
+              </a:xfrm>
+              <a:prstGeom prst="rect">
+                <a:avLst/>
+              </a:prstGeom>
+              <a:noFill/>
+            </p:spPr>
+            <p:txBody>
+              <a:bodyPr wrap="square" rtlCol="0" anchor="ctr">
+                <a:spAutoFit/>
+              </a:bodyPr>
+              <a:lstStyle/>
+              <a:p>
+                <a:pPr algn="ctr"/>
+                <a:r>
+                  <a:rPr lang="en-US" altLang="ko-KR" sz="2100" dirty="0" smtClean="0">
+                    <a:solidFill>
+                      <a:srgbClr val="333333"/>
+                    </a:solidFill>
+                    <a:latin typeface="+mn-ea"/>
+                  </a:rPr>
+                  <a:t>40</a:t>
+                </a:r>
+                <a:endParaRPr lang="ko-KR" altLang="en-US" sz="2100" dirty="0">
+                  <a:solidFill>
+                    <a:srgbClr val="333333"/>
+                  </a:solidFill>
+                  <a:latin typeface="+mn-ea"/>
+                </a:endParaRPr>
+              </a:p>
+            </p:txBody>
+          </p:sp>
+          <p:sp>
+            <p:nvSpPr>
+              <p:cNvPr id="81" name="TextBox 80"/>
+              <p:cNvSpPr txBox="1"/>
+              <p:nvPr/>
+            </p:nvSpPr>
+            <p:spPr>
+              <a:xfrm>
+                <a:off x="3375274" y="2120555"/>
+                <a:ext cx="870143" cy="268919"/>
+              </a:xfrm>
+              <a:prstGeom prst="rect">
+                <a:avLst/>
+              </a:prstGeom>
+              <a:noFill/>
+            </p:spPr>
+            <p:txBody>
+              <a:bodyPr wrap="square" rtlCol="0">
+                <a:spAutoFit/>
+              </a:bodyPr>
+              <a:lstStyle/>
+              <a:p>
+                <a:pPr algn="ctr"/>
+                <a:r>
+                  <a:rPr lang="en-US" altLang="ko-KR" sz="1400" dirty="0" smtClean="0">
+                    <a:solidFill>
+                      <a:srgbClr val="333333"/>
+                    </a:solidFill>
+                    <a:latin typeface="+mn-ea"/>
+                  </a:rPr>
+                  <a:t>4</a:t>
+                </a:r>
+                <a:endParaRPr lang="ko-KR" altLang="en-US" sz="1400" dirty="0">
+                  <a:solidFill>
+                    <a:srgbClr val="333333"/>
+                  </a:solidFill>
+                  <a:latin typeface="+mn-ea"/>
+                </a:endParaRPr>
+              </a:p>
+            </p:txBody>
+          </p:sp>
+          <p:cxnSp>
+            <p:nvCxnSpPr>
+              <p:cNvPr id="82" name="직선 연결선 81"/>
+              <p:cNvCxnSpPr/>
+              <p:nvPr/>
+            </p:nvCxnSpPr>
+            <p:spPr>
+              <a:xfrm>
+                <a:off x="3396849" y="2117124"/>
+                <a:ext cx="870144" cy="0"/>
+              </a:xfrm>
+              <a:prstGeom prst="line">
+                <a:avLst/>
+              </a:prstGeom>
+              <a:ln w="38100">
+                <a:solidFill>
+                  <a:srgbClr val="333333"/>
+                </a:solidFill>
+                <a:prstDash val="dash"/>
+              </a:ln>
+            </p:spPr>
+            <p:style>
+              <a:lnRef idx="1">
+                <a:schemeClr val="accent1"/>
+              </a:lnRef>
+              <a:fillRef idx="0">
+                <a:schemeClr val="accent1"/>
+              </a:fillRef>
+              <a:effectRef idx="0">
+                <a:schemeClr val="accent1"/>
+              </a:effectRef>
+              <a:fontRef idx="minor">
+                <a:schemeClr val="tx1"/>
+              </a:fontRef>
+            </p:style>
+          </p:cxnSp>
+        </p:grpSp>
+        <p:grpSp>
+          <p:nvGrpSpPr>
+            <p:cNvPr id="46" name="그룹 45"/>
+            <p:cNvGrpSpPr/>
+            <p:nvPr/>
+          </p:nvGrpSpPr>
+          <p:grpSpPr>
+            <a:xfrm>
+              <a:off x="9555666" y="5163707"/>
+              <a:ext cx="909135" cy="960813"/>
+              <a:chOff x="1877654" y="1556951"/>
+              <a:chExt cx="873783" cy="839506"/>
+            </a:xfrm>
+          </p:grpSpPr>
+          <p:sp>
+            <p:nvSpPr>
+              <p:cNvPr id="50" name="모서리가 둥근 직사각형 49"/>
+              <p:cNvSpPr/>
+              <p:nvPr/>
+            </p:nvSpPr>
+            <p:spPr>
+              <a:xfrm flipH="1">
+                <a:off x="1881293" y="1556951"/>
+                <a:ext cx="870144" cy="839506"/>
+              </a:xfrm>
+              <a:prstGeom prst="roundRect">
+                <a:avLst>
+                  <a:gd name="adj" fmla="val 10749"/>
+                </a:avLst>
+              </a:prstGeom>
+              <a:noFill/>
+              <a:ln w="38100">
+                <a:solidFill>
+                  <a:srgbClr val="333333"/>
+                </a:solidFill>
+                <a:prstDash val="dash"/>
+              </a:ln>
+            </p:spPr>
+            <p:style>
+              <a:lnRef idx="2">
+                <a:schemeClr val="accent1">
+                  <a:shade val="50000"/>
+                </a:schemeClr>
+              </a:lnRef>
+              <a:fillRef idx="1">
+                <a:schemeClr val="accent1"/>
+              </a:fillRef>
+              <a:effectRef idx="0">
+                <a:schemeClr val="accent1"/>
+              </a:effectRef>
+              <a:fontRef idx="minor">
+                <a:schemeClr val="lt1"/>
+              </a:fontRef>
+            </p:style>
+            <p:txBody>
+              <a:bodyPr rot="0" spcFirstLastPara="0" vertOverflow="overflow" horzOverflow="overflow" vert="horz" wrap="square" lIns="68579" tIns="34290" rIns="68579" bIns="34290" numCol="1" spcCol="0" rtlCol="0" fromWordArt="0" anchor="ctr" anchorCtr="0" forceAA="0" compatLnSpc="1">
+                <a:prstTxWarp prst="textNoShape">
+                  <a:avLst/>
+                </a:prstTxWarp>
+                <a:noAutofit/>
+              </a:bodyPr>
+              <a:lstStyle/>
+              <a:p>
+                <a:pPr algn="ctr"/>
+                <a:endParaRPr lang="ko-KR" altLang="en-US" sz="1350" dirty="0">
+                  <a:ln w="38100">
+                    <a:solidFill>
+                      <a:srgbClr val="333333"/>
+                    </a:solidFill>
+                  </a:ln>
+                  <a:noFill/>
+                  <a:latin typeface="+mn-ea"/>
+                </a:endParaRPr>
+              </a:p>
+            </p:txBody>
+          </p:sp>
+          <p:sp>
+            <p:nvSpPr>
+              <p:cNvPr id="53" name="TextBox 52"/>
+              <p:cNvSpPr txBox="1"/>
+              <p:nvPr/>
+            </p:nvSpPr>
+            <p:spPr>
+              <a:xfrm>
+                <a:off x="1877654" y="1679374"/>
+                <a:ext cx="870143" cy="318494"/>
+              </a:xfrm>
+              <a:prstGeom prst="rect">
+                <a:avLst/>
+              </a:prstGeom>
+              <a:noFill/>
+            </p:spPr>
+            <p:txBody>
+              <a:bodyPr wrap="square" rtlCol="0" anchor="ctr">
+                <a:spAutoFit/>
+              </a:bodyPr>
+              <a:lstStyle/>
+              <a:p>
+                <a:pPr algn="ctr"/>
+                <a:endParaRPr lang="ko-KR" altLang="en-US" sz="2100" dirty="0">
+                  <a:solidFill>
+                    <a:srgbClr val="333333"/>
+                  </a:solidFill>
+                  <a:latin typeface="+mn-ea"/>
+                </a:endParaRPr>
+              </a:p>
+            </p:txBody>
+          </p:sp>
+        </p:grpSp>
+      </p:grpSp>
+      <p:sp>
+        <p:nvSpPr>
+          <p:cNvPr id="68" name="TextBox 67"/>
+          <p:cNvSpPr txBox="1"/>
+          <p:nvPr/>
+        </p:nvSpPr>
+        <p:spPr>
+          <a:xfrm>
+            <a:off x="1735014" y="2289982"/>
+            <a:ext cx="1350050" cy="369332"/>
+          </a:xfrm>
+          <a:prstGeom prst="rect">
+            <a:avLst/>
+          </a:prstGeom>
+          <a:noFill/>
+        </p:spPr>
+        <p:txBody>
+          <a:bodyPr wrap="none" rtlCol="0">
+            <a:spAutoFit/>
+          </a:bodyPr>
+          <a:lstStyle/>
+          <a:p>
+            <a:r>
+              <a:rPr lang="en-US" altLang="ko-KR" dirty="0" smtClean="0"/>
+              <a:t>size </a:t>
+            </a:r>
+            <a:r>
+              <a:rPr lang="en-US" altLang="ko-KR" dirty="0"/>
+              <a:t>!= cursor</a:t>
+            </a:r>
+            <a:endParaRPr lang="en-US" altLang="ko-KR" dirty="0"/>
+          </a:p>
+        </p:txBody>
+      </p:sp>
+      <p:sp>
+        <p:nvSpPr>
+          <p:cNvPr id="70" name="직사각형 69"/>
+          <p:cNvSpPr/>
+          <p:nvPr/>
+        </p:nvSpPr>
+        <p:spPr>
+          <a:xfrm>
+            <a:off x="867614" y="1207793"/>
+            <a:ext cx="2237279" cy="369332"/>
+          </a:xfrm>
+          <a:prstGeom prst="rect">
+            <a:avLst/>
+          </a:prstGeom>
+        </p:spPr>
+        <p:txBody>
+          <a:bodyPr wrap="none">
+            <a:spAutoFit/>
+          </a:bodyPr>
+          <a:lstStyle/>
+          <a:p>
+            <a:r>
+              <a:rPr lang="en-US" altLang="ko-KR" dirty="0" smtClean="0"/>
+              <a:t>elementData[cursor</a:t>
+            </a:r>
+            <a:r>
+              <a:rPr lang="en-US" altLang="ko-KR" dirty="0"/>
+              <a:t>++];</a:t>
+            </a:r>
+            <a:endParaRPr lang="ko-KR" altLang="en-US" dirty="0"/>
+          </a:p>
+        </p:txBody>
+      </p:sp>
+    </p:spTree>
+    <p:extLst>
+      <p:ext uri="{BB962C8B-B14F-4D97-AF65-F5344CB8AC3E}">
+        <p14:creationId xmlns:p14="http://schemas.microsoft.com/office/powerpoint/2010/main" val="3099516192"/>
+      </p:ext>
+    </p:extLst>
+  </p:cSld>
+  <p:clrMapOvr>
+    <a:masterClrMapping/>
+  </p:clrMapOvr>
+  <p:timing>
+    <p:tnLst>
+      <p:par>
+        <p:cTn id="1" dur="indefinite" restart="never" nodeType="tmRoot"/>
+      </p:par>
+    </p:tnLst>
+  </p:timing>
+</p:sld>
+</file>
+
+<file path=ppt/slides/slide24.xml><?xml version="1.0" encoding="utf-8"?>
+<p:sld xmlns:a="http://schemas.openxmlformats.org/drawingml/2006/main" xmlns:r="http://schemas.openxmlformats.org/officeDocument/2006/relationships" xmlns:p="http://schemas.openxmlformats.org/presentationml/2006/main">
+  <p:cSld>
+    <p:spTree>
+      <p:nvGrpSpPr>
+        <p:cNvPr id="1" name=""/>
+        <p:cNvGrpSpPr/>
+        <p:nvPr/>
+      </p:nvGrpSpPr>
+      <p:grpSpPr>
+        <a:xfrm>
+          <a:off x="0" y="0"/>
+          <a:ext cx="0" cy="0"/>
+          <a:chOff x="0" y="0"/>
+          <a:chExt cx="0" cy="0"/>
+        </a:xfrm>
+      </p:grpSpPr>
+      <p:sp>
+        <p:nvSpPr>
+          <p:cNvPr id="2" name="직사각형 1"/>
+          <p:cNvSpPr/>
+          <p:nvPr/>
+        </p:nvSpPr>
+        <p:spPr>
+          <a:xfrm>
+            <a:off x="1790700" y="2397949"/>
+            <a:ext cx="6096000" cy="2062103"/>
+          </a:xfrm>
+          <a:prstGeom prst="rect">
+            <a:avLst/>
+          </a:prstGeom>
+        </p:spPr>
+        <p:txBody>
+          <a:bodyPr>
+            <a:spAutoFit/>
+          </a:bodyPr>
+          <a:lstStyle/>
+          <a:p>
+            <a:r>
+              <a:rPr lang="en-US" altLang="ko-KR" sz="3200" dirty="0"/>
+              <a:t>interface Iterator {</a:t>
+            </a:r>
+          </a:p>
+          <a:p>
+            <a:r>
+              <a:rPr lang="en-US" altLang="ko-KR" sz="3200" dirty="0" smtClean="0"/>
+              <a:t>	public </a:t>
+            </a:r>
+            <a:r>
+              <a:rPr lang="en-US" altLang="ko-KR" sz="3200" dirty="0"/>
+              <a:t>boolean hasNext</a:t>
+            </a:r>
+            <a:r>
+              <a:rPr lang="en-US" altLang="ko-KR" sz="3200" dirty="0" smtClean="0"/>
+              <a:t>();</a:t>
+            </a:r>
+            <a:endParaRPr lang="ko-KR" altLang="en-US" sz="3200" dirty="0"/>
+          </a:p>
+          <a:p>
+            <a:r>
+              <a:rPr lang="en-US" altLang="ko-KR" sz="3200" dirty="0" smtClean="0"/>
+              <a:t>	public </a:t>
+            </a:r>
+            <a:r>
+              <a:rPr lang="en-US" altLang="ko-KR" sz="3200" dirty="0"/>
+              <a:t>Object next();</a:t>
+            </a:r>
+          </a:p>
+          <a:p>
+            <a:r>
+              <a:rPr lang="en-US" altLang="ko-KR" sz="3200" dirty="0"/>
+              <a:t>}</a:t>
+            </a:r>
+            <a:endParaRPr lang="ko-KR" altLang="en-US" sz="3200" dirty="0"/>
+          </a:p>
+        </p:txBody>
+      </p:sp>
+    </p:spTree>
+    <p:extLst>
+      <p:ext uri="{BB962C8B-B14F-4D97-AF65-F5344CB8AC3E}">
+        <p14:creationId xmlns:p14="http://schemas.microsoft.com/office/powerpoint/2010/main" val="100853670"/>
+      </p:ext>
+    </p:extLst>
+  </p:cSld>
+  <p:clrMapOvr>
+    <a:masterClrMapping/>
+  </p:clrMapOvr>
+  <p:timing>
+    <p:tnLst>
+      <p:par>
+        <p:cTn id="1" dur="indefinite" restart="never" nodeType="tmRoot"/>
+      </p:par>
+    </p:tnLst>
+  </p:timing>
+</p:sld>
+</file>
+
+<file path=ppt/slides/slide25.xml><?xml version="1.0" encoding="utf-8"?>
+<p:sld xmlns:a="http://schemas.openxmlformats.org/drawingml/2006/main" xmlns:r="http://schemas.openxmlformats.org/officeDocument/2006/relationships" xmlns:p="http://schemas.openxmlformats.org/presentationml/2006/main">
+  <p:cSld>
+    <p:spTree>
+      <p:nvGrpSpPr>
+        <p:cNvPr id="1" name=""/>
+        <p:cNvGrpSpPr/>
+        <p:nvPr/>
+      </p:nvGrpSpPr>
+      <p:grpSpPr>
+        <a:xfrm>
+          <a:off x="0" y="0"/>
+          <a:ext cx="0" cy="0"/>
+          <a:chOff x="0" y="0"/>
+          <a:chExt cx="0" cy="0"/>
+        </a:xfrm>
+      </p:grpSpPr>
+      <p:sp>
+        <p:nvSpPr>
+          <p:cNvPr id="2" name="직사각형 1"/>
+          <p:cNvSpPr/>
+          <p:nvPr/>
+        </p:nvSpPr>
+        <p:spPr>
+          <a:xfrm>
+            <a:off x="1676400" y="1166843"/>
+            <a:ext cx="7467600" cy="4524315"/>
+          </a:xfrm>
+          <a:prstGeom prst="rect">
+            <a:avLst/>
+          </a:prstGeom>
+        </p:spPr>
+        <p:txBody>
+          <a:bodyPr wrap="square">
+            <a:spAutoFit/>
+          </a:bodyPr>
+          <a:lstStyle/>
+          <a:p>
+            <a:r>
+              <a:rPr lang="ko-KR" altLang="en-US" sz="3200" dirty="0" smtClean="0">
+                <a:solidFill>
+                  <a:schemeClr val="bg1">
+                    <a:lumMod val="65000"/>
+                  </a:schemeClr>
+                </a:solidFill>
+              </a:rPr>
+              <a:t>class </a:t>
+            </a:r>
+            <a:r>
+              <a:rPr lang="ko-KR" altLang="en-US" sz="3200" dirty="0">
+                <a:solidFill>
+                  <a:schemeClr val="bg1">
+                    <a:lumMod val="65000"/>
+                  </a:schemeClr>
+                </a:solidFill>
+              </a:rPr>
+              <a:t>Ite implements Iterator {</a:t>
+            </a:r>
+          </a:p>
+          <a:p>
+            <a:r>
+              <a:rPr lang="ko-KR" altLang="en-US" sz="3200" dirty="0">
+                <a:solidFill>
+                  <a:schemeClr val="bg1">
+                    <a:lumMod val="65000"/>
+                  </a:schemeClr>
+                </a:solidFill>
+              </a:rPr>
+              <a:t>	int cursor = 0;	</a:t>
+            </a:r>
+            <a:r>
+              <a:rPr lang="ko-KR" altLang="en-US" sz="3200" dirty="0">
+                <a:solidFill>
+                  <a:srgbClr val="333333"/>
+                </a:solidFill>
+              </a:rPr>
+              <a:t>	</a:t>
+            </a:r>
+            <a:endParaRPr lang="en-US" altLang="ko-KR" sz="3200" dirty="0">
+              <a:solidFill>
+                <a:srgbClr val="333333"/>
+              </a:solidFill>
+            </a:endParaRPr>
+          </a:p>
+          <a:p>
+            <a:r>
+              <a:rPr lang="en-US" altLang="ko-KR" sz="3200" dirty="0" smtClean="0">
+                <a:solidFill>
+                  <a:srgbClr val="333333"/>
+                </a:solidFill>
+              </a:rPr>
+              <a:t>	public </a:t>
+            </a:r>
+            <a:r>
+              <a:rPr lang="en-US" altLang="ko-KR" sz="3200" dirty="0">
+                <a:solidFill>
+                  <a:srgbClr val="333333"/>
+                </a:solidFill>
+              </a:rPr>
+              <a:t>boolean hasNext() {</a:t>
+            </a:r>
+          </a:p>
+          <a:p>
+            <a:r>
+              <a:rPr lang="en-US" altLang="ko-KR" sz="3200" dirty="0" smtClean="0">
+                <a:solidFill>
+                  <a:srgbClr val="333333"/>
+                </a:solidFill>
+              </a:rPr>
+              <a:t>		return </a:t>
+            </a:r>
+            <a:r>
+              <a:rPr lang="en-US" altLang="ko-KR" sz="3200" dirty="0">
+                <a:solidFill>
+                  <a:srgbClr val="333333"/>
+                </a:solidFill>
+              </a:rPr>
+              <a:t>size != cursor;</a:t>
+            </a:r>
+          </a:p>
+          <a:p>
+            <a:r>
+              <a:rPr lang="en-US" altLang="ko-KR" sz="3200" dirty="0" smtClean="0">
+                <a:solidFill>
+                  <a:srgbClr val="333333"/>
+                </a:solidFill>
+              </a:rPr>
+              <a:t>	}</a:t>
+            </a:r>
+            <a:endParaRPr lang="en-US" altLang="ko-KR" sz="3200" dirty="0">
+              <a:solidFill>
+                <a:srgbClr val="333333"/>
+              </a:solidFill>
+            </a:endParaRPr>
+          </a:p>
+          <a:p>
+            <a:r>
+              <a:rPr lang="en-US" altLang="ko-KR" sz="3200" dirty="0" smtClean="0">
+                <a:solidFill>
+                  <a:srgbClr val="333333"/>
+                </a:solidFill>
+              </a:rPr>
+              <a:t>	public </a:t>
+            </a:r>
+            <a:r>
+              <a:rPr lang="en-US" altLang="ko-KR" sz="3200" dirty="0">
+                <a:solidFill>
+                  <a:srgbClr val="333333"/>
+                </a:solidFill>
+              </a:rPr>
+              <a:t>Object next() {</a:t>
+            </a:r>
+          </a:p>
+          <a:p>
+            <a:r>
+              <a:rPr lang="en-US" altLang="ko-KR" sz="3200" dirty="0" smtClean="0">
+                <a:solidFill>
+                  <a:srgbClr val="333333"/>
+                </a:solidFill>
+              </a:rPr>
+              <a:t>		return </a:t>
+            </a:r>
+            <a:r>
+              <a:rPr lang="en-US" altLang="ko-KR" sz="3200" dirty="0">
+                <a:solidFill>
+                  <a:srgbClr val="333333"/>
+                </a:solidFill>
+              </a:rPr>
+              <a:t>elementData[cursor++];</a:t>
+            </a:r>
+          </a:p>
+          <a:p>
+            <a:r>
+              <a:rPr lang="en-US" altLang="ko-KR" sz="3200" dirty="0" smtClean="0">
+                <a:solidFill>
+                  <a:srgbClr val="333333"/>
+                </a:solidFill>
+              </a:rPr>
+              <a:t>	}</a:t>
+            </a:r>
+            <a:endParaRPr lang="ko-KR" altLang="en-US" sz="3200" dirty="0">
+              <a:solidFill>
+                <a:srgbClr val="333333"/>
+              </a:solidFill>
+            </a:endParaRPr>
+          </a:p>
+          <a:p>
+            <a:r>
+              <a:rPr lang="ko-KR" altLang="en-US" sz="3200" dirty="0" smtClean="0">
+                <a:solidFill>
+                  <a:schemeClr val="bg1">
+                    <a:lumMod val="65000"/>
+                  </a:schemeClr>
+                </a:solidFill>
+              </a:rPr>
+              <a:t>}</a:t>
+            </a:r>
+            <a:endParaRPr lang="ko-KR" altLang="en-US" sz="3200" dirty="0">
+              <a:solidFill>
+                <a:schemeClr val="bg1">
+                  <a:lumMod val="65000"/>
+                </a:schemeClr>
+              </a:solidFill>
+            </a:endParaRPr>
+          </a:p>
+        </p:txBody>
+      </p:sp>
+    </p:spTree>
+    <p:extLst>
+      <p:ext uri="{BB962C8B-B14F-4D97-AF65-F5344CB8AC3E}">
+        <p14:creationId xmlns:p14="http://schemas.microsoft.com/office/powerpoint/2010/main" val="1058380275"/>
+      </p:ext>
+    </p:extLst>
+  </p:cSld>
+  <p:clrMapOvr>
+    <a:masterClrMapping/>
+  </p:clrMapOvr>
 </p:sld>
 </file>
 
@@ -11273,8 +12781,8 @@
         </p:nvSpPr>
         <p:spPr>
           <a:xfrm>
-            <a:off x="2271251" y="914400"/>
-            <a:ext cx="8494633" cy="5016758"/>
+            <a:off x="2690351" y="1276350"/>
+            <a:ext cx="6647974" cy="4832092"/>
           </a:xfrm>
           <a:prstGeom prst="rect">
             <a:avLst/>
@@ -11288,58 +12796,158 @@
           <a:lstStyle/>
           <a:p>
             <a:r>
-              <a:rPr lang="en-US" altLang="ko-KR" sz="3200" dirty="0"/>
-              <a:t>package ot.ds.list.arraylist.implementation;</a:t>
-            </a:r>
-          </a:p>
-          <a:p>
-            <a:endParaRPr lang="en-US" altLang="ko-KR" sz="3200" dirty="0"/>
-          </a:p>
-          <a:p>
-            <a:r>
-              <a:rPr lang="en-US" altLang="ko-KR" sz="3200" dirty="0"/>
+              <a:rPr lang="en-US" altLang="ko-KR" sz="2800" dirty="0"/>
+              <a:t>package ot.ds.list.arraylist.implementation</a:t>
+            </a:r>
+            <a:r>
+              <a:rPr lang="en-US" altLang="ko-KR" sz="2800" dirty="0" smtClean="0"/>
+              <a:t>;</a:t>
+            </a:r>
+            <a:endParaRPr lang="en-US" altLang="ko-KR" sz="2800" dirty="0" smtClean="0"/>
+          </a:p>
+          <a:p>
+            <a:r>
+              <a:rPr lang="en-US" altLang="ko-KR" sz="2800" dirty="0"/>
               <a:t>class ArrayList{</a:t>
             </a:r>
           </a:p>
           <a:p>
             <a:r>
-              <a:rPr lang="en-US" altLang="ko-KR" sz="3200" dirty="0"/>
+              <a:rPr lang="en-US" altLang="ko-KR" sz="2800" dirty="0"/>
               <a:t>}</a:t>
             </a:r>
           </a:p>
           <a:p>
-            <a:endParaRPr lang="en-US" altLang="ko-KR" sz="3200" dirty="0"/>
-          </a:p>
-          <a:p>
-            <a:r>
-              <a:rPr lang="en-US" altLang="ko-KR" sz="3200" dirty="0"/>
+            <a:endParaRPr lang="en-US" altLang="ko-KR" sz="2800" dirty="0" smtClean="0"/>
+          </a:p>
+          <a:p>
+            <a:endParaRPr lang="en-US" altLang="ko-KR" sz="2800" dirty="0"/>
+          </a:p>
+          <a:p>
+            <a:r>
+              <a:rPr lang="en-US" altLang="ko-KR" sz="2800" dirty="0" smtClean="0"/>
+              <a:t>package </a:t>
+            </a:r>
+            <a:r>
+              <a:rPr lang="en-US" altLang="ko-KR" sz="2800" dirty="0"/>
+              <a:t>ot.ds.list.arraylist.implementation</a:t>
+            </a:r>
+            <a:r>
+              <a:rPr lang="en-US" altLang="ko-KR" sz="2800" dirty="0" smtClean="0"/>
+              <a:t>;</a:t>
+            </a:r>
+            <a:endParaRPr lang="en-US" altLang="ko-KR" sz="2800" dirty="0"/>
+          </a:p>
+          <a:p>
+            <a:r>
+              <a:rPr lang="en-US" altLang="ko-KR" sz="2800" dirty="0"/>
               <a:t>public class Main {</a:t>
             </a:r>
           </a:p>
           <a:p>
             <a:r>
-              <a:rPr lang="en-US" altLang="ko-KR" sz="3200" dirty="0"/>
+              <a:rPr lang="en-US" altLang="ko-KR" sz="2800" dirty="0"/>
               <a:t>	public static void main(String[] args) {</a:t>
             </a:r>
           </a:p>
           <a:p>
             <a:r>
-              <a:rPr lang="en-US" altLang="ko-KR" sz="3200" dirty="0"/>
+              <a:rPr lang="en-US" altLang="ko-KR" sz="2800" dirty="0"/>
               <a:t>		ArrayList numbers = new ArrayList();		</a:t>
             </a:r>
           </a:p>
           <a:p>
             <a:r>
-              <a:rPr lang="en-US" altLang="ko-KR" sz="3200" dirty="0"/>
+              <a:rPr lang="en-US" altLang="ko-KR" sz="2800" dirty="0"/>
               <a:t>	}</a:t>
             </a:r>
           </a:p>
           <a:p>
             <a:r>
-              <a:rPr lang="en-US" altLang="ko-KR" sz="3200" dirty="0"/>
+              <a:rPr lang="en-US" altLang="ko-KR" sz="2800" dirty="0"/>
               <a:t>}</a:t>
             </a:r>
-            <a:endParaRPr lang="ko-KR" altLang="en-US" sz="3200" dirty="0"/>
+            <a:endParaRPr lang="ko-KR" altLang="en-US" sz="2800" dirty="0"/>
+          </a:p>
+        </p:txBody>
+      </p:sp>
+      <p:sp>
+        <p:nvSpPr>
+          <p:cNvPr id="3" name="직사각형 2"/>
+          <p:cNvSpPr/>
+          <p:nvPr/>
+        </p:nvSpPr>
+        <p:spPr>
+          <a:xfrm>
+            <a:off x="2823701" y="876240"/>
+            <a:ext cx="1521891" cy="400110"/>
+          </a:xfrm>
+          <a:prstGeom prst="rect">
+            <a:avLst/>
+          </a:prstGeom>
+          <a:solidFill>
+            <a:srgbClr val="C00000"/>
+          </a:solidFill>
+        </p:spPr>
+        <p:txBody>
+          <a:bodyPr wrap="none">
+            <a:spAutoFit/>
+          </a:bodyPr>
+          <a:lstStyle/>
+          <a:p>
+            <a:r>
+              <a:rPr lang="en-US" altLang="ko-KR" sz="2000" dirty="0" smtClean="0">
+                <a:solidFill>
+                  <a:schemeClr val="bg1"/>
+                </a:solidFill>
+              </a:rPr>
+              <a:t>ArrayList.java</a:t>
+            </a:r>
+            <a:endParaRPr lang="ko-KR" altLang="en-US" sz="2000" dirty="0">
+              <a:solidFill>
+                <a:schemeClr val="bg1"/>
+              </a:solidFill>
+            </a:endParaRPr>
+          </a:p>
+        </p:txBody>
+      </p:sp>
+      <p:sp>
+        <p:nvSpPr>
+          <p:cNvPr id="4" name="직사각형 3"/>
+          <p:cNvSpPr/>
+          <p:nvPr/>
+        </p:nvSpPr>
+        <p:spPr>
+          <a:xfrm>
+            <a:off x="2804651" y="3059965"/>
+            <a:ext cx="1084271" cy="400110"/>
+          </a:xfrm>
+          <a:prstGeom prst="rect">
+            <a:avLst/>
+          </a:prstGeom>
+          <a:solidFill>
+            <a:srgbClr val="C00000"/>
+          </a:solidFill>
+        </p:spPr>
+        <p:txBody>
+          <a:bodyPr wrap="none">
+            <a:spAutoFit/>
+          </a:bodyPr>
+          <a:lstStyle/>
+          <a:p>
+            <a:r>
+              <a:rPr lang="en-US" altLang="ko-KR" sz="2000" dirty="0" smtClean="0">
+                <a:solidFill>
+                  <a:schemeClr val="bg1"/>
+                </a:solidFill>
+              </a:rPr>
+              <a:t>Main.java</a:t>
+            </a:r>
+            <a:endParaRPr lang="ko-KR" altLang="en-US" sz="2000" dirty="0">
+              <a:solidFill>
+                <a:schemeClr val="bg1"/>
+              </a:solidFill>
+            </a:endParaRPr>
           </a:p>
         </p:txBody>
       </p:sp>
@@ -11598,6 +13206,13 @@
   <p:clrMapOvr>
     <a:masterClrMapping/>
   </p:clrMapOvr>
+  <p:timing>
+    <p:tnLst>
+      <p:par>
+        <p:cTn id="1" dur="indefinite" restart="never" nodeType="tmRoot"/>
+      </p:par>
+    </p:tnLst>
+  </p:timing>
 </p:sld>
 </file>
 
@@ -13809,7 +15424,7 @@
             <a:p>
               <a:pPr algn="ctr"/>
               <a:r>
-                <a:rPr lang="ko-KR" altLang="en-US" sz="1600" b="1" dirty="0" err="1" smtClean="0">
+                <a:rPr lang="ko-KR" altLang="en-US" sz="1600" b="1" dirty="0" smtClean="0">
                   <a:solidFill>
                     <a:schemeClr val="bg1"/>
                   </a:solidFill>
@@ -13947,8 +15562,8 @@
           </p:nvCxnSpPr>
           <p:spPr>
             <a:xfrm rot="5400000">
-              <a:off x="5974497" y="3313282"/>
-              <a:ext cx="1349001" cy="2405988"/>
+              <a:off x="5903245" y="3242030"/>
+              <a:ext cx="1349001" cy="2548493"/>
             </a:xfrm>
             <a:prstGeom prst="curvedConnector3">
               <a:avLst>
@@ -13985,7 +15600,7 @@
           </p:nvSpPr>
           <p:spPr>
             <a:xfrm>
-              <a:off x="4970141" y="5190777"/>
+              <a:off x="4827636" y="5190777"/>
               <a:ext cx="951723" cy="322418"/>
             </a:xfrm>
             <a:prstGeom prst="roundRect">
@@ -14049,7 +15664,7 @@
           </p:nvSpPr>
           <p:spPr>
             <a:xfrm>
-              <a:off x="6904525" y="5199811"/>
+              <a:off x="6595767" y="5199811"/>
               <a:ext cx="951723" cy="322418"/>
             </a:xfrm>
             <a:prstGeom prst="roundRect">
@@ -14113,7 +15728,7 @@
           </p:nvSpPr>
           <p:spPr>
             <a:xfrm>
-              <a:off x="8174440" y="5192694"/>
+              <a:off x="7889433" y="5192694"/>
               <a:ext cx="951723" cy="322418"/>
             </a:xfrm>
             <a:prstGeom prst="roundRect">
@@ -14180,8 +15795,8 @@
           </p:nvCxnSpPr>
           <p:spPr>
             <a:xfrm rot="16200000" flipH="1">
-              <a:off x="5546349" y="3365772"/>
-              <a:ext cx="1279525" cy="2388552"/>
+              <a:off x="5391970" y="3520151"/>
+              <a:ext cx="1279525" cy="2079794"/>
             </a:xfrm>
             <a:prstGeom prst="curvedConnector3">
               <a:avLst>
@@ -14462,7 +16077,7 @@
 <file path=ppt/theme/theme1.xml><?xml version="1.0" encoding="utf-8"?>
 <a:theme xmlns:a="http://schemas.openxmlformats.org/drawingml/2006/main" name="비누">
   <a:themeElements>
-    <a:clrScheme name="Savon">
+    <a:clrScheme name="비누">
       <a:dk1>
         <a:sysClr val="windowText" lastClr="000000"/>
       </a:dk1>
@@ -14500,19 +16115,19 @@
         <a:srgbClr val="739D9B"/>
       </a:folHlink>
     </a:clrScheme>
-    <a:fontScheme name="넥슨고딕">
+    <a:fontScheme name="사용자 지정 1">
       <a:majorFont>
-        <a:latin typeface="넥슨 풋볼고딕 B"/>
-        <a:ea typeface="넥슨 풋볼고딕 B"/>
+        <a:latin typeface="나눔바른펜"/>
+        <a:ea typeface="나눔바른펜"/>
         <a:cs typeface=""/>
       </a:majorFont>
       <a:minorFont>
-        <a:latin typeface="넥슨 풋볼고딕 L"/>
-        <a:ea typeface="넥슨 풋볼고딕 L"/>
+        <a:latin typeface="나눔바른펜"/>
+        <a:ea typeface="나눔바른펜"/>
         <a:cs typeface=""/>
       </a:minorFont>
     </a:fontScheme>
-    <a:fmtScheme name="Savon">
+    <a:fmtScheme name="비누">
       <a:fillStyleLst>
         <a:solidFill>
           <a:schemeClr val="phClr"/>
@@ -14673,19 +16288,32 @@
   <a:objectDefaults>
     <a:spDef>
       <a:spPr/>
-      <a:bodyPr/>
-      <a:lstStyle/>
+      <a:bodyPr rot="0" spcFirstLastPara="0" vertOverflow="overflow" horzOverflow="overflow" vert="horz" wrap="square" lIns="91440" tIns="45720" rIns="91440" bIns="45720" numCol="1" spcCol="0" rtlCol="0" fromWordArt="0" anchor="ctr" anchorCtr="0" forceAA="0" compatLnSpc="1">
+        <a:prstTxWarp prst="textNoShape">
+          <a:avLst/>
+        </a:prstTxWarp>
+        <a:noAutofit/>
+      </a:bodyPr>
+      <a:lstStyle>
+        <a:defPPr algn="ctr">
+          <a:defRPr>
+            <a:solidFill>
+              <a:schemeClr val="tx1"/>
+            </a:solidFill>
+          </a:defRPr>
+        </a:defPPr>
+      </a:lstStyle>
       <a:style>
         <a:lnRef idx="2">
-          <a:schemeClr val="accent6">
+          <a:schemeClr val="accent1">
             <a:shade val="50000"/>
           </a:schemeClr>
         </a:lnRef>
         <a:fillRef idx="1">
-          <a:schemeClr val="accent6"/>
+          <a:schemeClr val="accent1"/>
         </a:fillRef>
         <a:effectRef idx="0">
-          <a:schemeClr val="accent6"/>
+          <a:schemeClr val="accent1"/>
         </a:effectRef>
         <a:fontRef idx="minor">
           <a:schemeClr val="lt1"/>
@@ -14696,7 +16324,7 @@
   <a:extraClrSchemeLst/>
   <a:extLst>
     <a:ext uri="{05A4C25C-085E-4340-85A3-A5531E510DB2}">
-      <thm15:themeFamily xmlns:thm15="http://schemas.microsoft.com/office/thememl/2012/main" name="Savon" id="{1306E473-ED32-493B-A2D0-240A757EDD34}" vid="{C20BADFE-D095-436F-9677-9264042809F0}"/>
+      <thm15:themeFamily xmlns:thm15="http://schemas.microsoft.com/office/thememl/2012/main" name="기본서식파일.potx" id="{8107AE13-CFC1-431E-B240-A284A1213AE0}" vid="{50A6A0A8-307C-4494-99DD-D39DD965E593}"/>
     </a:ext>
   </a:extLst>
 </a:theme>
